--- a/블록체인/2025-8-다크 코인과 51% 공격.pptx
+++ b/블록체인/2025-8-다크 코인과 51% 공격.pptx
@@ -10,17 +10,19 @@
     <p:sldId id="333" r:id="rId4"/>
     <p:sldId id="334" r:id="rId5"/>
     <p:sldId id="335" r:id="rId6"/>
-    <p:sldId id="336" r:id="rId7"/>
-    <p:sldId id="337" r:id="rId8"/>
-    <p:sldId id="338" r:id="rId9"/>
-    <p:sldId id="341" r:id="rId10"/>
-    <p:sldId id="339" r:id="rId11"/>
-    <p:sldId id="340" r:id="rId12"/>
-    <p:sldId id="342" r:id="rId13"/>
-    <p:sldId id="343" r:id="rId14"/>
-    <p:sldId id="344" r:id="rId15"/>
-    <p:sldId id="345" r:id="rId16"/>
-    <p:sldId id="346" r:id="rId17"/>
+    <p:sldId id="347" r:id="rId7"/>
+    <p:sldId id="348" r:id="rId8"/>
+    <p:sldId id="336" r:id="rId9"/>
+    <p:sldId id="337" r:id="rId10"/>
+    <p:sldId id="338" r:id="rId11"/>
+    <p:sldId id="341" r:id="rId12"/>
+    <p:sldId id="339" r:id="rId13"/>
+    <p:sldId id="340" r:id="rId14"/>
+    <p:sldId id="342" r:id="rId15"/>
+    <p:sldId id="343" r:id="rId16"/>
+    <p:sldId id="344" r:id="rId17"/>
+    <p:sldId id="345" r:id="rId18"/>
+    <p:sldId id="346" r:id="rId19"/>
   </p:sldIdLst>
   <p:sldSz cx="9144000" cy="6858000" type="screen4x3"/>
   <p:notesSz cx="6858000" cy="9144000"/>
@@ -303,7 +305,7 @@
           <a:p>
             <a:fld id="{FB30EDBD-1C2D-4C1E-B459-B60219FAB484}" type="datetimeFigureOut">
               <a:rPr lang="ko-KR" altLang="en-US" smtClean="0"/>
-              <a:t>2025-10-13</a:t>
+              <a:t>2025-10-30</a:t>
             </a:fld>
             <a:endParaRPr lang="ko-KR" altLang="en-US"/>
           </a:p>
@@ -468,7 +470,7 @@
           <a:p>
             <a:fld id="{FB30EDBD-1C2D-4C1E-B459-B60219FAB484}" type="datetimeFigureOut">
               <a:rPr lang="ko-KR" altLang="en-US" smtClean="0"/>
-              <a:t>2025-10-13</a:t>
+              <a:t>2025-10-30</a:t>
             </a:fld>
             <a:endParaRPr lang="ko-KR" altLang="en-US"/>
           </a:p>
@@ -643,7 +645,7 @@
           <a:p>
             <a:fld id="{FB30EDBD-1C2D-4C1E-B459-B60219FAB484}" type="datetimeFigureOut">
               <a:rPr lang="ko-KR" altLang="en-US" smtClean="0"/>
-              <a:t>2025-10-13</a:t>
+              <a:t>2025-10-30</a:t>
             </a:fld>
             <a:endParaRPr lang="ko-KR" altLang="en-US"/>
           </a:p>
@@ -854,7 +856,7 @@
           <a:p>
             <a:fld id="{FB30EDBD-1C2D-4C1E-B459-B60219FAB484}" type="datetimeFigureOut">
               <a:rPr lang="ko-KR" altLang="en-US" smtClean="0"/>
-              <a:t>2025-10-13</a:t>
+              <a:t>2025-10-30</a:t>
             </a:fld>
             <a:endParaRPr lang="ko-KR" altLang="en-US"/>
           </a:p>
@@ -1095,7 +1097,7 @@
           <a:p>
             <a:fld id="{FB30EDBD-1C2D-4C1E-B459-B60219FAB484}" type="datetimeFigureOut">
               <a:rPr lang="ko-KR" altLang="en-US" smtClean="0"/>
-              <a:t>2025-10-13</a:t>
+              <a:t>2025-10-30</a:t>
             </a:fld>
             <a:endParaRPr lang="ko-KR" altLang="en-US"/>
           </a:p>
@@ -1378,7 +1380,7 @@
           <a:p>
             <a:fld id="{FB30EDBD-1C2D-4C1E-B459-B60219FAB484}" type="datetimeFigureOut">
               <a:rPr lang="ko-KR" altLang="en-US" smtClean="0"/>
-              <a:t>2025-10-13</a:t>
+              <a:t>2025-10-30</a:t>
             </a:fld>
             <a:endParaRPr lang="ko-KR" altLang="en-US"/>
           </a:p>
@@ -1795,7 +1797,7 @@
           <a:p>
             <a:fld id="{FB30EDBD-1C2D-4C1E-B459-B60219FAB484}" type="datetimeFigureOut">
               <a:rPr lang="ko-KR" altLang="en-US" smtClean="0"/>
-              <a:t>2025-10-13</a:t>
+              <a:t>2025-10-30</a:t>
             </a:fld>
             <a:endParaRPr lang="ko-KR" altLang="en-US"/>
           </a:p>
@@ -1908,7 +1910,7 @@
           <a:p>
             <a:fld id="{FB30EDBD-1C2D-4C1E-B459-B60219FAB484}" type="datetimeFigureOut">
               <a:rPr lang="ko-KR" altLang="en-US" smtClean="0"/>
-              <a:t>2025-10-13</a:t>
+              <a:t>2025-10-30</a:t>
             </a:fld>
             <a:endParaRPr lang="ko-KR" altLang="en-US"/>
           </a:p>
@@ -1998,7 +2000,7 @@
           <a:p>
             <a:fld id="{FB30EDBD-1C2D-4C1E-B459-B60219FAB484}" type="datetimeFigureOut">
               <a:rPr lang="ko-KR" altLang="en-US" smtClean="0"/>
-              <a:t>2025-10-13</a:t>
+              <a:t>2025-10-30</a:t>
             </a:fld>
             <a:endParaRPr lang="ko-KR" altLang="en-US"/>
           </a:p>
@@ -2270,7 +2272,7 @@
           <a:p>
             <a:fld id="{FB30EDBD-1C2D-4C1E-B459-B60219FAB484}" type="datetimeFigureOut">
               <a:rPr lang="ko-KR" altLang="en-US" smtClean="0"/>
-              <a:t>2025-10-13</a:t>
+              <a:t>2025-10-30</a:t>
             </a:fld>
             <a:endParaRPr lang="ko-KR" altLang="en-US"/>
           </a:p>
@@ -2518,7 +2520,7 @@
           <a:p>
             <a:fld id="{FB30EDBD-1C2D-4C1E-B459-B60219FAB484}" type="datetimeFigureOut">
               <a:rPr lang="ko-KR" altLang="en-US" smtClean="0"/>
-              <a:t>2025-10-13</a:t>
+              <a:t>2025-10-30</a:t>
             </a:fld>
             <a:endParaRPr lang="ko-KR" altLang="en-US"/>
           </a:p>
@@ -2726,7 +2728,7 @@
           <a:p>
             <a:fld id="{FB30EDBD-1C2D-4C1E-B459-B60219FAB484}" type="datetimeFigureOut">
               <a:rPr lang="ko-KR" altLang="en-US" smtClean="0"/>
-              <a:t>2025-10-13</a:t>
+              <a:t>2025-10-30</a:t>
             </a:fld>
             <a:endParaRPr lang="ko-KR" altLang="en-US"/>
           </a:p>
@@ -3295,29 +3297,88 @@
         <p:spPr/>
         <p:txBody>
           <a:bodyPr>
-            <a:normAutofit/>
+            <a:normAutofit lnSpcReduction="10000"/>
           </a:bodyPr>
           <a:lstStyle/>
           <a:p>
             <a:r>
               <a:rPr lang="en-US" altLang="ko-KR"/>
-              <a:t>51% </a:t>
-            </a:r>
-            <a:r>
-              <a:rPr lang="ko-KR" altLang="en-US" smtClean="0"/>
-              <a:t>공격</a:t>
-            </a:r>
-            <a:endParaRPr lang="ko-KR" altLang="en-US" b="0"/>
+              <a:t>FBI</a:t>
+            </a:r>
+            <a:r>
+              <a:rPr lang="ko-KR" altLang="en-US" smtClean="0"/>
+              <a:t>의 </a:t>
+            </a:r>
+            <a:r>
+              <a:rPr lang="en-US" altLang="ko-KR" smtClean="0"/>
+              <a:t>BTC </a:t>
+            </a:r>
+            <a:r>
+              <a:rPr lang="ko-KR" altLang="en-US"/>
+              <a:t>추적사례</a:t>
+            </a:r>
           </a:p>
           <a:p>
             <a:pPr lvl="1"/>
             <a:r>
-              <a:rPr lang="ko-KR" altLang="en-US"/>
-              <a:t>블록체인 네트워크의 보안을 위협하는 잠재적인 취약점 중 </a:t>
-            </a:r>
-            <a:r>
-              <a:rPr lang="ko-KR" altLang="en-US" smtClean="0"/>
-              <a:t>하나</a:t>
+              <a:rPr lang="en-US" altLang="ko-KR" smtClean="0">
+                <a:solidFill>
+                  <a:schemeClr val="tx1"/>
+                </a:solidFill>
+              </a:rPr>
+              <a:t>21</a:t>
+            </a:r>
+            <a:r>
+              <a:rPr lang="ko-KR" altLang="en-US" smtClean="0">
+                <a:solidFill>
+                  <a:schemeClr val="tx1"/>
+                </a:solidFill>
+              </a:rPr>
+              <a:t>년 </a:t>
+            </a:r>
+            <a:r>
+              <a:rPr lang="en-US" altLang="ko-KR" smtClean="0">
+                <a:solidFill>
+                  <a:schemeClr val="tx1"/>
+                </a:solidFill>
+              </a:rPr>
+              <a:t>5</a:t>
+            </a:r>
+            <a:r>
+              <a:rPr lang="ko-KR" altLang="en-US" smtClean="0">
+                <a:solidFill>
+                  <a:schemeClr val="tx1"/>
+                </a:solidFill>
+              </a:rPr>
+              <a:t>월 </a:t>
+            </a:r>
+            <a:r>
+              <a:rPr lang="en-US" altLang="ko-KR" smtClean="0">
+                <a:solidFill>
+                  <a:schemeClr val="tx1"/>
+                </a:solidFill>
+              </a:rPr>
+              <a:t>7</a:t>
+            </a:r>
+            <a:r>
+              <a:rPr lang="ko-KR" altLang="en-US" smtClean="0">
+                <a:solidFill>
+                  <a:schemeClr val="tx1"/>
+                </a:solidFill>
+              </a:rPr>
+              <a:t>일 </a:t>
+            </a:r>
+            <a:r>
+              <a:rPr lang="ko-KR" altLang="en-US" u="sng" smtClean="0">
+                <a:solidFill>
+                  <a:schemeClr val="tx1"/>
+                </a:solidFill>
+              </a:rPr>
+              <a:t>랜섬웨어 공격으로 </a:t>
+            </a:r>
+            <a:r>
+              <a:rPr lang="ko-KR" altLang="en-US" smtClean="0"/>
+              <a:t>콜로니얼 파이프라인의 가동 중단</a:t>
             </a:r>
             <a:endParaRPr lang="en-US" altLang="ko-KR" smtClean="0"/>
           </a:p>
@@ -3325,141 +3386,386 @@
             <a:pPr lvl="2"/>
             <a:r>
               <a:rPr lang="ko-KR" altLang="en-US" smtClean="0"/>
-              <a:t>단일 </a:t>
-            </a:r>
-            <a:r>
-              <a:rPr lang="ko-KR" altLang="en-US"/>
-              <a:t>주체</a:t>
+              <a:t>미법무부는 </a:t>
+            </a:r>
+            <a:r>
+              <a:rPr lang="en-US" altLang="ko-KR" smtClean="0"/>
+              <a:t>21</a:t>
+            </a:r>
+            <a:r>
+              <a:rPr lang="ko-KR" altLang="en-US" smtClean="0"/>
+              <a:t>년 </a:t>
+            </a:r>
+            <a:r>
+              <a:rPr lang="en-US" altLang="ko-KR" smtClean="0"/>
+              <a:t>6</a:t>
+            </a:r>
+            <a:r>
+              <a:rPr lang="ko-KR" altLang="en-US" smtClean="0"/>
+              <a:t>월 콜로니얼 파이프라인이 해커집단 다크사이드</a:t>
             </a:r>
             <a:r>
               <a:rPr lang="en-US" altLang="ko-KR"/>
-              <a:t>(</a:t>
-            </a:r>
-            <a:r>
-              <a:rPr lang="ko-KR" altLang="en-US"/>
-              <a:t>개인 또는 그룹</a:t>
+              <a:t>(DarkSide</a:t>
+            </a:r>
+            <a:r>
+              <a:rPr lang="en-US" altLang="ko-KR" smtClean="0"/>
+              <a:t>) </a:t>
+            </a:r>
+            <a:r>
+              <a:rPr lang="en-US" altLang="ko-KR" baseline="30000" smtClean="0">
+                <a:solidFill>
+                  <a:srgbClr val="C00000"/>
+                </a:solidFill>
+              </a:rPr>
+              <a:t>(2020</a:t>
+            </a:r>
+            <a:r>
+              <a:rPr lang="ko-KR" altLang="en-US" baseline="30000">
+                <a:solidFill>
+                  <a:srgbClr val="C00000"/>
+                </a:solidFill>
+              </a:rPr>
+              <a:t>년 </a:t>
+            </a:r>
+            <a:r>
+              <a:rPr lang="en-US" altLang="ko-KR" baseline="30000">
+                <a:solidFill>
+                  <a:srgbClr val="C00000"/>
+                </a:solidFill>
+              </a:rPr>
+              <a:t>8</a:t>
+            </a:r>
+            <a:r>
+              <a:rPr lang="ko-KR" altLang="en-US" baseline="30000">
+                <a:solidFill>
+                  <a:srgbClr val="C00000"/>
+                </a:solidFill>
+              </a:rPr>
+              <a:t>월경에 등장한 악명 높은 사이버 범죄 조직이자 그들이 사용하는 랜섬웨어의 </a:t>
+            </a:r>
+            <a:r>
+              <a:rPr lang="ko-KR" altLang="en-US" baseline="30000" smtClean="0">
+                <a:solidFill>
+                  <a:srgbClr val="C00000"/>
+                </a:solidFill>
+              </a:rPr>
+              <a:t>이름</a:t>
+            </a:r>
+            <a:r>
+              <a:rPr lang="en-US" altLang="ko-KR" baseline="30000" smtClean="0">
+                <a:solidFill>
+                  <a:srgbClr val="C00000"/>
+                </a:solidFill>
+              </a:rPr>
+              <a:t>)</a:t>
+            </a:r>
+            <a:r>
+              <a:rPr lang="ko-KR" altLang="en-US" smtClean="0"/>
+              <a:t>에 지급된 </a:t>
+            </a:r>
+            <a:r>
+              <a:rPr lang="en-US" altLang="ko-KR" smtClean="0"/>
+              <a:t>75BTC(500</a:t>
+            </a:r>
+            <a:r>
+              <a:rPr lang="ko-KR" altLang="en-US"/>
+              <a:t>만달러</a:t>
             </a:r>
             <a:r>
               <a:rPr lang="en-US" altLang="ko-KR"/>
-              <a:t>)</a:t>
-            </a:r>
-            <a:r>
-              <a:rPr lang="ko-KR" altLang="en-US"/>
-              <a:t>가 특정 블록체인 </a:t>
-            </a:r>
-            <a:r>
-              <a:rPr lang="ko-KR" altLang="en-US">
+              <a:t>) </a:t>
+            </a:r>
+            <a:r>
+              <a:rPr lang="ko-KR" altLang="en-US" smtClean="0"/>
+              <a:t>중 </a:t>
+            </a:r>
+            <a:r>
+              <a:rPr lang="en-US" altLang="ko-KR" smtClean="0"/>
+              <a:t>63.7BTC </a:t>
+            </a:r>
+            <a:r>
+              <a:rPr lang="ko-KR" altLang="en-US"/>
+              <a:t>회수</a:t>
+            </a:r>
+          </a:p>
+          <a:p>
+            <a:pPr lvl="1"/>
+            <a:r>
+              <a:rPr lang="en-US" altLang="ko-KR" smtClean="0">
+                <a:solidFill>
+                  <a:schemeClr val="tx1"/>
+                </a:solidFill>
+              </a:rPr>
+              <a:t>Overflow </a:t>
+            </a:r>
+            <a:r>
+              <a:rPr lang="en-US" altLang="ko-KR">
+                <a:solidFill>
+                  <a:schemeClr val="tx1"/>
+                </a:solidFill>
+              </a:rPr>
+              <a:t>Labs</a:t>
+            </a:r>
+            <a:r>
+              <a:rPr lang="ko-KR" altLang="en-US" smtClean="0">
+                <a:solidFill>
+                  <a:schemeClr val="tx1"/>
+                </a:solidFill>
+              </a:rPr>
+              <a:t>의 정보보호 책임자 베드나렉은 </a:t>
+            </a:r>
+            <a:r>
+              <a:rPr lang="en-US" altLang="ko-KR" smtClean="0">
+                <a:solidFill>
+                  <a:schemeClr val="tx1"/>
+                </a:solidFill>
+              </a:rPr>
+              <a:t/>
+            </a:r>
+            <a:br>
+              <a:rPr lang="en-US" altLang="ko-KR" smtClean="0">
+                <a:solidFill>
+                  <a:schemeClr val="tx1"/>
+                </a:solidFill>
+              </a:rPr>
+            </a:br>
+            <a:r>
+              <a:rPr lang="ko-KR" altLang="en-US" smtClean="0">
+                <a:solidFill>
+                  <a:schemeClr val="tx1"/>
+                </a:solidFill>
+              </a:rPr>
+              <a:t>다음 중 하나를 </a:t>
+            </a:r>
+            <a:r>
+              <a:rPr lang="en-US" altLang="ko-KR" smtClean="0">
+                <a:solidFill>
+                  <a:schemeClr val="tx1"/>
+                </a:solidFill>
+              </a:rPr>
+              <a:t>FBI</a:t>
+            </a:r>
+            <a:r>
+              <a:rPr lang="ko-KR" altLang="en-US" smtClean="0">
+                <a:solidFill>
+                  <a:schemeClr val="tx1"/>
+                </a:solidFill>
+              </a:rPr>
+              <a:t>가 해커의 개인키 획득 </a:t>
+            </a:r>
+            <a:r>
+              <a:rPr lang="en-US" altLang="ko-KR" smtClean="0">
+                <a:solidFill>
+                  <a:schemeClr val="tx1"/>
+                </a:solidFill>
+              </a:rPr>
+              <a:t/>
+            </a:r>
+            <a:br>
+              <a:rPr lang="en-US" altLang="ko-KR" smtClean="0">
+                <a:solidFill>
+                  <a:schemeClr val="tx1"/>
+                </a:solidFill>
+              </a:rPr>
+            </a:br>
+            <a:r>
+              <a:rPr lang="ko-KR" altLang="en-US" smtClean="0">
+                <a:solidFill>
+                  <a:schemeClr val="tx1"/>
+                </a:solidFill>
+              </a:rPr>
+              <a:t>시나리오로 추측</a:t>
+            </a:r>
+            <a:endParaRPr lang="en-US" altLang="ko-KR" smtClean="0">
+              <a:solidFill>
+                <a:schemeClr val="tx1"/>
+              </a:solidFill>
+            </a:endParaRPr>
+          </a:p>
+          <a:p>
+            <a:pPr lvl="2"/>
+            <a:r>
+              <a:rPr lang="ko-KR" altLang="en-US" smtClean="0"/>
+              <a:t>다크사이드의 미숙한 운영으로 </a:t>
+            </a:r>
+            <a:r>
+              <a:rPr lang="en-US" altLang="ko-KR" smtClean="0"/>
+              <a:t>FBI</a:t>
+            </a:r>
+            <a:r>
+              <a:rPr lang="ko-KR" altLang="en-US" smtClean="0"/>
+              <a:t>가 랜섬웨어 </a:t>
+            </a:r>
+            <a:r>
+              <a:rPr lang="en-US" altLang="ko-KR" smtClean="0"/>
+              <a:t/>
+            </a:r>
+            <a:br>
+              <a:rPr lang="en-US" altLang="ko-KR" smtClean="0"/>
+            </a:br>
+            <a:r>
+              <a:rPr lang="ko-KR" altLang="en-US" smtClean="0">
                 <a:solidFill>
                   <a:srgbClr val="006600"/>
                 </a:solidFill>
               </a:rPr>
-              <a:t>네트워크의 전체 컴퓨팅 파워</a:t>
-            </a:r>
-            <a:r>
-              <a:rPr lang="en-US" altLang="ko-KR">
+              <a:t>지불에 사용된 컴퓨팅 장치의 위치 발견 후 </a:t>
+            </a:r>
+            <a:r>
+              <a:rPr lang="en-US" altLang="ko-KR" smtClean="0">
                 <a:solidFill>
                   <a:srgbClr val="006600"/>
                 </a:solidFill>
               </a:rPr>
-              <a:t>(</a:t>
-            </a:r>
-            <a:r>
-              <a:rPr lang="ko-KR" altLang="en-US">
+              <a:t/>
+            </a:r>
+            <a:br>
+              <a:rPr lang="en-US" altLang="ko-KR" smtClean="0">
                 <a:solidFill>
                   <a:srgbClr val="006600"/>
                 </a:solidFill>
               </a:rPr>
-              <a:t>해시 파워</a:t>
-            </a:r>
-            <a:r>
-              <a:rPr lang="en-US" altLang="ko-KR">
+            </a:br>
+            <a:r>
+              <a:rPr lang="ko-KR" altLang="en-US" smtClean="0">
                 <a:solidFill>
                   <a:srgbClr val="006600"/>
                 </a:solidFill>
               </a:rPr>
-              <a:t>) </a:t>
-            </a:r>
-            <a:r>
-              <a:rPr lang="ko-KR" altLang="en-US">
-                <a:solidFill>
-                  <a:srgbClr val="006600"/>
-                </a:solidFill>
-              </a:rPr>
-              <a:t>또는 스테이킹된 자산의 </a:t>
-            </a:r>
-            <a:r>
-              <a:rPr lang="en-US" altLang="ko-KR">
-                <a:solidFill>
-                  <a:srgbClr val="006600"/>
-                </a:solidFill>
-              </a:rPr>
-              <a:t>50% </a:t>
-            </a:r>
-            <a:r>
-              <a:rPr lang="ko-KR" altLang="en-US">
-                <a:solidFill>
-                  <a:srgbClr val="006600"/>
-                </a:solidFill>
-              </a:rPr>
-              <a:t>이상을 장악할 </a:t>
-            </a:r>
-            <a:r>
-              <a:rPr lang="ko-KR" altLang="en-US"/>
-              <a:t>때 발생할 수 있는 </a:t>
-            </a:r>
-            <a:r>
-              <a:rPr lang="ko-KR" altLang="en-US" smtClean="0"/>
-              <a:t>공격</a:t>
+              <a:t>압수해 해커의 개인키를 포렌식으로 찾음</a:t>
+            </a:r>
+            <a:endParaRPr lang="en-US" altLang="ko-KR" smtClean="0">
+              <a:solidFill>
+                <a:srgbClr val="006600"/>
+              </a:solidFill>
+            </a:endParaRPr>
+          </a:p>
+          <a:p>
+            <a:pPr lvl="2"/>
+            <a:r>
+              <a:rPr lang="en-US" altLang="ko-KR" smtClean="0"/>
+              <a:t>FBI</a:t>
+            </a:r>
+            <a:r>
+              <a:rPr lang="ko-KR" altLang="en-US" smtClean="0"/>
+              <a:t>가 다크사이드 내부에 정보원을 심어 개인키를 </a:t>
+            </a:r>
+            <a:r>
+              <a:rPr lang="en-US" altLang="ko-KR" smtClean="0"/>
+              <a:t/>
+            </a:r>
+            <a:br>
+              <a:rPr lang="en-US" altLang="ko-KR" smtClean="0"/>
+            </a:br>
+            <a:r>
+              <a:rPr lang="ko-KR" altLang="en-US" smtClean="0"/>
+              <a:t>보관하는 컴퓨터 해킹</a:t>
             </a:r>
             <a:endParaRPr lang="en-US" altLang="ko-KR" smtClean="0"/>
           </a:p>
           <a:p>
-            <a:pPr lvl="3"/>
-            <a:r>
-              <a:rPr lang="ko-KR" altLang="en-US" smtClean="0"/>
-              <a:t>전체 </a:t>
-            </a:r>
-            <a:r>
-              <a:rPr lang="ko-KR" altLang="en-US"/>
-              <a:t>해시 파워의 </a:t>
-            </a:r>
-            <a:r>
-              <a:rPr lang="en-US" altLang="ko-KR" smtClean="0"/>
-              <a:t>50</a:t>
-            </a:r>
-            <a:r>
-              <a:rPr lang="en-US" altLang="ko-KR"/>
-              <a:t>% </a:t>
-            </a:r>
-            <a:r>
-              <a:rPr lang="ko-KR" altLang="en-US" smtClean="0"/>
-              <a:t>이상을 확보하여 거래정보를 조작하는 공격</a:t>
-            </a:r>
-            <a:endParaRPr lang="ko-KR" altLang="en-US" b="0"/>
-          </a:p>
-          <a:p>
-            <a:pPr lvl="3"/>
-            <a:r>
-              <a:rPr lang="ko-KR" altLang="en-US" smtClean="0"/>
-              <a:t>공격자 노드들은 전체 해시파워가 높으므로 더 빠른 속도로 블록을 채굴</a:t>
-            </a:r>
-            <a:endParaRPr lang="ko-KR" altLang="en-US" b="0"/>
-          </a:p>
-          <a:p>
-            <a:endParaRPr lang="ko-KR" altLang="en-US"/>
-          </a:p>
-          <a:p>
+            <a:pPr lvl="1"/>
+            <a:r>
+              <a:rPr lang="en-US" altLang="ko-KR" smtClean="0">
+                <a:solidFill>
+                  <a:schemeClr val="tx1"/>
+                </a:solidFill>
+              </a:rPr>
+              <a:t>FBI</a:t>
+            </a:r>
+            <a:r>
+              <a:rPr lang="ko-KR" altLang="en-US" smtClean="0">
+                <a:solidFill>
+                  <a:schemeClr val="tx1"/>
+                </a:solidFill>
+              </a:rPr>
+              <a:t>가 다크사이드의 </a:t>
+            </a:r>
+            <a:r>
+              <a:rPr lang="en-US" altLang="ko-KR" smtClean="0">
+                <a:solidFill>
+                  <a:schemeClr val="tx1"/>
+                </a:solidFill>
+              </a:rPr>
+              <a:t>23</a:t>
+            </a:r>
+            <a:r>
+              <a:rPr lang="ko-KR" altLang="en-US" smtClean="0">
+                <a:solidFill>
+                  <a:schemeClr val="tx1"/>
+                </a:solidFill>
+              </a:rPr>
+              <a:t>개 지갑으로 이동한 </a:t>
+            </a:r>
+            <a:r>
+              <a:rPr lang="en-US" altLang="ko-KR" smtClean="0">
+                <a:solidFill>
+                  <a:schemeClr val="tx1"/>
+                </a:solidFill>
+              </a:rPr>
+              <a:t/>
+            </a:r>
+            <a:br>
+              <a:rPr lang="en-US" altLang="ko-KR" smtClean="0">
+                <a:solidFill>
+                  <a:schemeClr val="tx1"/>
+                </a:solidFill>
+              </a:rPr>
+            </a:br>
+            <a:r>
+              <a:rPr lang="ko-KR" altLang="en-US" smtClean="0">
+                <a:solidFill>
+                  <a:schemeClr val="tx1"/>
+                </a:solidFill>
+              </a:rPr>
+              <a:t>비트코인 추적 → 법집행기관</a:t>
+            </a:r>
+            <a:r>
+              <a:rPr lang="en-US" altLang="ko-KR" smtClean="0">
+                <a:solidFill>
+                  <a:schemeClr val="tx1"/>
+                </a:solidFill>
+              </a:rPr>
+              <a:t/>
+            </a:r>
+            <a:br>
+              <a:rPr lang="en-US" altLang="ko-KR" smtClean="0">
+                <a:solidFill>
+                  <a:schemeClr val="tx1"/>
+                </a:solidFill>
+              </a:rPr>
+            </a:br>
+            <a:r>
+              <a:rPr lang="ko-KR" altLang="en-US" smtClean="0">
+                <a:solidFill>
+                  <a:schemeClr val="tx1"/>
+                </a:solidFill>
+              </a:rPr>
+              <a:t>역시 암호화폐 산업과 함께 성장</a:t>
+            </a:r>
             <a:endParaRPr lang="ko-KR" altLang="en-US">
               <a:solidFill>
                 <a:schemeClr val="tx1"/>
               </a:solidFill>
             </a:endParaRPr>
           </a:p>
+          <a:p>
+            <a:pPr lvl="1"/>
+            <a:endParaRPr lang="ko-KR" altLang="en-US"/>
+          </a:p>
+          <a:p>
+            <a:endParaRPr lang="ko-KR" altLang="en-US">
+              <a:solidFill>
+                <a:schemeClr val="tx1"/>
+              </a:solidFill>
+            </a:endParaRPr>
+          </a:p>
         </p:txBody>
       </p:sp>
       <p:pic>
         <p:nvPicPr>
-          <p:cNvPr id="14339" name="Picture 3"/>
+          <p:cNvPr id="13314" name="Picture 2"/>
           <p:cNvPicPr>
             <a:picLocks noChangeAspect="1" noChangeArrowheads="1"/>
           </p:cNvPicPr>
@@ -3480,8 +3786,8 @@
         </p:blipFill>
         <p:spPr bwMode="auto">
           <a:xfrm>
-            <a:off x="2915816" y="3573016"/>
-            <a:ext cx="3528392" cy="2062971"/>
+            <a:off x="6372200" y="2852936"/>
+            <a:ext cx="2592289" cy="3168352"/>
           </a:xfrm>
           <a:prstGeom prst="rect">
             <a:avLst/>
@@ -3514,7 +3820,7 @@
     </p:spTree>
     <p:extLst>
       <p:ext uri="{BB962C8B-B14F-4D97-AF65-F5344CB8AC3E}">
-        <p14:creationId xmlns:p14="http://schemas.microsoft.com/office/powerpoint/2010/main" val="2758348576"/>
+        <p14:creationId xmlns:p14="http://schemas.microsoft.com/office/powerpoint/2010/main" val="833370561"/>
       </p:ext>
     </p:extLst>
   </p:cSld>
@@ -3589,29 +3895,40 @@
         <p:spPr/>
         <p:txBody>
           <a:bodyPr>
-            <a:normAutofit/>
+            <a:normAutofit fontScale="92500" lnSpcReduction="10000"/>
           </a:bodyPr>
           <a:lstStyle/>
           <a:p>
             <a:r>
+              <a:rPr lang="ko-KR" altLang="en-US"/>
+              <a:t>해시 파워</a:t>
+            </a:r>
+            <a:r>
               <a:rPr lang="en-US" altLang="ko-KR"/>
-              <a:t>51% </a:t>
-            </a:r>
-            <a:r>
-              <a:rPr lang="ko-KR" altLang="en-US" smtClean="0"/>
-              <a:t>공격</a:t>
-            </a:r>
-            <a:endParaRPr lang="ko-KR" altLang="en-US" b="0"/>
+              <a:t>(Hash Power</a:t>
+            </a:r>
+            <a:r>
+              <a:rPr lang="en-US" altLang="ko-KR" smtClean="0"/>
+              <a:t>)</a:t>
+            </a:r>
           </a:p>
           <a:p>
             <a:pPr lvl="1"/>
             <a:r>
+              <a:rPr lang="ko-KR" altLang="en-US" smtClean="0">
+                <a:solidFill>
+                  <a:schemeClr val="tx1"/>
+                </a:solidFill>
+              </a:rPr>
+              <a:t>암호화폐 </a:t>
+            </a:r>
+            <a:r>
               <a:rPr lang="ko-KR" altLang="en-US">
                 <a:solidFill>
                   <a:schemeClr val="tx1"/>
                 </a:solidFill>
               </a:rPr>
-              <a:t>정상 네트워크에서 공격자 </a:t>
+              <a:t>채굴에서 사용되는 핵심 개념으로</a:t>
             </a:r>
             <a:r>
               <a:rPr lang="en-US" altLang="ko-KR">
@@ -3619,7 +3936,7 @@
                   <a:schemeClr val="tx1"/>
                 </a:solidFill>
               </a:rPr>
-              <a:t>A</a:t>
+              <a:t>, </a:t>
             </a:r>
             <a:r>
               <a:rPr lang="ko-KR" altLang="en-US">
@@ -3627,7 +3944,54 @@
                   <a:schemeClr val="tx1"/>
                 </a:solidFill>
               </a:rPr>
-              <a:t>가 </a:t>
+              <a:t>특정 블록체인 네트워크가 </a:t>
+            </a:r>
+            <a:r>
+              <a:rPr lang="en-US" altLang="ko-KR" smtClean="0">
+                <a:solidFill>
+                  <a:schemeClr val="tx1"/>
+                </a:solidFill>
+              </a:rPr>
+              <a:t/>
+            </a:r>
+            <a:br>
+              <a:rPr lang="en-US" altLang="ko-KR" smtClean="0">
+                <a:solidFill>
+                  <a:schemeClr val="tx1"/>
+                </a:solidFill>
+              </a:rPr>
+            </a:br>
+            <a:r>
+              <a:rPr lang="ko-KR" altLang="en-US" smtClean="0"/>
+              <a:t>초당 </a:t>
+            </a:r>
+            <a:r>
+              <a:rPr lang="ko-KR" altLang="en-US"/>
+              <a:t>수행할 수 있는 해시 연산의 총량을 </a:t>
+            </a:r>
+            <a:r>
+              <a:rPr lang="ko-KR" altLang="en-US" smtClean="0"/>
+              <a:t>나타냄</a:t>
+            </a:r>
+            <a:endParaRPr lang="en-US" altLang="ko-KR" smtClean="0"/>
+          </a:p>
+          <a:p>
+            <a:pPr lvl="2"/>
+            <a:r>
+              <a:rPr lang="ko-KR" altLang="en-US" smtClean="0">
+                <a:solidFill>
+                  <a:schemeClr val="tx1"/>
+                </a:solidFill>
+              </a:rPr>
+              <a:t>해시 </a:t>
+            </a:r>
+            <a:r>
+              <a:rPr lang="ko-KR" altLang="en-US">
+                <a:solidFill>
+                  <a:schemeClr val="tx1"/>
+                </a:solidFill>
+              </a:rPr>
+              <a:t>파워의 단위는 주로 </a:t>
             </a:r>
             <a:r>
               <a:rPr lang="en-US" altLang="ko-KR">
@@ -3635,7 +3999,7 @@
                   <a:schemeClr val="tx1"/>
                 </a:solidFill>
               </a:rPr>
-              <a:t>B</a:t>
+              <a:t>H/s (</a:t>
             </a:r>
             <a:r>
               <a:rPr lang="ko-KR" altLang="en-US">
@@ -3643,15 +4007,15 @@
                   <a:schemeClr val="tx1"/>
                 </a:solidFill>
               </a:rPr>
-              <a:t>에게 </a:t>
-            </a:r>
-            <a:r>
-              <a:rPr lang="en-US" altLang="ko-KR" smtClean="0">
-                <a:solidFill>
-                  <a:schemeClr val="tx1"/>
-                </a:solidFill>
-              </a:rPr>
-              <a:t>50 BTC </a:t>
+              <a:t>초당 해시</a:t>
+            </a:r>
+            <a:r>
+              <a:rPr lang="en-US" altLang="ko-KR">
+                <a:solidFill>
+                  <a:schemeClr val="tx1"/>
+                </a:solidFill>
+              </a:rPr>
+              <a:t>), KH/s, MH/s, GH/s, TH/s, PH/s, EH/s</a:t>
             </a:r>
             <a:r>
               <a:rPr lang="ko-KR" altLang="en-US">
@@ -3659,84 +4023,17 @@
                   <a:schemeClr val="tx1"/>
                 </a:solidFill>
               </a:rPr>
-              <a:t>입금한 트랜잭션이 </a:t>
-            </a:r>
-            <a:r>
-              <a:rPr lang="en-US" altLang="ko-KR">
-                <a:solidFill>
-                  <a:schemeClr val="tx1"/>
-                </a:solidFill>
-              </a:rPr>
-              <a:t/>
-            </a:r>
-            <a:br>
-              <a:rPr lang="en-US" altLang="ko-KR">
-                <a:solidFill>
-                  <a:schemeClr val="tx1"/>
-                </a:solidFill>
-              </a:rPr>
-            </a:br>
-            <a:r>
-              <a:rPr lang="en-US" altLang="ko-KR">
-                <a:solidFill>
-                  <a:schemeClr val="tx1"/>
-                </a:solidFill>
-              </a:rPr>
-              <a:t>2381</a:t>
-            </a:r>
-            <a:r>
-              <a:rPr lang="ko-KR" altLang="en-US">
-                <a:solidFill>
-                  <a:schemeClr val="tx1"/>
-                </a:solidFill>
-              </a:rPr>
-              <a:t>번째블록에 기록 → </a:t>
-            </a:r>
-            <a:r>
-              <a:rPr lang="en-US" altLang="ko-KR">
-                <a:solidFill>
-                  <a:schemeClr val="tx1"/>
-                </a:solidFill>
-              </a:rPr>
-              <a:t>B</a:t>
-            </a:r>
-            <a:r>
-              <a:rPr lang="ko-KR" altLang="en-US">
-                <a:solidFill>
-                  <a:schemeClr val="tx1"/>
-                </a:solidFill>
-              </a:rPr>
-              <a:t>는 거래내역이 블록체인에 연결된 후 </a:t>
-            </a:r>
-            <a:r>
-              <a:rPr lang="en-US" altLang="ko-KR">
-                <a:solidFill>
-                  <a:schemeClr val="tx1"/>
-                </a:solidFill>
-              </a:rPr>
-              <a:t>A</a:t>
-            </a:r>
-            <a:r>
-              <a:rPr lang="ko-KR" altLang="en-US">
-                <a:solidFill>
-                  <a:schemeClr val="tx1"/>
-                </a:solidFill>
-              </a:rPr>
-              <a:t>에게 </a:t>
-            </a:r>
-            <a:r>
-              <a:rPr lang="ko-KR" altLang="en-US"/>
-              <a:t>현금</a:t>
-            </a:r>
-            <a:r>
-              <a:rPr lang="ko-KR" altLang="en-US">
-                <a:solidFill>
-                  <a:schemeClr val="tx1"/>
-                </a:solidFill>
-              </a:rPr>
-              <a:t> 송금</a:t>
-            </a:r>
-            <a:endParaRPr lang="en-US" altLang="ko-KR">
+              <a:t> 등으로 </a:t>
+            </a:r>
+            <a:r>
+              <a:rPr lang="ko-KR" altLang="en-US" smtClean="0">
+                <a:solidFill>
+                  <a:schemeClr val="tx1"/>
+                </a:solidFill>
+              </a:rPr>
+              <a:t>표기</a:t>
+            </a:r>
+            <a:endParaRPr lang="en-US" altLang="ko-KR" smtClean="0">
               <a:solidFill>
                 <a:schemeClr val="tx1"/>
               </a:solidFill>
@@ -3745,12 +4042,55 @@
           <a:p>
             <a:pPr lvl="1"/>
             <a:r>
-              <a:rPr lang="en-US" altLang="ko-KR">
-                <a:solidFill>
-                  <a:schemeClr val="tx1"/>
-                </a:solidFill>
-              </a:rPr>
-              <a:t>A</a:t>
+              <a:rPr lang="ko-KR" altLang="en-US" smtClean="0">
+                <a:solidFill>
+                  <a:schemeClr val="tx1"/>
+                </a:solidFill>
+              </a:rPr>
+              <a:t>주로 </a:t>
+            </a:r>
+            <a:r>
+              <a:rPr lang="ko-KR" altLang="en-US"/>
+              <a:t>작업 증명</a:t>
+            </a:r>
+            <a:r>
+              <a:rPr lang="en-US" altLang="ko-KR"/>
+              <a:t>(Proof of Work, PoW)</a:t>
+            </a:r>
+            <a:r>
+              <a:rPr lang="ko-KR" altLang="en-US"/>
+              <a:t> 방식의 암호화폐</a:t>
+            </a:r>
+            <a:r>
+              <a:rPr lang="en-US" altLang="ko-KR"/>
+              <a:t>(</a:t>
+            </a:r>
+            <a:r>
+              <a:rPr lang="ko-KR" altLang="en-US"/>
+              <a:t>예</a:t>
+            </a:r>
+            <a:r>
+              <a:rPr lang="en-US" altLang="ko-KR"/>
+              <a:t>: </a:t>
+            </a:r>
+            <a:r>
+              <a:rPr lang="ko-KR" altLang="en-US"/>
+              <a:t>비트코인</a:t>
+            </a:r>
+            <a:r>
+              <a:rPr lang="en-US" altLang="ko-KR"/>
+              <a:t>) </a:t>
+            </a:r>
+            <a:r>
+              <a:rPr lang="en-US" altLang="ko-KR" smtClean="0"/>
+              <a:t/>
+            </a:r>
+            <a:br>
+              <a:rPr lang="en-US" altLang="ko-KR" smtClean="0"/>
+            </a:br>
+            <a:r>
+              <a:rPr lang="ko-KR" altLang="en-US" smtClean="0"/>
+              <a:t>채굴에서 </a:t>
             </a:r>
             <a:r>
               <a:rPr lang="ko-KR" altLang="en-US">
@@ -3758,129 +4098,31 @@
                   <a:schemeClr val="tx1"/>
                 </a:solidFill>
               </a:rPr>
-              <a:t>는 현금을 받은뒤 </a:t>
-            </a:r>
-            <a:r>
-              <a:rPr lang="en-US" altLang="ko-KR">
-                <a:solidFill>
-                  <a:schemeClr val="tx1"/>
-                </a:solidFill>
-              </a:rPr>
-              <a:t>2381 </a:t>
-            </a:r>
-            <a:r>
-              <a:rPr lang="ko-KR" altLang="en-US">
-                <a:solidFill>
-                  <a:schemeClr val="tx1"/>
-                </a:solidFill>
-              </a:rPr>
-              <a:t>블록에서 </a:t>
-            </a:r>
-            <a:r>
-              <a:rPr lang="en-US" altLang="ko-KR">
-                <a:solidFill>
-                  <a:schemeClr val="tx1"/>
-                </a:solidFill>
-              </a:rPr>
-              <a:t>B</a:t>
-            </a:r>
-            <a:r>
-              <a:rPr lang="ko-KR" altLang="en-US">
-                <a:solidFill>
-                  <a:schemeClr val="tx1"/>
-                </a:solidFill>
-              </a:rPr>
-              <a:t>에게 보낸 송금기록을 삭제하고 </a:t>
-            </a:r>
-            <a:r>
-              <a:rPr lang="en-US" altLang="ko-KR">
-                <a:solidFill>
-                  <a:schemeClr val="tx1"/>
-                </a:solidFill>
-              </a:rPr>
-              <a:t/>
-            </a:r>
-            <a:br>
-              <a:rPr lang="en-US" altLang="ko-KR">
-                <a:solidFill>
-                  <a:schemeClr val="tx1"/>
-                </a:solidFill>
-              </a:rPr>
-            </a:br>
-            <a:r>
-              <a:rPr lang="ko-KR" altLang="en-US">
-                <a:solidFill>
-                  <a:schemeClr val="tx1"/>
-                </a:solidFill>
-              </a:rPr>
-              <a:t>새로운 블록 생성</a:t>
-            </a:r>
-            <a:endParaRPr lang="en-US" altLang="ko-KR">
+              <a:t>중요한 역할을 </a:t>
+            </a:r>
+            <a:r>
+              <a:rPr lang="ko-KR" altLang="en-US" smtClean="0">
+                <a:solidFill>
+                  <a:schemeClr val="tx1"/>
+                </a:solidFill>
+              </a:rPr>
+              <a:t>함</a:t>
+            </a:r>
+            <a:endParaRPr lang="en-US" altLang="ko-KR" smtClean="0">
               <a:solidFill>
                 <a:schemeClr val="tx1"/>
               </a:solidFill>
             </a:endParaRPr>
           </a:p>
           <a:p>
-            <a:pPr lvl="1"/>
-            <a:r>
-              <a:rPr lang="en-US" altLang="ko-KR">
-                <a:solidFill>
-                  <a:schemeClr val="tx1"/>
-                </a:solidFill>
-              </a:rPr>
-              <a:t>A</a:t>
-            </a:r>
-            <a:r>
-              <a:rPr lang="ko-KR" altLang="en-US">
-                <a:solidFill>
-                  <a:schemeClr val="tx1"/>
-                </a:solidFill>
-              </a:rPr>
-              <a:t>는 해시파워가 높으므로 남들보다 빠르게 뒤에 이어질 블록생성 </a:t>
-            </a:r>
-            <a:r>
-              <a:rPr lang="en-US" altLang="ko-KR" smtClean="0">
-                <a:solidFill>
-                  <a:schemeClr val="tx1"/>
-                </a:solidFill>
-              </a:rPr>
-              <a:t/>
-            </a:r>
-            <a:br>
-              <a:rPr lang="en-US" altLang="ko-KR" smtClean="0">
-                <a:solidFill>
-                  <a:schemeClr val="tx1"/>
-                </a:solidFill>
-              </a:rPr>
-            </a:br>
-            <a:r>
-              <a:rPr lang="ko-KR" altLang="en-US" smtClean="0">
-                <a:solidFill>
-                  <a:schemeClr val="tx1"/>
-                </a:solidFill>
-              </a:rPr>
-              <a:t>→ </a:t>
-            </a:r>
-            <a:r>
-              <a:rPr lang="ko-KR" altLang="en-US"/>
-              <a:t>공격자는 프로그램을 수정하여 채굴</a:t>
-            </a:r>
-            <a:r>
-              <a:rPr lang="en-US" altLang="ko-KR"/>
-              <a:t>(</a:t>
-            </a:r>
-            <a:r>
-              <a:rPr lang="ko-KR" altLang="en-US"/>
-              <a:t>생성</a:t>
-            </a:r>
-            <a:r>
-              <a:rPr lang="en-US" altLang="ko-KR"/>
-              <a:t>)</a:t>
-            </a:r>
-            <a:r>
-              <a:rPr lang="ko-KR" altLang="en-US"/>
-              <a:t>한 블록들을 전파하지 </a:t>
+            <a:pPr lvl="2"/>
+            <a:r>
+              <a:rPr lang="en-US" altLang="ko-KR" smtClean="0"/>
+              <a:t>PoW </a:t>
+            </a:r>
+            <a:r>
+              <a:rPr lang="ko-KR" altLang="en-US"/>
+              <a:t>방식에서 채굴자들은 복잡한 수학적 문제를 풀어 새로운 블록을 찾고 </a:t>
             </a:r>
             <a:r>
               <a:rPr lang="en-US" altLang="ko-KR" smtClean="0"/>
@@ -3891,81 +4133,402 @@
             </a:br>
             <a:r>
               <a:rPr lang="ko-KR" altLang="en-US" smtClean="0"/>
-              <a:t>않고 </a:t>
-            </a:r>
-            <a:r>
-              <a:rPr lang="ko-KR" altLang="en-US"/>
-              <a:t>보유</a:t>
-            </a:r>
-            <a:endParaRPr lang="ko-KR" altLang="en-US" b="0"/>
-          </a:p>
-          <a:p>
+              <a:t>블록체인에 추가</a:t>
+            </a:r>
+            <a:endParaRPr lang="en-US" altLang="ko-KR" smtClean="0"/>
+          </a:p>
+          <a:p>
+            <a:pPr lvl="2"/>
+            <a:r>
+              <a:rPr lang="ko-KR" altLang="en-US" smtClean="0"/>
+              <a:t>이 </a:t>
+            </a:r>
+            <a:r>
+              <a:rPr lang="ko-KR" altLang="en-US">
+                <a:solidFill>
+                  <a:srgbClr val="006600"/>
+                </a:solidFill>
+              </a:rPr>
+              <a:t>문제를 푸는 과정이 바로 </a:t>
+            </a:r>
+            <a:r>
+              <a:rPr lang="en-US" altLang="ko-KR">
+                <a:solidFill>
+                  <a:srgbClr val="006600"/>
+                </a:solidFill>
+              </a:rPr>
+              <a:t>'</a:t>
+            </a:r>
+            <a:r>
+              <a:rPr lang="ko-KR" altLang="en-US">
+                <a:solidFill>
+                  <a:srgbClr val="006600"/>
+                </a:solidFill>
+              </a:rPr>
+              <a:t>해시 연산</a:t>
+            </a:r>
+            <a:r>
+              <a:rPr lang="en-US" altLang="ko-KR">
+                <a:solidFill>
+                  <a:srgbClr val="006600"/>
+                </a:solidFill>
+              </a:rPr>
+              <a:t>'</a:t>
+            </a:r>
+            <a:r>
+              <a:rPr lang="ko-KR" altLang="en-US">
+                <a:solidFill>
+                  <a:srgbClr val="006600"/>
+                </a:solidFill>
+              </a:rPr>
+              <a:t>이며</a:t>
+            </a:r>
+            <a:r>
+              <a:rPr lang="en-US" altLang="ko-KR">
+                <a:solidFill>
+                  <a:srgbClr val="006600"/>
+                </a:solidFill>
+              </a:rPr>
+              <a:t>, </a:t>
+            </a:r>
+            <a:r>
+              <a:rPr lang="ko-KR" altLang="en-US">
+                <a:solidFill>
+                  <a:srgbClr val="006600"/>
+                </a:solidFill>
+              </a:rPr>
+              <a:t>특정 조건을 만족하는 해시 값을 </a:t>
+            </a:r>
+            <a:r>
+              <a:rPr lang="en-US" altLang="ko-KR" smtClean="0">
+                <a:solidFill>
+                  <a:srgbClr val="006600"/>
+                </a:solidFill>
+              </a:rPr>
+              <a:t/>
+            </a:r>
+            <a:br>
+              <a:rPr lang="en-US" altLang="ko-KR" smtClean="0">
+                <a:solidFill>
+                  <a:srgbClr val="006600"/>
+                </a:solidFill>
+              </a:rPr>
+            </a:br>
+            <a:r>
+              <a:rPr lang="ko-KR" altLang="en-US" smtClean="0">
+                <a:solidFill>
+                  <a:srgbClr val="006600"/>
+                </a:solidFill>
+              </a:rPr>
+              <a:t>찾는 것임</a:t>
+            </a:r>
+            <a:endParaRPr lang="en-US" altLang="ko-KR" smtClean="0">
+              <a:solidFill>
+                <a:srgbClr val="006600"/>
+              </a:solidFill>
+            </a:endParaRPr>
+          </a:p>
+          <a:p>
+            <a:pPr lvl="2"/>
+            <a:r>
+              <a:rPr lang="ko-KR" altLang="en-US" smtClean="0">
+                <a:solidFill>
+                  <a:srgbClr val="006600"/>
+                </a:solidFill>
+              </a:rPr>
+              <a:t>높은 </a:t>
+            </a:r>
+            <a:r>
+              <a:rPr lang="ko-KR" altLang="en-US">
+                <a:solidFill>
+                  <a:srgbClr val="006600"/>
+                </a:solidFill>
+              </a:rPr>
+              <a:t>해시 파워 </a:t>
+            </a:r>
+            <a:r>
+              <a:rPr lang="en-US" altLang="ko-KR">
+                <a:solidFill>
+                  <a:srgbClr val="006600"/>
+                </a:solidFill>
+              </a:rPr>
+              <a:t>= </a:t>
+            </a:r>
+            <a:r>
+              <a:rPr lang="ko-KR" altLang="en-US">
+                <a:solidFill>
+                  <a:srgbClr val="006600"/>
+                </a:solidFill>
+              </a:rPr>
+              <a:t>높은 채굴 </a:t>
+            </a:r>
+            <a:r>
+              <a:rPr lang="ko-KR" altLang="en-US" smtClean="0">
+                <a:solidFill>
+                  <a:srgbClr val="006600"/>
+                </a:solidFill>
+              </a:rPr>
+              <a:t>성공률 </a:t>
+            </a:r>
+            <a:r>
+              <a:rPr lang="en-US" altLang="ko-KR" smtClean="0"/>
+              <a:t>-</a:t>
+            </a:r>
+            <a:r>
+              <a:rPr lang="ko-KR" altLang="en-US" smtClean="0"/>
+              <a:t> </a:t>
+            </a:r>
+            <a:r>
+              <a:rPr lang="ko-KR" altLang="en-US"/>
+              <a:t>해시 파워가 높을수록 초당 더 많은 </a:t>
+            </a:r>
+            <a:r>
+              <a:rPr lang="en-US" altLang="ko-KR" smtClean="0"/>
+              <a:t/>
+            </a:r>
+            <a:br>
+              <a:rPr lang="en-US" altLang="ko-KR" smtClean="0"/>
+            </a:br>
+            <a:r>
+              <a:rPr lang="ko-KR" altLang="en-US" smtClean="0"/>
+              <a:t>해시 </a:t>
+            </a:r>
+            <a:r>
+              <a:rPr lang="ko-KR" altLang="en-US"/>
+              <a:t>연산을 수행할 수 있다는 의미이며</a:t>
+            </a:r>
+            <a:r>
+              <a:rPr lang="en-US" altLang="ko-KR"/>
+              <a:t>, </a:t>
+            </a:r>
+            <a:r>
+              <a:rPr lang="ko-KR" altLang="en-US"/>
+              <a:t>이는 블록을 발견할 확률이 높아져 </a:t>
+            </a:r>
+            <a:r>
+              <a:rPr lang="en-US" altLang="ko-KR" smtClean="0"/>
+              <a:t/>
+            </a:r>
+            <a:br>
+              <a:rPr lang="en-US" altLang="ko-KR" smtClean="0"/>
+            </a:br>
+            <a:r>
+              <a:rPr lang="ko-KR" altLang="en-US" smtClean="0">
+                <a:solidFill>
+                  <a:srgbClr val="006600"/>
+                </a:solidFill>
+              </a:rPr>
+              <a:t>채굴에 </a:t>
+            </a:r>
+            <a:r>
+              <a:rPr lang="ko-KR" altLang="en-US">
+                <a:solidFill>
+                  <a:srgbClr val="006600"/>
+                </a:solidFill>
+              </a:rPr>
+              <a:t>성공할 가능성이 커진다는 것을 </a:t>
+            </a:r>
+            <a:r>
+              <a:rPr lang="ko-KR" altLang="en-US" smtClean="0">
+                <a:solidFill>
+                  <a:srgbClr val="006600"/>
+                </a:solidFill>
+              </a:rPr>
+              <a:t>뜻함</a:t>
+            </a:r>
+            <a:endParaRPr lang="en-US" altLang="ko-KR" smtClean="0">
+              <a:solidFill>
+                <a:srgbClr val="006600"/>
+              </a:solidFill>
+            </a:endParaRPr>
+          </a:p>
+          <a:p>
+            <a:pPr lvl="2"/>
+            <a:r>
+              <a:rPr lang="ko-KR" altLang="en-US" smtClean="0"/>
+              <a:t>네트워크 보안 </a:t>
+            </a:r>
+            <a:r>
+              <a:rPr lang="en-US" altLang="ko-KR" smtClean="0"/>
+              <a:t>-</a:t>
+            </a:r>
+            <a:r>
+              <a:rPr lang="ko-KR" altLang="en-US" smtClean="0"/>
+              <a:t> </a:t>
+            </a:r>
+            <a:r>
+              <a:rPr lang="ko-KR" altLang="en-US"/>
+              <a:t>네트워크 전체의 해시 파워가 높을수록 블록체인 네트워크의 </a:t>
+            </a:r>
+            <a:r>
+              <a:rPr lang="en-US" altLang="ko-KR" smtClean="0"/>
+              <a:t/>
+            </a:r>
+            <a:br>
+              <a:rPr lang="en-US" altLang="ko-KR" smtClean="0"/>
+            </a:br>
+            <a:r>
+              <a:rPr lang="ko-KR" altLang="en-US" smtClean="0"/>
+              <a:t>보안성이 강화됨</a:t>
+            </a:r>
+            <a:endParaRPr lang="en-US" altLang="ko-KR" smtClean="0"/>
+          </a:p>
+          <a:p>
+            <a:pPr lvl="3"/>
+            <a:r>
+              <a:rPr lang="ko-KR" altLang="en-US" smtClean="0"/>
+              <a:t>왜냐하면 </a:t>
+            </a:r>
+            <a:r>
+              <a:rPr lang="en-US" altLang="ko-KR"/>
+              <a:t>51% </a:t>
+            </a:r>
+            <a:r>
+              <a:rPr lang="ko-KR" altLang="en-US"/>
+              <a:t>공격과 같은 해킹 시도를 위해서는 </a:t>
+            </a:r>
+            <a:r>
+              <a:rPr lang="ko-KR" altLang="en-US">
+                <a:solidFill>
+                  <a:schemeClr val="accent6">
+                    <a:lumMod val="75000"/>
+                  </a:schemeClr>
+                </a:solidFill>
+              </a:rPr>
+              <a:t>네트워크 전체 해시 파워의 </a:t>
+            </a:r>
+            <a:r>
+              <a:rPr lang="en-US" altLang="ko-KR">
+                <a:solidFill>
+                  <a:schemeClr val="accent6">
+                    <a:lumMod val="75000"/>
+                  </a:schemeClr>
+                </a:solidFill>
+              </a:rPr>
+              <a:t>51% </a:t>
+            </a:r>
+            <a:r>
+              <a:rPr lang="en-US" altLang="ko-KR" smtClean="0">
+                <a:solidFill>
+                  <a:schemeClr val="accent6">
+                    <a:lumMod val="75000"/>
+                  </a:schemeClr>
+                </a:solidFill>
+              </a:rPr>
+              <a:t/>
+            </a:r>
+            <a:br>
+              <a:rPr lang="en-US" altLang="ko-KR" smtClean="0">
+                <a:solidFill>
+                  <a:schemeClr val="accent6">
+                    <a:lumMod val="75000"/>
+                  </a:schemeClr>
+                </a:solidFill>
+              </a:rPr>
+            </a:br>
+            <a:r>
+              <a:rPr lang="ko-KR" altLang="en-US" smtClean="0">
+                <a:solidFill>
+                  <a:schemeClr val="accent6">
+                    <a:lumMod val="75000"/>
+                  </a:schemeClr>
+                </a:solidFill>
+              </a:rPr>
+              <a:t>이상을 </a:t>
+            </a:r>
+            <a:r>
+              <a:rPr lang="ko-KR" altLang="en-US">
+                <a:solidFill>
+                  <a:schemeClr val="accent6">
+                    <a:lumMod val="75000"/>
+                  </a:schemeClr>
+                </a:solidFill>
+              </a:rPr>
+              <a:t>장악해야</a:t>
+            </a:r>
+            <a:r>
+              <a:rPr lang="ko-KR" altLang="en-US"/>
+              <a:t> 하는데</a:t>
+            </a:r>
+            <a:r>
+              <a:rPr lang="en-US" altLang="ko-KR"/>
+              <a:t>, </a:t>
+            </a:r>
+            <a:r>
+              <a:rPr lang="ko-KR" altLang="en-US"/>
+              <a:t>전체 해시 파워가 높을수록 이를 장악하기 위한 </a:t>
+            </a:r>
+            <a:r>
+              <a:rPr lang="en-US" altLang="ko-KR" smtClean="0"/>
+              <a:t/>
+            </a:r>
+            <a:br>
+              <a:rPr lang="en-US" altLang="ko-KR" smtClean="0"/>
+            </a:br>
+            <a:r>
+              <a:rPr lang="ko-KR" altLang="en-US" smtClean="0">
+                <a:solidFill>
+                  <a:schemeClr val="accent6">
+                    <a:lumMod val="75000"/>
+                  </a:schemeClr>
+                </a:solidFill>
+              </a:rPr>
+              <a:t>비용과 </a:t>
+            </a:r>
+            <a:r>
+              <a:rPr lang="ko-KR" altLang="en-US">
+                <a:solidFill>
+                  <a:schemeClr val="accent6">
+                    <a:lumMod val="75000"/>
+                  </a:schemeClr>
+                </a:solidFill>
+              </a:rPr>
+              <a:t>자원이 </a:t>
+            </a:r>
+            <a:r>
+              <a:rPr lang="ko-KR" altLang="en-US" smtClean="0">
+                <a:solidFill>
+                  <a:schemeClr val="accent6">
+                    <a:lumMod val="75000"/>
+                  </a:schemeClr>
+                </a:solidFill>
+              </a:rPr>
+              <a:t>천문학적으로 </a:t>
+            </a:r>
+            <a:r>
+              <a:rPr lang="ko-KR" altLang="en-US">
+                <a:solidFill>
+                  <a:schemeClr val="accent6">
+                    <a:lumMod val="75000"/>
+                  </a:schemeClr>
+                </a:solidFill>
+              </a:rPr>
+              <a:t>증가하기 </a:t>
+            </a:r>
+            <a:r>
+              <a:rPr lang="ko-KR" altLang="en-US" smtClean="0">
+                <a:solidFill>
+                  <a:schemeClr val="accent6">
+                    <a:lumMod val="75000"/>
+                  </a:schemeClr>
+                </a:solidFill>
+              </a:rPr>
+              <a:t>때문임</a:t>
+            </a:r>
             <a:endParaRPr lang="ko-KR" altLang="en-US">
               <a:solidFill>
-                <a:schemeClr val="tx1"/>
+                <a:schemeClr val="accent6">
+                  <a:lumMod val="75000"/>
+                </a:schemeClr>
               </a:solidFill>
             </a:endParaRPr>
           </a:p>
         </p:txBody>
       </p:sp>
-      <p:pic>
-        <p:nvPicPr>
-          <p:cNvPr id="14338" name="Picture 2"/>
-          <p:cNvPicPr>
-            <a:picLocks noChangeAspect="1" noChangeArrowheads="1"/>
-          </p:cNvPicPr>
-          <p:nvPr/>
-        </p:nvPicPr>
-        <p:blipFill>
-          <a:blip r:embed="rId2">
-            <a:extLst>
-              <a:ext uri="{28A0092B-C50C-407E-A947-70E740481C1C}">
-                <a14:useLocalDpi xmlns:a14="http://schemas.microsoft.com/office/drawing/2010/main" val="0"/>
-              </a:ext>
-            </a:extLst>
-          </a:blip>
-          <a:srcRect/>
-          <a:stretch>
-            <a:fillRect/>
-          </a:stretch>
-        </p:blipFill>
-        <p:spPr bwMode="auto">
-          <a:xfrm>
-            <a:off x="2627784" y="4149080"/>
-            <a:ext cx="5962650" cy="2461548"/>
-          </a:xfrm>
-          <a:prstGeom prst="rect">
-            <a:avLst/>
-          </a:prstGeom>
-          <a:noFill/>
-          <a:ln>
-            <a:noFill/>
-          </a:ln>
-          <a:extLst>
-            <a:ext uri="{909E8E84-426E-40DD-AFC4-6F175D3DCCD1}">
-              <a14:hiddenFill xmlns:a14="http://schemas.microsoft.com/office/drawing/2010/main">
-                <a:solidFill>
-                  <a:schemeClr val="accent1"/>
-                </a:solidFill>
-              </a14:hiddenFill>
-            </a:ext>
-            <a:ext uri="{91240B29-F687-4F45-9708-019B960494DF}">
-              <a14:hiddenLine xmlns:a14="http://schemas.microsoft.com/office/drawing/2010/main" w="9525">
-                <a:solidFill>
-                  <a:schemeClr val="tx1"/>
-                </a:solidFill>
-                <a:miter lim="800000"/>
-                <a:headEnd/>
-                <a:tailEnd/>
-              </a14:hiddenLine>
-            </a:ext>
-          </a:extLst>
-        </p:spPr>
-      </p:pic>
     </p:spTree>
     <p:extLst>
       <p:ext uri="{BB962C8B-B14F-4D97-AF65-F5344CB8AC3E}">
-        <p14:creationId xmlns:p14="http://schemas.microsoft.com/office/powerpoint/2010/main" val="1534572144"/>
+        <p14:creationId xmlns:p14="http://schemas.microsoft.com/office/powerpoint/2010/main" val="3804580"/>
       </p:ext>
     </p:extLst>
   </p:cSld>
@@ -4057,251 +4620,141 @@
           <a:p>
             <a:pPr lvl="1"/>
             <a:r>
-              <a:rPr lang="ko-KR" altLang="en-US" smtClean="0">
-                <a:solidFill>
-                  <a:schemeClr val="tx1"/>
-                </a:solidFill>
-              </a:rPr>
-              <a:t>공격자는 </a:t>
-            </a:r>
-            <a:r>
-              <a:rPr lang="ko-KR" altLang="en-US" smtClean="0"/>
-              <a:t>더 길게 생성된 체인을 </a:t>
-            </a:r>
-            <a:r>
-              <a:rPr lang="ko-KR" altLang="en-US" smtClean="0">
-                <a:solidFill>
-                  <a:schemeClr val="tx1"/>
-                </a:solidFill>
-              </a:rPr>
-              <a:t>정상 네트워크에 전파</a:t>
-            </a:r>
-            <a:endParaRPr lang="ko-KR" altLang="en-US" b="0">
-              <a:solidFill>
-                <a:schemeClr val="tx1"/>
-              </a:solidFill>
-            </a:endParaRPr>
-          </a:p>
-          <a:p>
-            <a:pPr lvl="1"/>
-            <a:r>
-              <a:rPr lang="ko-KR" altLang="en-US" smtClean="0">
-                <a:solidFill>
-                  <a:schemeClr val="tx1"/>
-                </a:solidFill>
-              </a:rPr>
-              <a:t>각 노드들은 </a:t>
-            </a:r>
-            <a:r>
-              <a:rPr lang="en-US" altLang="ko-KR" smtClean="0">
-                <a:solidFill>
-                  <a:schemeClr val="tx1"/>
-                </a:solidFill>
-              </a:rPr>
-              <a:t>2380 </a:t>
-            </a:r>
-            <a:r>
-              <a:rPr lang="ko-KR" altLang="en-US" smtClean="0">
-                <a:solidFill>
-                  <a:schemeClr val="tx1"/>
-                </a:solidFill>
-              </a:rPr>
-              <a:t>블록을 조상으로 하는 두개의 체인을 가지나 </a:t>
-            </a:r>
-            <a:r>
-              <a:rPr lang="en-US" altLang="ko-KR" smtClean="0">
-                <a:solidFill>
-                  <a:schemeClr val="tx1"/>
-                </a:solidFill>
-              </a:rPr>
-              <a:t/>
-            </a:r>
-            <a:br>
-              <a:rPr lang="en-US" altLang="ko-KR" smtClean="0">
-                <a:solidFill>
-                  <a:schemeClr val="tx1"/>
-                </a:solidFill>
-              </a:rPr>
-            </a:br>
-            <a:r>
-              <a:rPr lang="ko-KR" altLang="en-US" smtClean="0"/>
-              <a:t>긴 체인을 채택하는 프로토콜에 의해 </a:t>
-            </a:r>
-            <a:r>
-              <a:rPr lang="ko-KR" altLang="en-US" smtClean="0">
-                <a:solidFill>
-                  <a:schemeClr val="tx1"/>
-                </a:solidFill>
-              </a:rPr>
-              <a:t>기존의 짧은 체인버림</a:t>
+              <a:rPr lang="ko-KR" altLang="en-US"/>
+              <a:t>블록체인 네트워크의 보안을 위협하는 잠재적인 취약점 중 </a:t>
+            </a:r>
+            <a:r>
+              <a:rPr lang="ko-KR" altLang="en-US" smtClean="0"/>
+              <a:t>하나</a:t>
+            </a:r>
+            <a:endParaRPr lang="en-US" altLang="ko-KR" smtClean="0"/>
+          </a:p>
+          <a:p>
+            <a:pPr lvl="2"/>
+            <a:r>
+              <a:rPr lang="ko-KR" altLang="en-US" smtClean="0"/>
+              <a:t>단일 </a:t>
+            </a:r>
+            <a:r>
+              <a:rPr lang="ko-KR" altLang="en-US"/>
+              <a:t>주체</a:t>
+            </a:r>
+            <a:r>
+              <a:rPr lang="en-US" altLang="ko-KR"/>
+              <a:t>(</a:t>
+            </a:r>
+            <a:r>
+              <a:rPr lang="ko-KR" altLang="en-US"/>
+              <a:t>개인 또는 그룹</a:t>
+            </a:r>
+            <a:r>
+              <a:rPr lang="en-US" altLang="ko-KR"/>
+              <a:t>)</a:t>
+            </a:r>
+            <a:r>
+              <a:rPr lang="ko-KR" altLang="en-US"/>
+              <a:t>가 특정 블록체인 </a:t>
+            </a:r>
+            <a:r>
+              <a:rPr lang="ko-KR" altLang="en-US">
+                <a:solidFill>
+                  <a:srgbClr val="006600"/>
+                </a:solidFill>
+              </a:rPr>
+              <a:t>네트워크의 전체 컴퓨팅 파워</a:t>
             </a:r>
             <a:r>
               <a:rPr lang="en-US" altLang="ko-KR">
                 <a:solidFill>
-                  <a:schemeClr val="tx1"/>
+                  <a:srgbClr val="006600"/>
                 </a:solidFill>
               </a:rPr>
               <a:t>(</a:t>
             </a:r>
             <a:r>
-              <a:rPr lang="ko-KR" altLang="en-US" smtClean="0">
-                <a:solidFill>
-                  <a:schemeClr val="tx1"/>
-                </a:solidFill>
-              </a:rPr>
-              <a:t>체인 </a:t>
-            </a:r>
-            <a:r>
-              <a:rPr lang="en-US" altLang="ko-KR" smtClean="0">
-                <a:solidFill>
-                  <a:schemeClr val="tx1"/>
-                </a:solidFill>
-              </a:rPr>
-              <a:t/>
-            </a:r>
-            <a:br>
-              <a:rPr lang="en-US" altLang="ko-KR" smtClean="0">
-                <a:solidFill>
-                  <a:schemeClr val="tx1"/>
-                </a:solidFill>
-              </a:rPr>
-            </a:br>
-            <a:r>
-              <a:rPr lang="ko-KR" altLang="en-US" smtClean="0">
-                <a:solidFill>
-                  <a:schemeClr val="tx1"/>
-                </a:solidFill>
-              </a:rPr>
-              <a:t>재구성</a:t>
+              <a:rPr lang="ko-KR" altLang="en-US">
+                <a:solidFill>
+                  <a:srgbClr val="006600"/>
+                </a:solidFill>
+              </a:rPr>
+              <a:t>해시 파워</a:t>
             </a:r>
             <a:r>
               <a:rPr lang="en-US" altLang="ko-KR">
                 <a:solidFill>
-                  <a:schemeClr val="tx1"/>
+                  <a:srgbClr val="006600"/>
                 </a:solidFill>
               </a:rPr>
               <a:t>) </a:t>
             </a:r>
-            <a:endParaRPr lang="ko-KR" altLang="en-US" b="0">
-              <a:solidFill>
-                <a:schemeClr val="tx1"/>
-              </a:solidFill>
-            </a:endParaRPr>
-          </a:p>
-          <a:p>
-            <a:pPr lvl="1"/>
-            <a:r>
-              <a:rPr lang="ko-KR" altLang="en-US" smtClean="0">
-                <a:solidFill>
-                  <a:schemeClr val="tx1"/>
-                </a:solidFill>
-              </a:rPr>
-              <a:t>체인 재구성으로 </a:t>
-            </a:r>
-            <a:r>
-              <a:rPr lang="en-US" altLang="ko-KR" smtClean="0">
-                <a:solidFill>
-                  <a:schemeClr val="tx1"/>
-                </a:solidFill>
-              </a:rPr>
-              <a:t>50BTC </a:t>
-            </a:r>
-            <a:r>
-              <a:rPr lang="ko-KR" altLang="en-US" smtClean="0">
-                <a:solidFill>
-                  <a:schemeClr val="tx1"/>
-                </a:solidFill>
-              </a:rPr>
-              <a:t>입금 트랜잭션 무효화 → </a:t>
+            <a:r>
+              <a:rPr lang="ko-KR" altLang="en-US">
+                <a:solidFill>
+                  <a:srgbClr val="006600"/>
+                </a:solidFill>
+              </a:rPr>
+              <a:t>또는 스테이킹된 자산의 </a:t>
+            </a:r>
+            <a:r>
+              <a:rPr lang="en-US" altLang="ko-KR">
+                <a:solidFill>
+                  <a:srgbClr val="006600"/>
+                </a:solidFill>
+              </a:rPr>
+              <a:t>50% </a:t>
+            </a:r>
+            <a:r>
+              <a:rPr lang="ko-KR" altLang="en-US">
+                <a:solidFill>
+                  <a:srgbClr val="006600"/>
+                </a:solidFill>
+              </a:rPr>
+              <a:t>이상을 장악할 </a:t>
+            </a:r>
+            <a:r>
+              <a:rPr lang="ko-KR" altLang="en-US"/>
+              <a:t>때 발생할 수 있는 </a:t>
+            </a:r>
+            <a:r>
+              <a:rPr lang="ko-KR" altLang="en-US" smtClean="0"/>
+              <a:t>공격</a:t>
+            </a:r>
+            <a:endParaRPr lang="en-US" altLang="ko-KR" smtClean="0"/>
+          </a:p>
+          <a:p>
+            <a:pPr lvl="3"/>
+            <a:r>
+              <a:rPr lang="ko-KR" altLang="en-US" smtClean="0"/>
+              <a:t>전체 </a:t>
+            </a:r>
+            <a:r>
+              <a:rPr lang="ko-KR" altLang="en-US"/>
+              <a:t>해시 파워의 </a:t>
+            </a:r>
+            <a:r>
+              <a:rPr lang="en-US" altLang="ko-KR" smtClean="0"/>
+              <a:t>50</a:t>
             </a:r>
             <a:r>
               <a:rPr lang="en-US" altLang="ko-KR"/>
-              <a:t>B</a:t>
-            </a:r>
-            <a:r>
-              <a:rPr lang="ko-KR" altLang="en-US" smtClean="0"/>
-              <a:t>가 손해를 입게됨</a:t>
+              <a:t>% </a:t>
+            </a:r>
+            <a:r>
+              <a:rPr lang="ko-KR" altLang="en-US" smtClean="0"/>
+              <a:t>이상을 확보하여 거래정보를 조작하는 공격</a:t>
             </a:r>
             <a:endParaRPr lang="ko-KR" altLang="en-US" b="0"/>
           </a:p>
           <a:p>
-            <a:pPr lvl="1"/>
-            <a:r>
-              <a:rPr lang="en-US" altLang="ko-KR" smtClean="0">
-                <a:solidFill>
-                  <a:schemeClr val="tx1"/>
-                </a:solidFill>
-              </a:rPr>
-              <a:t>A</a:t>
-            </a:r>
-            <a:r>
-              <a:rPr lang="ko-KR" altLang="en-US" smtClean="0">
-                <a:solidFill>
-                  <a:schemeClr val="tx1"/>
-                </a:solidFill>
-              </a:rPr>
-              <a:t>의 계좌에는 다시 </a:t>
-            </a:r>
-            <a:r>
-              <a:rPr lang="en-US" altLang="ko-KR" smtClean="0">
-                <a:solidFill>
-                  <a:schemeClr val="tx1"/>
-                </a:solidFill>
-              </a:rPr>
-              <a:t>50BTC</a:t>
-            </a:r>
-            <a:r>
-              <a:rPr lang="ko-KR" altLang="en-US" smtClean="0">
-                <a:solidFill>
-                  <a:schemeClr val="tx1"/>
-                </a:solidFill>
-              </a:rPr>
-              <a:t>의 잔고가 생김 → 공격자가 만든 </a:t>
-            </a:r>
-            <a:r>
-              <a:rPr lang="en-US" altLang="ko-KR" smtClean="0">
-                <a:solidFill>
-                  <a:schemeClr val="tx1"/>
-                </a:solidFill>
-              </a:rPr>
-              <a:t/>
-            </a:r>
-            <a:br>
-              <a:rPr lang="en-US" altLang="ko-KR" smtClean="0">
-                <a:solidFill>
-                  <a:schemeClr val="tx1"/>
-                </a:solidFill>
-              </a:rPr>
-            </a:br>
-            <a:r>
-              <a:rPr lang="ko-KR" altLang="en-US" smtClean="0">
-                <a:solidFill>
-                  <a:schemeClr val="tx1"/>
-                </a:solidFill>
-              </a:rPr>
-              <a:t>블록체인에서 다시 </a:t>
-            </a:r>
-            <a:r>
-              <a:rPr lang="en-US" altLang="ko-KR" smtClean="0">
-                <a:solidFill>
-                  <a:schemeClr val="tx1"/>
-                </a:solidFill>
-              </a:rPr>
-              <a:t>50BTC</a:t>
-            </a:r>
-            <a:r>
-              <a:rPr lang="ko-KR" altLang="en-US" smtClean="0">
-                <a:solidFill>
-                  <a:schemeClr val="tx1"/>
-                </a:solidFill>
-              </a:rPr>
-              <a:t>를 송금하면 </a:t>
-            </a:r>
-            <a:r>
-              <a:rPr lang="ko-KR" altLang="en-US" smtClean="0"/>
-              <a:t>이중지불 발생</a:t>
+            <a:pPr lvl="3"/>
+            <a:r>
+              <a:rPr lang="ko-KR" altLang="en-US" smtClean="0"/>
+              <a:t>공격자 노드들은 전체 해시파워가 높으므로 더 빠른 속도로 블록을 채굴</a:t>
             </a:r>
             <a:endParaRPr lang="ko-KR" altLang="en-US" b="0"/>
+          </a:p>
+          <a:p>
+            <a:endParaRPr lang="ko-KR" altLang="en-US"/>
           </a:p>
           <a:p>
             <a:endParaRPr lang="ko-KR" altLang="en-US">
@@ -4314,7 +4767,7 @@
       </p:sp>
       <p:pic>
         <p:nvPicPr>
-          <p:cNvPr id="15362" name="Picture 2"/>
+          <p:cNvPr id="14339" name="Picture 3"/>
           <p:cNvPicPr>
             <a:picLocks noChangeAspect="1" noChangeArrowheads="1"/>
           </p:cNvPicPr>
@@ -4335,8 +4788,8 @@
         </p:blipFill>
         <p:spPr bwMode="auto">
           <a:xfrm>
-            <a:off x="1835696" y="4149080"/>
-            <a:ext cx="5991225" cy="2631951"/>
+            <a:off x="2915816" y="3573016"/>
+            <a:ext cx="3528392" cy="2062971"/>
           </a:xfrm>
           <a:prstGeom prst="rect">
             <a:avLst/>
@@ -4369,7 +4822,7 @@
     </p:spTree>
     <p:extLst>
       <p:ext uri="{BB962C8B-B14F-4D97-AF65-F5344CB8AC3E}">
-        <p14:creationId xmlns:p14="http://schemas.microsoft.com/office/powerpoint/2010/main" val="1909638664"/>
+        <p14:creationId xmlns:p14="http://schemas.microsoft.com/office/powerpoint/2010/main" val="2758348576"/>
       </p:ext>
     </p:extLst>
   </p:cSld>
@@ -4454,625 +4907,373 @@
             </a:r>
             <a:r>
               <a:rPr lang="ko-KR" altLang="en-US" smtClean="0"/>
-              <a:t>공격 사례</a:t>
-            </a:r>
-            <a:endParaRPr lang="ko-KR" altLang="en-US"/>
+              <a:t>공격</a:t>
+            </a:r>
+            <a:endParaRPr lang="ko-KR" altLang="en-US" b="0"/>
           </a:p>
           <a:p>
             <a:pPr lvl="1"/>
             <a:r>
-              <a:rPr lang="ko-KR" altLang="en-US" smtClean="0"/>
-              <a:t>소규모 </a:t>
-            </a:r>
-            <a:r>
-              <a:rPr lang="ko-KR" altLang="en-US" smtClean="0">
-                <a:solidFill>
-                  <a:schemeClr val="tx1"/>
-                </a:solidFill>
-              </a:rPr>
-              <a:t>알트코인은 </a:t>
-            </a:r>
-            <a:r>
-              <a:rPr lang="ko-KR" altLang="en-US" smtClean="0"/>
-              <a:t>해시파워를 적게 가지고 있어</a:t>
-            </a:r>
-            <a:r>
-              <a:rPr lang="en-US" altLang="ko-KR" baseline="30000" smtClean="0"/>
+              <a:rPr lang="ko-KR" altLang="en-US">
+                <a:solidFill>
+                  <a:schemeClr val="tx1"/>
+                </a:solidFill>
+              </a:rPr>
+              <a:t>정상 네트워크에서 공격자 </a:t>
+            </a:r>
+            <a:r>
+              <a:rPr lang="en-US" altLang="ko-KR">
+                <a:solidFill>
+                  <a:schemeClr val="tx1"/>
+                </a:solidFill>
+              </a:rPr>
+              <a:t>A</a:t>
+            </a:r>
+            <a:r>
+              <a:rPr lang="ko-KR" altLang="en-US">
+                <a:solidFill>
+                  <a:schemeClr val="tx1"/>
+                </a:solidFill>
+              </a:rPr>
+              <a:t>가 </a:t>
+            </a:r>
+            <a:r>
+              <a:rPr lang="en-US" altLang="ko-KR">
+                <a:solidFill>
+                  <a:schemeClr val="tx1"/>
+                </a:solidFill>
+              </a:rPr>
+              <a:t>B</a:t>
+            </a:r>
+            <a:r>
+              <a:rPr lang="ko-KR" altLang="en-US">
+                <a:solidFill>
+                  <a:schemeClr val="tx1"/>
+                </a:solidFill>
+              </a:rPr>
+              <a:t>에게 </a:t>
+            </a:r>
+            <a:r>
+              <a:rPr lang="en-US" altLang="ko-KR" smtClean="0">
+                <a:solidFill>
+                  <a:schemeClr val="tx1"/>
+                </a:solidFill>
+              </a:rPr>
+              <a:t>50 BTC </a:t>
+            </a:r>
+            <a:r>
+              <a:rPr lang="ko-KR" altLang="en-US">
+                <a:solidFill>
+                  <a:schemeClr val="tx1"/>
+                </a:solidFill>
+              </a:rPr>
+              <a:t>입금한 트랜잭션이 </a:t>
+            </a:r>
+            <a:r>
+              <a:rPr lang="en-US" altLang="ko-KR">
+                <a:solidFill>
+                  <a:schemeClr val="tx1"/>
+                </a:solidFill>
+              </a:rPr>
+              <a:t/>
+            </a:r>
+            <a:br>
+              <a:rPr lang="en-US" altLang="ko-KR">
+                <a:solidFill>
+                  <a:schemeClr val="tx1"/>
+                </a:solidFill>
+              </a:rPr>
+            </a:br>
+            <a:r>
+              <a:rPr lang="en-US" altLang="ko-KR">
+                <a:solidFill>
+                  <a:schemeClr val="tx1"/>
+                </a:solidFill>
+              </a:rPr>
+              <a:t>2381</a:t>
+            </a:r>
+            <a:r>
+              <a:rPr lang="ko-KR" altLang="en-US">
+                <a:solidFill>
+                  <a:schemeClr val="tx1"/>
+                </a:solidFill>
+              </a:rPr>
+              <a:t>번째블록에 기록 → </a:t>
+            </a:r>
+            <a:r>
+              <a:rPr lang="en-US" altLang="ko-KR">
+                <a:solidFill>
+                  <a:schemeClr val="tx1"/>
+                </a:solidFill>
+              </a:rPr>
+              <a:t>B</a:t>
+            </a:r>
+            <a:r>
+              <a:rPr lang="ko-KR" altLang="en-US">
+                <a:solidFill>
+                  <a:schemeClr val="tx1"/>
+                </a:solidFill>
+              </a:rPr>
+              <a:t>는 거래내역이 블록체인에 연결된 후 </a:t>
+            </a:r>
+            <a:r>
+              <a:rPr lang="en-US" altLang="ko-KR">
+                <a:solidFill>
+                  <a:schemeClr val="tx1"/>
+                </a:solidFill>
+              </a:rPr>
+              <a:t>A</a:t>
+            </a:r>
+            <a:r>
+              <a:rPr lang="ko-KR" altLang="en-US">
+                <a:solidFill>
+                  <a:schemeClr val="tx1"/>
+                </a:solidFill>
+              </a:rPr>
+              <a:t>에게 </a:t>
+            </a:r>
+            <a:r>
+              <a:rPr lang="ko-KR" altLang="en-US"/>
+              <a:t>현금</a:t>
+            </a:r>
+            <a:r>
+              <a:rPr lang="ko-KR" altLang="en-US">
+                <a:solidFill>
+                  <a:schemeClr val="tx1"/>
+                </a:solidFill>
+              </a:rPr>
+              <a:t> 송금</a:t>
+            </a:r>
+            <a:endParaRPr lang="en-US" altLang="ko-KR">
+              <a:solidFill>
+                <a:schemeClr val="tx1"/>
+              </a:solidFill>
+            </a:endParaRPr>
+          </a:p>
+          <a:p>
+            <a:pPr lvl="1"/>
+            <a:r>
+              <a:rPr lang="en-US" altLang="ko-KR">
+                <a:solidFill>
+                  <a:schemeClr val="tx1"/>
+                </a:solidFill>
+              </a:rPr>
+              <a:t>A</a:t>
+            </a:r>
+            <a:r>
+              <a:rPr lang="ko-KR" altLang="en-US">
+                <a:solidFill>
+                  <a:schemeClr val="tx1"/>
+                </a:solidFill>
+              </a:rPr>
+              <a:t>는 현금을 받은뒤 </a:t>
+            </a:r>
+            <a:r>
+              <a:rPr lang="en-US" altLang="ko-KR">
+                <a:solidFill>
+                  <a:schemeClr val="tx1"/>
+                </a:solidFill>
+              </a:rPr>
+              <a:t>2381 </a:t>
+            </a:r>
+            <a:r>
+              <a:rPr lang="ko-KR" altLang="en-US">
+                <a:solidFill>
+                  <a:schemeClr val="tx1"/>
+                </a:solidFill>
+              </a:rPr>
+              <a:t>블록에서 </a:t>
+            </a:r>
+            <a:r>
+              <a:rPr lang="en-US" altLang="ko-KR">
+                <a:solidFill>
+                  <a:schemeClr val="tx1"/>
+                </a:solidFill>
+              </a:rPr>
+              <a:t>B</a:t>
+            </a:r>
+            <a:r>
+              <a:rPr lang="ko-KR" altLang="en-US">
+                <a:solidFill>
+                  <a:schemeClr val="tx1"/>
+                </a:solidFill>
+              </a:rPr>
+              <a:t>에게 보낸 송금기록을 삭제하고 </a:t>
+            </a:r>
+            <a:r>
+              <a:rPr lang="en-US" altLang="ko-KR">
+                <a:solidFill>
+                  <a:schemeClr val="tx1"/>
+                </a:solidFill>
+              </a:rPr>
+              <a:t/>
+            </a:r>
+            <a:br>
+              <a:rPr lang="en-US" altLang="ko-KR">
+                <a:solidFill>
+                  <a:schemeClr val="tx1"/>
+                </a:solidFill>
+              </a:rPr>
+            </a:br>
+            <a:r>
+              <a:rPr lang="ko-KR" altLang="en-US">
+                <a:solidFill>
+                  <a:schemeClr val="tx1"/>
+                </a:solidFill>
+              </a:rPr>
+              <a:t>새로운 블록 생성</a:t>
+            </a:r>
+            <a:endParaRPr lang="en-US" altLang="ko-KR">
+              <a:solidFill>
+                <a:schemeClr val="tx1"/>
+              </a:solidFill>
+            </a:endParaRPr>
+          </a:p>
+          <a:p>
+            <a:pPr lvl="1"/>
+            <a:r>
+              <a:rPr lang="en-US" altLang="ko-KR">
+                <a:solidFill>
+                  <a:schemeClr val="tx1"/>
+                </a:solidFill>
+              </a:rPr>
+              <a:t>A</a:t>
+            </a:r>
+            <a:r>
+              <a:rPr lang="ko-KR" altLang="en-US">
+                <a:solidFill>
+                  <a:schemeClr val="tx1"/>
+                </a:solidFill>
+              </a:rPr>
+              <a:t>는 해시파워가 높으므로 남들보다 빠르게 뒤에 이어질 블록생성 </a:t>
+            </a:r>
+            <a:r>
+              <a:rPr lang="en-US" altLang="ko-KR" smtClean="0">
+                <a:solidFill>
+                  <a:schemeClr val="tx1"/>
+                </a:solidFill>
+              </a:rPr>
+              <a:t/>
+            </a:r>
+            <a:br>
+              <a:rPr lang="en-US" altLang="ko-KR" smtClean="0">
+                <a:solidFill>
+                  <a:schemeClr val="tx1"/>
+                </a:solidFill>
+              </a:rPr>
+            </a:br>
+            <a:r>
+              <a:rPr lang="ko-KR" altLang="en-US" smtClean="0">
+                <a:solidFill>
+                  <a:schemeClr val="tx1"/>
+                </a:solidFill>
+              </a:rPr>
+              <a:t>→ </a:t>
+            </a:r>
+            <a:r>
+              <a:rPr lang="ko-KR" altLang="en-US"/>
+              <a:t>공격자는 프로그램을 수정하여 채굴</a:t>
+            </a:r>
+            <a:r>
+              <a:rPr lang="en-US" altLang="ko-KR"/>
               <a:t>(</a:t>
             </a:r>
             <a:r>
-              <a:rPr lang="ko-KR" altLang="en-US" baseline="30000"/>
-              <a:t>네트워크의 규모와 분산화 </a:t>
-            </a:r>
-            <a:r>
-              <a:rPr lang="ko-KR" altLang="en-US" baseline="30000" smtClean="0"/>
-              <a:t>수준</a:t>
-            </a:r>
-            <a:r>
-              <a:rPr lang="en-US" altLang="ko-KR" baseline="30000" smtClean="0"/>
+              <a:rPr lang="ko-KR" altLang="en-US"/>
+              <a:t>생성</a:t>
+            </a:r>
+            <a:r>
+              <a:rPr lang="en-US" altLang="ko-KR"/>
               <a:t>)</a:t>
             </a:r>
             <a:r>
-              <a:rPr lang="ko-KR" altLang="en-US" baseline="30000" smtClean="0">
-                <a:solidFill>
-                  <a:schemeClr val="tx1"/>
-                </a:solidFill>
-              </a:rPr>
-              <a:t> </a:t>
-            </a:r>
-            <a:r>
-              <a:rPr lang="en-US" altLang="ko-KR" smtClean="0">
-                <a:solidFill>
-                  <a:schemeClr val="tx1"/>
-                </a:solidFill>
-              </a:rPr>
-              <a:t>51</a:t>
-            </a:r>
-            <a:r>
-              <a:rPr lang="en-US" altLang="ko-KR">
-                <a:solidFill>
-                  <a:schemeClr val="tx1"/>
-                </a:solidFill>
-              </a:rPr>
-              <a:t>% </a:t>
-            </a:r>
-            <a:r>
-              <a:rPr lang="ko-KR" altLang="en-US" smtClean="0">
-                <a:solidFill>
-                  <a:schemeClr val="tx1"/>
-                </a:solidFill>
-              </a:rPr>
-              <a:t>공격대상이 될 수 있음</a:t>
-            </a:r>
+              <a:rPr lang="ko-KR" altLang="en-US"/>
+              <a:t>한 블록들을 전파하지 </a:t>
+            </a:r>
+            <a:r>
+              <a:rPr lang="en-US" altLang="ko-KR" smtClean="0"/>
+              <a:t/>
+            </a:r>
+            <a:br>
+              <a:rPr lang="en-US" altLang="ko-KR" smtClean="0"/>
+            </a:br>
+            <a:r>
+              <a:rPr lang="ko-KR" altLang="en-US" smtClean="0"/>
+              <a:t>않고 </a:t>
+            </a:r>
+            <a:r>
+              <a:rPr lang="ko-KR" altLang="en-US"/>
+              <a:t>보유</a:t>
+            </a:r>
+            <a:endParaRPr lang="ko-KR" altLang="en-US" b="0"/>
+          </a:p>
+          <a:p>
             <a:endParaRPr lang="ko-KR" altLang="en-US">
               <a:solidFill>
                 <a:schemeClr val="tx1"/>
               </a:solidFill>
             </a:endParaRPr>
           </a:p>
-          <a:p>
-            <a:pPr lvl="2"/>
-            <a:r>
-              <a:rPr lang="ko-KR" altLang="en-US" smtClean="0"/>
-              <a:t>절반 이상의 해시파워를 얻는 것은 비용이 많이 들지만 이중지불 공격을 </a:t>
-            </a:r>
-            <a:r>
-              <a:rPr lang="en-US" altLang="ko-KR" smtClean="0"/>
-              <a:t/>
-            </a:r>
-            <a:br>
-              <a:rPr lang="en-US" altLang="ko-KR" smtClean="0"/>
-            </a:br>
-            <a:r>
-              <a:rPr lang="ko-KR" altLang="en-US" smtClean="0"/>
-              <a:t>병행하면수익화할 수 있다고 판단</a:t>
-            </a:r>
-            <a:endParaRPr lang="ko-KR" altLang="en-US"/>
-          </a:p>
-          <a:p>
-            <a:pPr lvl="1"/>
-            <a:r>
-              <a:rPr lang="ko-KR" altLang="en-US" smtClean="0">
-                <a:solidFill>
-                  <a:schemeClr val="tx1"/>
-                </a:solidFill>
-              </a:rPr>
-              <a:t>버트코인</a:t>
-            </a:r>
-            <a:r>
-              <a:rPr lang="en-US" altLang="ko-KR">
-                <a:solidFill>
-                  <a:schemeClr val="tx1"/>
-                </a:solidFill>
-              </a:rPr>
-              <a:t>(VTC</a:t>
-            </a:r>
-            <a:r>
-              <a:rPr lang="en-US" altLang="ko-KR" smtClean="0">
-                <a:solidFill>
-                  <a:schemeClr val="tx1"/>
-                </a:solidFill>
-              </a:rPr>
-              <a:t>) - 18</a:t>
-            </a:r>
-            <a:r>
-              <a:rPr lang="ko-KR" altLang="en-US">
-                <a:solidFill>
-                  <a:schemeClr val="tx1"/>
-                </a:solidFill>
-              </a:rPr>
-              <a:t>년</a:t>
-            </a:r>
-            <a:r>
-              <a:rPr lang="en-US" altLang="ko-KR">
-                <a:solidFill>
-                  <a:schemeClr val="tx1"/>
-                </a:solidFill>
-              </a:rPr>
-              <a:t>10</a:t>
-            </a:r>
-            <a:r>
-              <a:rPr lang="ko-KR" altLang="en-US" smtClean="0">
-                <a:solidFill>
-                  <a:schemeClr val="tx1"/>
-                </a:solidFill>
-              </a:rPr>
-              <a:t>월과 </a:t>
-            </a:r>
-            <a:r>
-              <a:rPr lang="en-US" altLang="ko-KR" smtClean="0">
-                <a:solidFill>
-                  <a:schemeClr val="tx1"/>
-                </a:solidFill>
-              </a:rPr>
-              <a:t>12</a:t>
-            </a:r>
-            <a:r>
-              <a:rPr lang="ko-KR" altLang="en-US" smtClean="0">
-                <a:solidFill>
-                  <a:schemeClr val="tx1"/>
-                </a:solidFill>
-              </a:rPr>
-              <a:t>월에 나이스 해시</a:t>
-            </a:r>
-            <a:r>
-              <a:rPr lang="en-US" altLang="ko-KR" baseline="30000" smtClean="0">
-                <a:solidFill>
-                  <a:schemeClr val="tx1"/>
-                </a:solidFill>
-              </a:rPr>
-              <a:t>(</a:t>
-            </a:r>
-            <a:r>
-              <a:rPr lang="ko-KR" altLang="en-US" baseline="30000"/>
-              <a:t>슬로베니아에 본사를 둔 </a:t>
-            </a:r>
-            <a:r>
-              <a:rPr lang="en-US" altLang="ko-KR" baseline="30000" smtClean="0"/>
-              <a:t/>
-            </a:r>
-            <a:br>
-              <a:rPr lang="en-US" altLang="ko-KR" baseline="30000" smtClean="0"/>
-            </a:br>
-            <a:r>
-              <a:rPr lang="ko-KR" altLang="en-US" baseline="30000" smtClean="0"/>
-              <a:t>클라우드 </a:t>
-            </a:r>
-            <a:r>
-              <a:rPr lang="ko-KR" altLang="en-US" baseline="30000"/>
-              <a:t>기반 암호화폐 채굴 마켓플레이스 </a:t>
-            </a:r>
-            <a:r>
-              <a:rPr lang="en-US" altLang="ko-KR" baseline="30000" smtClean="0"/>
-              <a:t>)</a:t>
-            </a:r>
-            <a:r>
-              <a:rPr lang="ko-KR" altLang="en-US" smtClean="0">
-                <a:solidFill>
-                  <a:schemeClr val="tx1"/>
-                </a:solidFill>
-              </a:rPr>
-              <a:t>로부터 충분한 연산파워를 얻은 </a:t>
-            </a:r>
-            <a:r>
-              <a:rPr lang="en-US" altLang="ko-KR" smtClean="0">
-                <a:solidFill>
-                  <a:schemeClr val="tx1"/>
-                </a:solidFill>
-              </a:rPr>
-              <a:t/>
-            </a:r>
-            <a:br>
-              <a:rPr lang="en-US" altLang="ko-KR" smtClean="0">
-                <a:solidFill>
-                  <a:schemeClr val="tx1"/>
-                </a:solidFill>
-              </a:rPr>
-            </a:br>
-            <a:r>
-              <a:rPr lang="ko-KR" altLang="en-US" smtClean="0">
-                <a:solidFill>
-                  <a:schemeClr val="tx1"/>
-                </a:solidFill>
-              </a:rPr>
-              <a:t>개인</a:t>
-            </a:r>
-            <a:r>
-              <a:rPr lang="en-US" altLang="ko-KR">
-                <a:solidFill>
-                  <a:schemeClr val="tx1"/>
-                </a:solidFill>
-              </a:rPr>
-              <a:t>(</a:t>
-            </a:r>
-            <a:r>
-              <a:rPr lang="ko-KR" altLang="en-US">
-                <a:solidFill>
-                  <a:schemeClr val="tx1"/>
-                </a:solidFill>
-              </a:rPr>
-              <a:t>기관</a:t>
-            </a:r>
-            <a:r>
-              <a:rPr lang="en-US" altLang="ko-KR">
-                <a:solidFill>
-                  <a:schemeClr val="tx1"/>
-                </a:solidFill>
-              </a:rPr>
-              <a:t>)</a:t>
-            </a:r>
-            <a:r>
-              <a:rPr lang="ko-KR" altLang="en-US" smtClean="0">
-                <a:solidFill>
-                  <a:schemeClr val="tx1"/>
-                </a:solidFill>
-              </a:rPr>
-              <a:t>의 이중지불에 의해 </a:t>
-            </a:r>
-            <a:r>
-              <a:rPr lang="en-US" altLang="ko-KR" smtClean="0">
-                <a:solidFill>
-                  <a:schemeClr val="tx1"/>
-                </a:solidFill>
-              </a:rPr>
-              <a:t>10</a:t>
-            </a:r>
-            <a:r>
-              <a:rPr lang="ko-KR" altLang="en-US" smtClean="0">
-                <a:solidFill>
-                  <a:schemeClr val="tx1"/>
-                </a:solidFill>
-              </a:rPr>
-              <a:t>만달러 가치의 </a:t>
-            </a:r>
-            <a:r>
-              <a:rPr lang="en-US" altLang="ko-KR" smtClean="0">
-                <a:solidFill>
-                  <a:schemeClr val="tx1"/>
-                </a:solidFill>
-              </a:rPr>
-              <a:t>VTC </a:t>
-            </a:r>
-            <a:r>
-              <a:rPr lang="ko-KR" altLang="en-US">
-                <a:solidFill>
-                  <a:schemeClr val="tx1"/>
-                </a:solidFill>
-              </a:rPr>
-              <a:t>잃음</a:t>
-            </a:r>
-          </a:p>
-          <a:p>
-            <a:pPr lvl="1"/>
-            <a:r>
-              <a:rPr lang="ko-KR" altLang="en-US" smtClean="0">
-                <a:solidFill>
-                  <a:schemeClr val="tx1"/>
-                </a:solidFill>
-              </a:rPr>
-              <a:t>이더리움 클래식</a:t>
-            </a:r>
-            <a:r>
-              <a:rPr lang="en-US" altLang="ko-KR">
-                <a:solidFill>
-                  <a:schemeClr val="tx1"/>
-                </a:solidFill>
-              </a:rPr>
-              <a:t>(ETC</a:t>
-            </a:r>
-            <a:r>
-              <a:rPr lang="en-US" altLang="ko-KR" smtClean="0">
-                <a:solidFill>
-                  <a:schemeClr val="tx1"/>
-                </a:solidFill>
-              </a:rPr>
-              <a:t>) - 20</a:t>
-            </a:r>
-            <a:r>
-              <a:rPr lang="ko-KR" altLang="en-US" smtClean="0">
-                <a:solidFill>
-                  <a:schemeClr val="tx1"/>
-                </a:solidFill>
-              </a:rPr>
-              <a:t>년 </a:t>
-            </a:r>
-            <a:r>
-              <a:rPr lang="en-US" altLang="ko-KR" smtClean="0">
-                <a:solidFill>
-                  <a:schemeClr val="tx1"/>
-                </a:solidFill>
-              </a:rPr>
-              <a:t>8</a:t>
-            </a:r>
-            <a:r>
-              <a:rPr lang="ko-KR" altLang="en-US" smtClean="0">
-                <a:solidFill>
-                  <a:schemeClr val="tx1"/>
-                </a:solidFill>
-              </a:rPr>
-              <a:t>월에 세번의 </a:t>
-            </a:r>
-            <a:r>
-              <a:rPr lang="en-US" altLang="ko-KR" smtClean="0">
-                <a:solidFill>
-                  <a:schemeClr val="tx1"/>
-                </a:solidFill>
-              </a:rPr>
-              <a:t>51</a:t>
-            </a:r>
-            <a:r>
-              <a:rPr lang="en-US" altLang="ko-KR">
-                <a:solidFill>
-                  <a:schemeClr val="tx1"/>
-                </a:solidFill>
-              </a:rPr>
-              <a:t>% </a:t>
-            </a:r>
-            <a:r>
-              <a:rPr lang="ko-KR" altLang="en-US" smtClean="0">
-                <a:solidFill>
-                  <a:schemeClr val="tx1"/>
-                </a:solidFill>
-              </a:rPr>
-              <a:t>공격 → 코인베이스</a:t>
-            </a:r>
-            <a:r>
-              <a:rPr lang="en-US" altLang="ko-KR" baseline="30000" smtClean="0">
-                <a:solidFill>
-                  <a:schemeClr val="tx1"/>
-                </a:solidFill>
-              </a:rPr>
-              <a:t>(</a:t>
-            </a:r>
-            <a:r>
-              <a:rPr lang="en-US" altLang="ko-KR" baseline="30000"/>
-              <a:t>2012</a:t>
-            </a:r>
-            <a:r>
-              <a:rPr lang="ko-KR" altLang="en-US" baseline="30000"/>
-              <a:t>년에 설립된 미국의 대표적인 암호화폐 거래소이자 </a:t>
-            </a:r>
-            <a:r>
-              <a:rPr lang="ko-KR" altLang="en-US" baseline="30000" smtClean="0"/>
-              <a:t>플랫폼</a:t>
-            </a:r>
-            <a:r>
-              <a:rPr lang="en-US" altLang="ko-KR" baseline="30000" smtClean="0"/>
-              <a:t>)</a:t>
-            </a:r>
-            <a:r>
-              <a:rPr lang="ko-KR" altLang="en-US" smtClean="0">
-                <a:solidFill>
-                  <a:schemeClr val="tx1"/>
-                </a:solidFill>
-              </a:rPr>
-              <a:t>는 </a:t>
-            </a:r>
-            <a:r>
-              <a:rPr lang="en-US" altLang="ko-KR" smtClean="0">
-                <a:solidFill>
-                  <a:schemeClr val="tx1"/>
-                </a:solidFill>
-              </a:rPr>
-              <a:t>ETC </a:t>
-            </a:r>
-            <a:r>
-              <a:rPr lang="ko-KR" altLang="en-US" smtClean="0">
-                <a:solidFill>
-                  <a:schemeClr val="tx1"/>
-                </a:solidFill>
-              </a:rPr>
-              <a:t>입출금 전면중단</a:t>
-            </a:r>
-            <a:endParaRPr lang="ko-KR" altLang="en-US">
-              <a:solidFill>
-                <a:schemeClr val="tx1"/>
-              </a:solidFill>
-            </a:endParaRPr>
-          </a:p>
-          <a:p>
-            <a:pPr lvl="1"/>
-            <a:r>
-              <a:rPr lang="en-US" altLang="ko-KR" smtClean="0">
-                <a:solidFill>
-                  <a:schemeClr val="tx1"/>
-                </a:solidFill>
-              </a:rPr>
-              <a:t>2014</a:t>
-            </a:r>
-            <a:r>
-              <a:rPr lang="ko-KR" altLang="en-US" smtClean="0">
-                <a:solidFill>
-                  <a:schemeClr val="tx1"/>
-                </a:solidFill>
-              </a:rPr>
-              <a:t>년 </a:t>
-            </a:r>
-            <a:r>
-              <a:rPr lang="en-US" altLang="ko-KR" smtClean="0">
-                <a:solidFill>
-                  <a:schemeClr val="tx1"/>
-                </a:solidFill>
-              </a:rPr>
-              <a:t>GHash.io </a:t>
-            </a:r>
-            <a:r>
-              <a:rPr lang="ko-KR" altLang="en-US" smtClean="0">
-                <a:solidFill>
-                  <a:schemeClr val="tx1"/>
-                </a:solidFill>
-              </a:rPr>
-              <a:t>마이닝풀의 일시적인 해시파워 </a:t>
-            </a:r>
-            <a:r>
-              <a:rPr lang="en-US" altLang="ko-KR" smtClean="0">
-                <a:solidFill>
-                  <a:schemeClr val="tx1"/>
-                </a:solidFill>
-              </a:rPr>
-              <a:t>51</a:t>
-            </a:r>
-            <a:r>
-              <a:rPr lang="en-US" altLang="ko-KR">
-                <a:solidFill>
-                  <a:schemeClr val="tx1"/>
-                </a:solidFill>
-              </a:rPr>
-              <a:t>%</a:t>
-            </a:r>
-            <a:r>
-              <a:rPr lang="ko-KR" altLang="en-US" smtClean="0">
-                <a:solidFill>
-                  <a:schemeClr val="tx1"/>
-                </a:solidFill>
-              </a:rPr>
-              <a:t>초과로 비트코인 </a:t>
-            </a:r>
-            <a:r>
-              <a:rPr lang="en-US" altLang="ko-KR" smtClean="0">
-                <a:solidFill>
-                  <a:schemeClr val="tx1"/>
-                </a:solidFill>
-              </a:rPr>
-              <a:t/>
-            </a:r>
-            <a:br>
-              <a:rPr lang="en-US" altLang="ko-KR" smtClean="0">
-                <a:solidFill>
-                  <a:schemeClr val="tx1"/>
-                </a:solidFill>
-              </a:rPr>
-            </a:br>
-            <a:r>
-              <a:rPr lang="ko-KR" altLang="en-US" smtClean="0">
-                <a:solidFill>
-                  <a:schemeClr val="tx1"/>
-                </a:solidFill>
-              </a:rPr>
-              <a:t>가격 폭락</a:t>
-            </a:r>
-            <a:endParaRPr lang="ko-KR" altLang="en-US">
-              <a:solidFill>
-                <a:schemeClr val="tx1"/>
-              </a:solidFill>
-            </a:endParaRPr>
-          </a:p>
-          <a:p>
-            <a:pPr lvl="2"/>
-            <a:r>
-              <a:rPr lang="ko-KR" altLang="en-US" smtClean="0">
-                <a:solidFill>
-                  <a:schemeClr val="tx1"/>
-                </a:solidFill>
-              </a:rPr>
-              <a:t>지해쉬는 의도적인 것이 아니라고 해명하였으나 </a:t>
-            </a:r>
-            <a:r>
-              <a:rPr lang="en-US" altLang="ko-KR" smtClean="0">
-                <a:solidFill>
-                  <a:schemeClr val="tx1"/>
-                </a:solidFill>
-              </a:rPr>
-              <a:t>51</a:t>
-            </a:r>
-            <a:r>
-              <a:rPr lang="en-US" altLang="ko-KR">
-                <a:solidFill>
-                  <a:schemeClr val="tx1"/>
-                </a:solidFill>
-              </a:rPr>
-              <a:t>% </a:t>
-            </a:r>
-            <a:r>
-              <a:rPr lang="ko-KR" altLang="en-US" smtClean="0">
-                <a:solidFill>
-                  <a:schemeClr val="tx1"/>
-                </a:solidFill>
-              </a:rPr>
-              <a:t>공격의 가능성을 보임</a:t>
-            </a:r>
-            <a:endParaRPr lang="en-US" altLang="ko-KR" smtClean="0">
-              <a:solidFill>
-                <a:schemeClr val="tx1"/>
-              </a:solidFill>
-            </a:endParaRPr>
-          </a:p>
-          <a:p>
-            <a:pPr lvl="2"/>
-            <a:r>
-              <a:rPr lang="ko-KR" altLang="en-US" smtClean="0">
-                <a:solidFill>
-                  <a:schemeClr val="tx1"/>
-                </a:solidFill>
-              </a:rPr>
-              <a:t>지해쉬에 참여하고 있던 개인들이 의도적으로 빠지게되어 </a:t>
-            </a:r>
-            <a:r>
-              <a:rPr lang="en-US" altLang="ko-KR" smtClean="0">
-                <a:solidFill>
-                  <a:schemeClr val="tx1"/>
-                </a:solidFill>
-              </a:rPr>
-              <a:t>51</a:t>
-            </a:r>
-            <a:r>
-              <a:rPr lang="en-US" altLang="ko-KR">
-                <a:solidFill>
-                  <a:schemeClr val="tx1"/>
-                </a:solidFill>
-              </a:rPr>
-              <a:t>% </a:t>
-            </a:r>
-            <a:r>
-              <a:rPr lang="ko-KR" altLang="en-US" smtClean="0">
-                <a:solidFill>
-                  <a:schemeClr val="tx1"/>
-                </a:solidFill>
-              </a:rPr>
-              <a:t>문제가 </a:t>
-            </a:r>
-            <a:r>
-              <a:rPr lang="en-US" altLang="ko-KR" smtClean="0">
-                <a:solidFill>
-                  <a:schemeClr val="tx1"/>
-                </a:solidFill>
-              </a:rPr>
-              <a:t/>
-            </a:r>
-            <a:br>
-              <a:rPr lang="en-US" altLang="ko-KR" smtClean="0">
-                <a:solidFill>
-                  <a:schemeClr val="tx1"/>
-                </a:solidFill>
-              </a:rPr>
-            </a:br>
-            <a:r>
-              <a:rPr lang="ko-KR" altLang="en-US" smtClean="0">
-                <a:solidFill>
-                  <a:schemeClr val="tx1"/>
-                </a:solidFill>
-              </a:rPr>
-              <a:t>해결됨</a:t>
-            </a:r>
-            <a:endParaRPr lang="ko-KR" altLang="en-US">
-              <a:solidFill>
-                <a:schemeClr val="tx1"/>
-              </a:solidFill>
-            </a:endParaRPr>
-          </a:p>
-          <a:p>
-            <a:endParaRPr lang="ko-KR" altLang="en-US">
-              <a:solidFill>
-                <a:schemeClr val="tx1"/>
-              </a:solidFill>
-            </a:endParaRPr>
-          </a:p>
         </p:txBody>
       </p:sp>
+      <p:pic>
+        <p:nvPicPr>
+          <p:cNvPr id="14338" name="Picture 2"/>
+          <p:cNvPicPr>
+            <a:picLocks noChangeAspect="1" noChangeArrowheads="1"/>
+          </p:cNvPicPr>
+          <p:nvPr/>
+        </p:nvPicPr>
+        <p:blipFill>
+          <a:blip r:embed="rId2">
+            <a:extLst>
+              <a:ext uri="{28A0092B-C50C-407E-A947-70E740481C1C}">
+                <a14:useLocalDpi xmlns:a14="http://schemas.microsoft.com/office/drawing/2010/main" val="0"/>
+              </a:ext>
+            </a:extLst>
+          </a:blip>
+          <a:srcRect/>
+          <a:stretch>
+            <a:fillRect/>
+          </a:stretch>
+        </p:blipFill>
+        <p:spPr bwMode="auto">
+          <a:xfrm>
+            <a:off x="2627784" y="4149080"/>
+            <a:ext cx="5962650" cy="2461548"/>
+          </a:xfrm>
+          <a:prstGeom prst="rect">
+            <a:avLst/>
+          </a:prstGeom>
+          <a:noFill/>
+          <a:ln>
+            <a:noFill/>
+          </a:ln>
+          <a:extLst>
+            <a:ext uri="{909E8E84-426E-40DD-AFC4-6F175D3DCCD1}">
+              <a14:hiddenFill xmlns:a14="http://schemas.microsoft.com/office/drawing/2010/main">
+                <a:solidFill>
+                  <a:schemeClr val="accent1"/>
+                </a:solidFill>
+              </a14:hiddenFill>
+            </a:ext>
+            <a:ext uri="{91240B29-F687-4F45-9708-019B960494DF}">
+              <a14:hiddenLine xmlns:a14="http://schemas.microsoft.com/office/drawing/2010/main" w="9525">
+                <a:solidFill>
+                  <a:schemeClr val="tx1"/>
+                </a:solidFill>
+                <a:miter lim="800000"/>
+                <a:headEnd/>
+                <a:tailEnd/>
+              </a14:hiddenLine>
+            </a:ext>
+          </a:extLst>
+        </p:spPr>
+      </p:pic>
     </p:spTree>
     <p:extLst>
       <p:ext uri="{BB962C8B-B14F-4D97-AF65-F5344CB8AC3E}">
-        <p14:creationId xmlns:p14="http://schemas.microsoft.com/office/powerpoint/2010/main" val="39047153"/>
+        <p14:creationId xmlns:p14="http://schemas.microsoft.com/office/powerpoint/2010/main" val="1534572144"/>
       </p:ext>
     </p:extLst>
   </p:cSld>
@@ -5157,9 +5358,9 @@
             </a:r>
             <a:r>
               <a:rPr lang="ko-KR" altLang="en-US" smtClean="0"/>
-              <a:t>공격이 불가능한 이유</a:t>
-            </a:r>
-            <a:endParaRPr lang="ko-KR" altLang="en-US"/>
+              <a:t>공격</a:t>
+            </a:r>
+            <a:endParaRPr lang="ko-KR" altLang="en-US" b="0"/>
           </a:p>
           <a:p>
             <a:pPr lvl="1"/>
@@ -5169,15 +5370,35 @@
                   <a:schemeClr val="tx1"/>
                 </a:solidFill>
               </a:rPr>
-              <a:t>대형 채굴풀</a:t>
-            </a:r>
-            <a:r>
-              <a:rPr lang="en-US" altLang="ko-KR">
-                <a:solidFill>
-                  <a:schemeClr val="tx1"/>
-                </a:solidFill>
-              </a:rPr>
-              <a:t>(BTC.com, AntPool, </a:t>
+              <a:t>공격자는 </a:t>
+            </a:r>
+            <a:r>
+              <a:rPr lang="ko-KR" altLang="en-US" smtClean="0"/>
+              <a:t>더 길게 생성된 체인을 </a:t>
+            </a:r>
+            <a:r>
+              <a:rPr lang="ko-KR" altLang="en-US" smtClean="0">
+                <a:solidFill>
+                  <a:schemeClr val="tx1"/>
+                </a:solidFill>
+              </a:rPr>
+              <a:t>정상 네트워크에 전파</a:t>
+            </a:r>
+            <a:endParaRPr lang="ko-KR" altLang="en-US" b="0">
+              <a:solidFill>
+                <a:schemeClr val="tx1"/>
+              </a:solidFill>
+            </a:endParaRPr>
+          </a:p>
+          <a:p>
+            <a:pPr lvl="1"/>
+            <a:r>
+              <a:rPr lang="ko-KR" altLang="en-US" smtClean="0">
+                <a:solidFill>
+                  <a:schemeClr val="tx1"/>
+                </a:solidFill>
+              </a:rPr>
+              <a:t>각 노드들은 </a:t>
             </a:r>
             <a:r>
               <a:rPr lang="en-US" altLang="ko-KR" smtClean="0">
@@ -5185,71 +5406,15 @@
                   <a:schemeClr val="tx1"/>
                 </a:solidFill>
               </a:rPr>
-              <a:t>SlushPool </a:t>
-            </a:r>
-            <a:r>
-              <a:rPr lang="ko-KR" altLang="en-US" smtClean="0">
-                <a:solidFill>
-                  <a:schemeClr val="tx1"/>
-                </a:solidFill>
-              </a:rPr>
-              <a:t>등</a:t>
-            </a:r>
-            <a:r>
-              <a:rPr lang="en-US" altLang="ko-KR" smtClean="0">
-                <a:solidFill>
-                  <a:schemeClr val="tx1"/>
-                </a:solidFill>
-              </a:rPr>
-              <a:t>) </a:t>
-            </a:r>
-            <a:r>
-              <a:rPr lang="en-US" altLang="ko-KR" baseline="30000" smtClean="0">
-                <a:solidFill>
-                  <a:schemeClr val="tx1"/>
-                </a:solidFill>
-              </a:rPr>
-              <a:t>(</a:t>
-            </a:r>
-            <a:r>
-              <a:rPr lang="ko-KR" altLang="en-US" baseline="30000"/>
-              <a:t>개별 채굴자들이 자신의 해시 파워</a:t>
-            </a:r>
-            <a:r>
-              <a:rPr lang="en-US" altLang="ko-KR" baseline="30000"/>
-              <a:t>(</a:t>
-            </a:r>
-            <a:r>
-              <a:rPr lang="ko-KR" altLang="en-US" baseline="30000"/>
-              <a:t>컴퓨팅 능력</a:t>
-            </a:r>
-            <a:r>
-              <a:rPr lang="en-US" altLang="ko-KR" baseline="30000"/>
-              <a:t>)</a:t>
-            </a:r>
-            <a:r>
-              <a:rPr lang="ko-KR" altLang="en-US" baseline="30000"/>
-              <a:t>를 모아 함께 블록을 채굴하고</a:t>
-            </a:r>
-            <a:r>
-              <a:rPr lang="en-US" altLang="ko-KR" baseline="30000"/>
-              <a:t>, </a:t>
-            </a:r>
-            <a:r>
-              <a:rPr lang="ko-KR" altLang="en-US" baseline="30000"/>
-              <a:t>성공 시 얻는 보상을 기여도에 따라 나누는 집단 </a:t>
-            </a:r>
-            <a:r>
-              <a:rPr lang="en-US" altLang="ko-KR" baseline="30000" smtClean="0"/>
-              <a:t>)</a:t>
-            </a:r>
-            <a:r>
-              <a:rPr lang="ko-KR" altLang="en-US" smtClean="0">
-                <a:solidFill>
-                  <a:schemeClr val="tx1"/>
-                </a:solidFill>
-              </a:rPr>
-              <a:t>이 </a:t>
+              <a:t>2380 </a:t>
+            </a:r>
+            <a:r>
+              <a:rPr lang="ko-KR" altLang="en-US" smtClean="0">
+                <a:solidFill>
+                  <a:schemeClr val="tx1"/>
+                </a:solidFill>
+              </a:rPr>
+              <a:t>블록을 조상으로 하는 두개의 체인을 가지나 </a:t>
             </a:r>
             <a:r>
               <a:rPr lang="en-US" altLang="ko-KR" smtClean="0">
@@ -5268,23 +5433,15 @@
             </a:br>
             <a:r>
               <a:rPr lang="ko-KR" altLang="en-US" smtClean="0"/>
-              <a:t>악의적으로 단합한다면</a:t>
-            </a:r>
-            <a:r>
-              <a:rPr lang="ko-KR" altLang="en-US" smtClean="0">
-                <a:solidFill>
-                  <a:schemeClr val="tx1"/>
-                </a:solidFill>
-              </a:rPr>
-              <a:t> </a:t>
-            </a:r>
-            <a:r>
-              <a:rPr lang="en-US" altLang="ko-KR" smtClean="0">
-                <a:solidFill>
-                  <a:schemeClr val="tx1"/>
-                </a:solidFill>
-              </a:rPr>
-              <a:t>51</a:t>
+              <a:t>긴 체인을 채택하는 프로토콜에 의해 </a:t>
+            </a:r>
+            <a:r>
+              <a:rPr lang="ko-KR" altLang="en-US" smtClean="0">
+                <a:solidFill>
+                  <a:schemeClr val="tx1"/>
+                </a:solidFill>
+              </a:rPr>
+              <a:t>기존의 짧은 체인버림</a:t>
             </a:r>
             <a:r>
               <a:rPr lang="en-US" altLang="ko-KR">
@@ -5292,15 +5449,15 @@
                   <a:schemeClr val="tx1"/>
                 </a:solidFill>
               </a:rPr>
-              <a:t>% </a:t>
-            </a:r>
-            <a:r>
-              <a:rPr lang="ko-KR" altLang="en-US" smtClean="0">
-                <a:solidFill>
-                  <a:schemeClr val="tx1"/>
-                </a:solidFill>
-              </a:rPr>
-              <a:t>공격이 가능하지만 그럴 가능성은 </a:t>
+              <a:t>(</a:t>
+            </a:r>
+            <a:r>
+              <a:rPr lang="ko-KR" altLang="en-US" smtClean="0">
+                <a:solidFill>
+                  <a:schemeClr val="tx1"/>
+                </a:solidFill>
+              </a:rPr>
+              <a:t>체인 </a:t>
             </a:r>
             <a:r>
               <a:rPr lang="en-US" altLang="ko-KR" smtClean="0">
@@ -5323,157 +5480,204 @@
                   <a:schemeClr val="tx1"/>
                 </a:solidFill>
               </a:rPr>
-              <a:t>굉장히 낮음</a:t>
-            </a:r>
+              <a:t>재구성</a:t>
+            </a:r>
+            <a:r>
+              <a:rPr lang="en-US" altLang="ko-KR">
+                <a:solidFill>
+                  <a:schemeClr val="tx1"/>
+                </a:solidFill>
+              </a:rPr>
+              <a:t>) </a:t>
+            </a:r>
+            <a:endParaRPr lang="ko-KR" altLang="en-US" b="0">
+              <a:solidFill>
+                <a:schemeClr val="tx1"/>
+              </a:solidFill>
+            </a:endParaRPr>
+          </a:p>
+          <a:p>
+            <a:pPr lvl="1"/>
+            <a:r>
+              <a:rPr lang="ko-KR" altLang="en-US" smtClean="0">
+                <a:solidFill>
+                  <a:schemeClr val="tx1"/>
+                </a:solidFill>
+              </a:rPr>
+              <a:t>체인 재구성으로 </a:t>
+            </a:r>
+            <a:r>
+              <a:rPr lang="en-US" altLang="ko-KR" smtClean="0">
+                <a:solidFill>
+                  <a:schemeClr val="tx1"/>
+                </a:solidFill>
+              </a:rPr>
+              <a:t>50BTC </a:t>
+            </a:r>
+            <a:r>
+              <a:rPr lang="ko-KR" altLang="en-US" smtClean="0">
+                <a:solidFill>
+                  <a:schemeClr val="tx1"/>
+                </a:solidFill>
+              </a:rPr>
+              <a:t>입금 트랜잭션 무효화 → </a:t>
+            </a:r>
+            <a:r>
+              <a:rPr lang="en-US" altLang="ko-KR"/>
+              <a:t>B</a:t>
+            </a:r>
+            <a:r>
+              <a:rPr lang="ko-KR" altLang="en-US" smtClean="0"/>
+              <a:t>가 손해를 입게됨</a:t>
+            </a:r>
+            <a:endParaRPr lang="ko-KR" altLang="en-US" b="0"/>
+          </a:p>
+          <a:p>
+            <a:pPr lvl="1"/>
+            <a:r>
+              <a:rPr lang="en-US" altLang="ko-KR" smtClean="0">
+                <a:solidFill>
+                  <a:schemeClr val="tx1"/>
+                </a:solidFill>
+              </a:rPr>
+              <a:t>A</a:t>
+            </a:r>
+            <a:r>
+              <a:rPr lang="ko-KR" altLang="en-US" smtClean="0">
+                <a:solidFill>
+                  <a:schemeClr val="tx1"/>
+                </a:solidFill>
+              </a:rPr>
+              <a:t>의 계좌에는 다시 </a:t>
+            </a:r>
+            <a:r>
+              <a:rPr lang="en-US" altLang="ko-KR" smtClean="0">
+                <a:solidFill>
+                  <a:schemeClr val="tx1"/>
+                </a:solidFill>
+              </a:rPr>
+              <a:t>50BTC</a:t>
+            </a:r>
+            <a:r>
+              <a:rPr lang="ko-KR" altLang="en-US" smtClean="0">
+                <a:solidFill>
+                  <a:schemeClr val="tx1"/>
+                </a:solidFill>
+              </a:rPr>
+              <a:t>의 잔고가 생김 → 공격자가 만든 </a:t>
+            </a:r>
+            <a:r>
+              <a:rPr lang="en-US" altLang="ko-KR" smtClean="0">
+                <a:solidFill>
+                  <a:schemeClr val="tx1"/>
+                </a:solidFill>
+              </a:rPr>
+              <a:t/>
+            </a:r>
+            <a:br>
+              <a:rPr lang="en-US" altLang="ko-KR" smtClean="0">
+                <a:solidFill>
+                  <a:schemeClr val="tx1"/>
+                </a:solidFill>
+              </a:rPr>
+            </a:br>
+            <a:r>
+              <a:rPr lang="ko-KR" altLang="en-US" smtClean="0">
+                <a:solidFill>
+                  <a:schemeClr val="tx1"/>
+                </a:solidFill>
+              </a:rPr>
+              <a:t>블록체인에서 다시 </a:t>
+            </a:r>
+            <a:r>
+              <a:rPr lang="en-US" altLang="ko-KR" smtClean="0">
+                <a:solidFill>
+                  <a:schemeClr val="tx1"/>
+                </a:solidFill>
+              </a:rPr>
+              <a:t>50BTC</a:t>
+            </a:r>
+            <a:r>
+              <a:rPr lang="ko-KR" altLang="en-US" smtClean="0">
+                <a:solidFill>
+                  <a:schemeClr val="tx1"/>
+                </a:solidFill>
+              </a:rPr>
+              <a:t>를 송금하면 </a:t>
+            </a:r>
+            <a:r>
+              <a:rPr lang="ko-KR" altLang="en-US" smtClean="0"/>
+              <a:t>이중지불 발생</a:t>
+            </a:r>
+            <a:endParaRPr lang="ko-KR" altLang="en-US" b="0"/>
+          </a:p>
+          <a:p>
             <a:endParaRPr lang="ko-KR" altLang="en-US">
               <a:solidFill>
                 <a:schemeClr val="tx1"/>
               </a:solidFill>
             </a:endParaRPr>
           </a:p>
-          <a:p>
-            <a:pPr lvl="2"/>
-            <a:r>
-              <a:rPr lang="ko-KR" altLang="en-US" smtClean="0"/>
-              <a:t>비트코인 블록체인의 거래는 투명하므로 </a:t>
-            </a:r>
-            <a:r>
-              <a:rPr lang="en-US" altLang="ko-KR" smtClean="0"/>
-              <a:t>51</a:t>
-            </a:r>
-            <a:r>
-              <a:rPr lang="en-US" altLang="ko-KR"/>
-              <a:t>% </a:t>
-            </a:r>
-            <a:r>
-              <a:rPr lang="ko-KR" altLang="en-US" smtClean="0"/>
-              <a:t>공격을 받을 경우 </a:t>
-            </a:r>
-            <a:r>
-              <a:rPr lang="en-US" altLang="ko-KR" smtClean="0"/>
-              <a:t/>
-            </a:r>
-            <a:br>
-              <a:rPr lang="en-US" altLang="ko-KR" smtClean="0"/>
-            </a:br>
-            <a:r>
-              <a:rPr lang="ko-KR" altLang="en-US" smtClean="0"/>
-              <a:t>바로 알게됨 → 채굴풀은 자신이 채굴하는 암호화폐의 가치를 떨어뜨리는 일을하지않음</a:t>
-            </a:r>
-            <a:endParaRPr lang="ko-KR" altLang="en-US"/>
-          </a:p>
-          <a:p>
-            <a:pPr lvl="1"/>
-            <a:r>
-              <a:rPr lang="en-US" altLang="ko-KR" smtClean="0">
-                <a:solidFill>
-                  <a:schemeClr val="tx1"/>
-                </a:solidFill>
-              </a:rPr>
-              <a:t>51</a:t>
-            </a:r>
-            <a:r>
-              <a:rPr lang="en-US" altLang="ko-KR">
-                <a:solidFill>
-                  <a:schemeClr val="tx1"/>
-                </a:solidFill>
-              </a:rPr>
-              <a:t>% </a:t>
-            </a:r>
-            <a:r>
-              <a:rPr lang="ko-KR" altLang="en-US" smtClean="0">
-                <a:solidFill>
-                  <a:schemeClr val="tx1"/>
-                </a:solidFill>
-              </a:rPr>
-              <a:t>공격은 앞으로 보관될 거래들의 위조</a:t>
-            </a:r>
-            <a:r>
-              <a:rPr lang="en-US" altLang="ko-KR">
-                <a:solidFill>
-                  <a:schemeClr val="tx1"/>
-                </a:solidFill>
-              </a:rPr>
-              <a:t>/</a:t>
-            </a:r>
-            <a:r>
-              <a:rPr lang="ko-KR" altLang="en-US" smtClean="0">
-                <a:solidFill>
-                  <a:schemeClr val="tx1"/>
-                </a:solidFill>
-              </a:rPr>
-              <a:t>변조 위험성을 나타내지만 </a:t>
-            </a:r>
-            <a:r>
-              <a:rPr lang="en-US" altLang="ko-KR" smtClean="0">
-                <a:solidFill>
-                  <a:schemeClr val="tx1"/>
-                </a:solidFill>
-              </a:rPr>
-              <a:t/>
-            </a:r>
-            <a:br>
-              <a:rPr lang="en-US" altLang="ko-KR" smtClean="0">
-                <a:solidFill>
-                  <a:schemeClr val="tx1"/>
-                </a:solidFill>
-              </a:rPr>
-            </a:br>
-            <a:r>
-              <a:rPr lang="ko-KR" altLang="en-US" smtClean="0"/>
-              <a:t>기존에 저장된 거래들의 위조</a:t>
-            </a:r>
-            <a:r>
-              <a:rPr lang="en-US" altLang="ko-KR"/>
-              <a:t>/</a:t>
-            </a:r>
-            <a:r>
-              <a:rPr lang="ko-KR" altLang="en-US" smtClean="0"/>
-              <a:t>변조는 거의 불가능</a:t>
-            </a:r>
-            <a:endParaRPr lang="ko-KR" altLang="en-US"/>
-          </a:p>
-          <a:p>
-            <a:pPr lvl="2"/>
-            <a:r>
-              <a:rPr lang="ko-KR" altLang="en-US" smtClean="0"/>
-              <a:t>비트코인의 블록주기인 </a:t>
-            </a:r>
-            <a:r>
-              <a:rPr lang="en-US" altLang="ko-KR" smtClean="0"/>
-              <a:t>10</a:t>
-            </a:r>
-            <a:r>
-              <a:rPr lang="ko-KR" altLang="en-US" smtClean="0"/>
-              <a:t>분 안에 과거에 생성된 블록체인보다 긴 체인을 </a:t>
-            </a:r>
-            <a:r>
-              <a:rPr lang="en-US" altLang="ko-KR" smtClean="0"/>
-              <a:t/>
-            </a:r>
-            <a:br>
-              <a:rPr lang="en-US" altLang="ko-KR" smtClean="0"/>
-            </a:br>
-            <a:r>
-              <a:rPr lang="ko-KR" altLang="en-US" smtClean="0"/>
-              <a:t>생성하는 것은 전 세계 슈퍼컴퓨터를 모두 동원하지않는 이상 불가능</a:t>
-            </a:r>
-            <a:endParaRPr lang="ko-KR" altLang="en-US"/>
-          </a:p>
-          <a:p>
-            <a:pPr lvl="2"/>
-            <a:r>
-              <a:rPr lang="ko-KR" altLang="en-US" smtClean="0"/>
-              <a:t>비트코인은 한번도 블록체인 자체가 해킹당한 적이 없음</a:t>
-            </a:r>
-            <a:endParaRPr lang="ko-KR" altLang="en-US"/>
-          </a:p>
         </p:txBody>
       </p:sp>
+      <p:pic>
+        <p:nvPicPr>
+          <p:cNvPr id="15362" name="Picture 2"/>
+          <p:cNvPicPr>
+            <a:picLocks noChangeAspect="1" noChangeArrowheads="1"/>
+          </p:cNvPicPr>
+          <p:nvPr/>
+        </p:nvPicPr>
+        <p:blipFill>
+          <a:blip r:embed="rId2">
+            <a:extLst>
+              <a:ext uri="{28A0092B-C50C-407E-A947-70E740481C1C}">
+                <a14:useLocalDpi xmlns:a14="http://schemas.microsoft.com/office/drawing/2010/main" val="0"/>
+              </a:ext>
+            </a:extLst>
+          </a:blip>
+          <a:srcRect/>
+          <a:stretch>
+            <a:fillRect/>
+          </a:stretch>
+        </p:blipFill>
+        <p:spPr bwMode="auto">
+          <a:xfrm>
+            <a:off x="1835696" y="4149080"/>
+            <a:ext cx="5991225" cy="2631951"/>
+          </a:xfrm>
+          <a:prstGeom prst="rect">
+            <a:avLst/>
+          </a:prstGeom>
+          <a:noFill/>
+          <a:ln>
+            <a:noFill/>
+          </a:ln>
+          <a:extLst>
+            <a:ext uri="{909E8E84-426E-40DD-AFC4-6F175D3DCCD1}">
+              <a14:hiddenFill xmlns:a14="http://schemas.microsoft.com/office/drawing/2010/main">
+                <a:solidFill>
+                  <a:schemeClr val="accent1"/>
+                </a:solidFill>
+              </a14:hiddenFill>
+            </a:ext>
+            <a:ext uri="{91240B29-F687-4F45-9708-019B960494DF}">
+              <a14:hiddenLine xmlns:a14="http://schemas.microsoft.com/office/drawing/2010/main" w="9525">
+                <a:solidFill>
+                  <a:schemeClr val="tx1"/>
+                </a:solidFill>
+                <a:miter lim="800000"/>
+                <a:headEnd/>
+                <a:tailEnd/>
+              </a14:hiddenLine>
+            </a:ext>
+          </a:extLst>
+        </p:spPr>
+      </p:pic>
     </p:spTree>
     <p:extLst>
       <p:ext uri="{BB962C8B-B14F-4D97-AF65-F5344CB8AC3E}">
-        <p14:creationId xmlns:p14="http://schemas.microsoft.com/office/powerpoint/2010/main" val="1973726231"/>
+        <p14:creationId xmlns:p14="http://schemas.microsoft.com/office/powerpoint/2010/main" val="1909638664"/>
       </p:ext>
     </p:extLst>
   </p:cSld>
@@ -5525,6 +5729,1110 @@
             </a:r>
             <a:r>
               <a:rPr lang="ko-KR" altLang="en-US"/>
+              <a:t>공격</a:t>
+            </a:r>
+            <a:endParaRPr lang="ko-KR" altLang="en-US" b="0">
+              <a:solidFill>
+                <a:srgbClr val="C00000"/>
+              </a:solidFill>
+            </a:endParaRPr>
+          </a:p>
+        </p:txBody>
+      </p:sp>
+      <p:sp>
+        <p:nvSpPr>
+          <p:cNvPr id="3" name="내용 개체 틀 2"/>
+          <p:cNvSpPr>
+            <a:spLocks noGrp="1"/>
+          </p:cNvSpPr>
+          <p:nvPr>
+            <p:ph idx="1"/>
+          </p:nvPr>
+        </p:nvSpPr>
+        <p:spPr/>
+        <p:txBody>
+          <a:bodyPr>
+            <a:normAutofit/>
+          </a:bodyPr>
+          <a:lstStyle/>
+          <a:p>
+            <a:r>
+              <a:rPr lang="en-US" altLang="ko-KR"/>
+              <a:t>51% </a:t>
+            </a:r>
+            <a:r>
+              <a:rPr lang="ko-KR" altLang="en-US" smtClean="0"/>
+              <a:t>공격 사례</a:t>
+            </a:r>
+            <a:endParaRPr lang="ko-KR" altLang="en-US"/>
+          </a:p>
+          <a:p>
+            <a:pPr lvl="1"/>
+            <a:r>
+              <a:rPr lang="ko-KR" altLang="en-US" smtClean="0"/>
+              <a:t>소규모 </a:t>
+            </a:r>
+            <a:r>
+              <a:rPr lang="ko-KR" altLang="en-US" smtClean="0">
+                <a:solidFill>
+                  <a:schemeClr val="tx1"/>
+                </a:solidFill>
+              </a:rPr>
+              <a:t>알트코인은 </a:t>
+            </a:r>
+            <a:r>
+              <a:rPr lang="ko-KR" altLang="en-US" smtClean="0"/>
+              <a:t>해시파워를 적게 가지고 있어</a:t>
+            </a:r>
+            <a:r>
+              <a:rPr lang="en-US" altLang="ko-KR" baseline="30000" smtClean="0"/>
+              <a:t>(</a:t>
+            </a:r>
+            <a:r>
+              <a:rPr lang="ko-KR" altLang="en-US" baseline="30000"/>
+              <a:t>네트워크의 규모와 분산화 </a:t>
+            </a:r>
+            <a:r>
+              <a:rPr lang="ko-KR" altLang="en-US" baseline="30000" smtClean="0"/>
+              <a:t>수준</a:t>
+            </a:r>
+            <a:r>
+              <a:rPr lang="en-US" altLang="ko-KR" baseline="30000" smtClean="0"/>
+              <a:t>)</a:t>
+            </a:r>
+            <a:r>
+              <a:rPr lang="ko-KR" altLang="en-US" baseline="30000" smtClean="0">
+                <a:solidFill>
+                  <a:schemeClr val="tx1"/>
+                </a:solidFill>
+              </a:rPr>
+              <a:t> </a:t>
+            </a:r>
+            <a:r>
+              <a:rPr lang="en-US" altLang="ko-KR" smtClean="0">
+                <a:solidFill>
+                  <a:schemeClr val="tx1"/>
+                </a:solidFill>
+              </a:rPr>
+              <a:t>51</a:t>
+            </a:r>
+            <a:r>
+              <a:rPr lang="en-US" altLang="ko-KR">
+                <a:solidFill>
+                  <a:schemeClr val="tx1"/>
+                </a:solidFill>
+              </a:rPr>
+              <a:t>% </a:t>
+            </a:r>
+            <a:r>
+              <a:rPr lang="ko-KR" altLang="en-US" smtClean="0">
+                <a:solidFill>
+                  <a:schemeClr val="tx1"/>
+                </a:solidFill>
+              </a:rPr>
+              <a:t>공격대상이 될 수 있음</a:t>
+            </a:r>
+            <a:endParaRPr lang="ko-KR" altLang="en-US">
+              <a:solidFill>
+                <a:schemeClr val="tx1"/>
+              </a:solidFill>
+            </a:endParaRPr>
+          </a:p>
+          <a:p>
+            <a:pPr lvl="2"/>
+            <a:r>
+              <a:rPr lang="ko-KR" altLang="en-US" smtClean="0"/>
+              <a:t>절반 이상의 해시파워를 얻는 것은 비용이 많이 들지만 이중지불 공격을 </a:t>
+            </a:r>
+            <a:r>
+              <a:rPr lang="en-US" altLang="ko-KR" smtClean="0"/>
+              <a:t/>
+            </a:r>
+            <a:br>
+              <a:rPr lang="en-US" altLang="ko-KR" smtClean="0"/>
+            </a:br>
+            <a:r>
+              <a:rPr lang="ko-KR" altLang="en-US" smtClean="0"/>
+              <a:t>병행하면수익화할 수 있다고 판단</a:t>
+            </a:r>
+            <a:endParaRPr lang="ko-KR" altLang="en-US"/>
+          </a:p>
+          <a:p>
+            <a:pPr lvl="1"/>
+            <a:r>
+              <a:rPr lang="ko-KR" altLang="en-US" smtClean="0">
+                <a:solidFill>
+                  <a:schemeClr val="tx1"/>
+                </a:solidFill>
+              </a:rPr>
+              <a:t>버트코인</a:t>
+            </a:r>
+            <a:r>
+              <a:rPr lang="en-US" altLang="ko-KR">
+                <a:solidFill>
+                  <a:schemeClr val="tx1"/>
+                </a:solidFill>
+              </a:rPr>
+              <a:t>(VTC</a:t>
+            </a:r>
+            <a:r>
+              <a:rPr lang="en-US" altLang="ko-KR" smtClean="0">
+                <a:solidFill>
+                  <a:schemeClr val="tx1"/>
+                </a:solidFill>
+              </a:rPr>
+              <a:t>) - 18</a:t>
+            </a:r>
+            <a:r>
+              <a:rPr lang="ko-KR" altLang="en-US">
+                <a:solidFill>
+                  <a:schemeClr val="tx1"/>
+                </a:solidFill>
+              </a:rPr>
+              <a:t>년</a:t>
+            </a:r>
+            <a:r>
+              <a:rPr lang="en-US" altLang="ko-KR">
+                <a:solidFill>
+                  <a:schemeClr val="tx1"/>
+                </a:solidFill>
+              </a:rPr>
+              <a:t>10</a:t>
+            </a:r>
+            <a:r>
+              <a:rPr lang="ko-KR" altLang="en-US" smtClean="0">
+                <a:solidFill>
+                  <a:schemeClr val="tx1"/>
+                </a:solidFill>
+              </a:rPr>
+              <a:t>월과 </a:t>
+            </a:r>
+            <a:r>
+              <a:rPr lang="en-US" altLang="ko-KR" smtClean="0">
+                <a:solidFill>
+                  <a:schemeClr val="tx1"/>
+                </a:solidFill>
+              </a:rPr>
+              <a:t>12</a:t>
+            </a:r>
+            <a:r>
+              <a:rPr lang="ko-KR" altLang="en-US" smtClean="0">
+                <a:solidFill>
+                  <a:schemeClr val="tx1"/>
+                </a:solidFill>
+              </a:rPr>
+              <a:t>월에 나이스 해시</a:t>
+            </a:r>
+            <a:r>
+              <a:rPr lang="en-US" altLang="ko-KR" baseline="30000" smtClean="0">
+                <a:solidFill>
+                  <a:schemeClr val="tx1"/>
+                </a:solidFill>
+              </a:rPr>
+              <a:t>(</a:t>
+            </a:r>
+            <a:r>
+              <a:rPr lang="ko-KR" altLang="en-US" baseline="30000"/>
+              <a:t>슬로베니아에 본사를 둔 </a:t>
+            </a:r>
+            <a:r>
+              <a:rPr lang="en-US" altLang="ko-KR" baseline="30000" smtClean="0"/>
+              <a:t/>
+            </a:r>
+            <a:br>
+              <a:rPr lang="en-US" altLang="ko-KR" baseline="30000" smtClean="0"/>
+            </a:br>
+            <a:r>
+              <a:rPr lang="ko-KR" altLang="en-US" baseline="30000" smtClean="0"/>
+              <a:t>클라우드 </a:t>
+            </a:r>
+            <a:r>
+              <a:rPr lang="ko-KR" altLang="en-US" baseline="30000"/>
+              <a:t>기반 암호화폐 채굴 마켓플레이스 </a:t>
+            </a:r>
+            <a:r>
+              <a:rPr lang="en-US" altLang="ko-KR" baseline="30000" smtClean="0"/>
+              <a:t>)</a:t>
+            </a:r>
+            <a:r>
+              <a:rPr lang="ko-KR" altLang="en-US" smtClean="0">
+                <a:solidFill>
+                  <a:schemeClr val="tx1"/>
+                </a:solidFill>
+              </a:rPr>
+              <a:t>로부터 충분한 연산파워를 얻은 </a:t>
+            </a:r>
+            <a:r>
+              <a:rPr lang="en-US" altLang="ko-KR" smtClean="0">
+                <a:solidFill>
+                  <a:schemeClr val="tx1"/>
+                </a:solidFill>
+              </a:rPr>
+              <a:t/>
+            </a:r>
+            <a:br>
+              <a:rPr lang="en-US" altLang="ko-KR" smtClean="0">
+                <a:solidFill>
+                  <a:schemeClr val="tx1"/>
+                </a:solidFill>
+              </a:rPr>
+            </a:br>
+            <a:r>
+              <a:rPr lang="ko-KR" altLang="en-US" smtClean="0">
+                <a:solidFill>
+                  <a:schemeClr val="tx1"/>
+                </a:solidFill>
+              </a:rPr>
+              <a:t>개인</a:t>
+            </a:r>
+            <a:r>
+              <a:rPr lang="en-US" altLang="ko-KR">
+                <a:solidFill>
+                  <a:schemeClr val="tx1"/>
+                </a:solidFill>
+              </a:rPr>
+              <a:t>(</a:t>
+            </a:r>
+            <a:r>
+              <a:rPr lang="ko-KR" altLang="en-US">
+                <a:solidFill>
+                  <a:schemeClr val="tx1"/>
+                </a:solidFill>
+              </a:rPr>
+              <a:t>기관</a:t>
+            </a:r>
+            <a:r>
+              <a:rPr lang="en-US" altLang="ko-KR">
+                <a:solidFill>
+                  <a:schemeClr val="tx1"/>
+                </a:solidFill>
+              </a:rPr>
+              <a:t>)</a:t>
+            </a:r>
+            <a:r>
+              <a:rPr lang="ko-KR" altLang="en-US" smtClean="0">
+                <a:solidFill>
+                  <a:schemeClr val="tx1"/>
+                </a:solidFill>
+              </a:rPr>
+              <a:t>의 이중지불에 의해 </a:t>
+            </a:r>
+            <a:r>
+              <a:rPr lang="en-US" altLang="ko-KR" smtClean="0">
+                <a:solidFill>
+                  <a:schemeClr val="tx1"/>
+                </a:solidFill>
+              </a:rPr>
+              <a:t>10</a:t>
+            </a:r>
+            <a:r>
+              <a:rPr lang="ko-KR" altLang="en-US" smtClean="0">
+                <a:solidFill>
+                  <a:schemeClr val="tx1"/>
+                </a:solidFill>
+              </a:rPr>
+              <a:t>만달러 가치의 </a:t>
+            </a:r>
+            <a:r>
+              <a:rPr lang="en-US" altLang="ko-KR" smtClean="0">
+                <a:solidFill>
+                  <a:schemeClr val="tx1"/>
+                </a:solidFill>
+              </a:rPr>
+              <a:t>VTC </a:t>
+            </a:r>
+            <a:r>
+              <a:rPr lang="ko-KR" altLang="en-US">
+                <a:solidFill>
+                  <a:schemeClr val="tx1"/>
+                </a:solidFill>
+              </a:rPr>
+              <a:t>잃음</a:t>
+            </a:r>
+          </a:p>
+          <a:p>
+            <a:pPr lvl="1"/>
+            <a:r>
+              <a:rPr lang="ko-KR" altLang="en-US" smtClean="0">
+                <a:solidFill>
+                  <a:schemeClr val="tx1"/>
+                </a:solidFill>
+              </a:rPr>
+              <a:t>이더리움 클래식</a:t>
+            </a:r>
+            <a:r>
+              <a:rPr lang="en-US" altLang="ko-KR">
+                <a:solidFill>
+                  <a:schemeClr val="tx1"/>
+                </a:solidFill>
+              </a:rPr>
+              <a:t>(ETC</a:t>
+            </a:r>
+            <a:r>
+              <a:rPr lang="en-US" altLang="ko-KR" smtClean="0">
+                <a:solidFill>
+                  <a:schemeClr val="tx1"/>
+                </a:solidFill>
+              </a:rPr>
+              <a:t>) - 20</a:t>
+            </a:r>
+            <a:r>
+              <a:rPr lang="ko-KR" altLang="en-US" smtClean="0">
+                <a:solidFill>
+                  <a:schemeClr val="tx1"/>
+                </a:solidFill>
+              </a:rPr>
+              <a:t>년 </a:t>
+            </a:r>
+            <a:r>
+              <a:rPr lang="en-US" altLang="ko-KR" smtClean="0">
+                <a:solidFill>
+                  <a:schemeClr val="tx1"/>
+                </a:solidFill>
+              </a:rPr>
+              <a:t>8</a:t>
+            </a:r>
+            <a:r>
+              <a:rPr lang="ko-KR" altLang="en-US" smtClean="0">
+                <a:solidFill>
+                  <a:schemeClr val="tx1"/>
+                </a:solidFill>
+              </a:rPr>
+              <a:t>월에 세번의 </a:t>
+            </a:r>
+            <a:r>
+              <a:rPr lang="en-US" altLang="ko-KR" smtClean="0">
+                <a:solidFill>
+                  <a:schemeClr val="tx1"/>
+                </a:solidFill>
+              </a:rPr>
+              <a:t>51</a:t>
+            </a:r>
+            <a:r>
+              <a:rPr lang="en-US" altLang="ko-KR">
+                <a:solidFill>
+                  <a:schemeClr val="tx1"/>
+                </a:solidFill>
+              </a:rPr>
+              <a:t>% </a:t>
+            </a:r>
+            <a:r>
+              <a:rPr lang="ko-KR" altLang="en-US" smtClean="0">
+                <a:solidFill>
+                  <a:schemeClr val="tx1"/>
+                </a:solidFill>
+              </a:rPr>
+              <a:t>공격 → 코인베이스</a:t>
+            </a:r>
+            <a:r>
+              <a:rPr lang="en-US" altLang="ko-KR" baseline="30000" smtClean="0">
+                <a:solidFill>
+                  <a:schemeClr val="tx1"/>
+                </a:solidFill>
+              </a:rPr>
+              <a:t>(</a:t>
+            </a:r>
+            <a:r>
+              <a:rPr lang="en-US" altLang="ko-KR" baseline="30000"/>
+              <a:t>2012</a:t>
+            </a:r>
+            <a:r>
+              <a:rPr lang="ko-KR" altLang="en-US" baseline="30000"/>
+              <a:t>년에 설립된 미국의 대표적인 암호화폐 거래소이자 </a:t>
+            </a:r>
+            <a:r>
+              <a:rPr lang="ko-KR" altLang="en-US" baseline="30000" smtClean="0"/>
+              <a:t>플랫폼</a:t>
+            </a:r>
+            <a:r>
+              <a:rPr lang="en-US" altLang="ko-KR" baseline="30000" smtClean="0"/>
+              <a:t>)</a:t>
+            </a:r>
+            <a:r>
+              <a:rPr lang="ko-KR" altLang="en-US" smtClean="0">
+                <a:solidFill>
+                  <a:schemeClr val="tx1"/>
+                </a:solidFill>
+              </a:rPr>
+              <a:t>는 </a:t>
+            </a:r>
+            <a:r>
+              <a:rPr lang="en-US" altLang="ko-KR" smtClean="0">
+                <a:solidFill>
+                  <a:schemeClr val="tx1"/>
+                </a:solidFill>
+              </a:rPr>
+              <a:t>ETC </a:t>
+            </a:r>
+            <a:r>
+              <a:rPr lang="ko-KR" altLang="en-US" smtClean="0">
+                <a:solidFill>
+                  <a:schemeClr val="tx1"/>
+                </a:solidFill>
+              </a:rPr>
+              <a:t>입출금 전면중단</a:t>
+            </a:r>
+            <a:endParaRPr lang="ko-KR" altLang="en-US">
+              <a:solidFill>
+                <a:schemeClr val="tx1"/>
+              </a:solidFill>
+            </a:endParaRPr>
+          </a:p>
+          <a:p>
+            <a:pPr lvl="1"/>
+            <a:r>
+              <a:rPr lang="en-US" altLang="ko-KR" smtClean="0">
+                <a:solidFill>
+                  <a:schemeClr val="tx1"/>
+                </a:solidFill>
+              </a:rPr>
+              <a:t>2014</a:t>
+            </a:r>
+            <a:r>
+              <a:rPr lang="ko-KR" altLang="en-US" smtClean="0">
+                <a:solidFill>
+                  <a:schemeClr val="tx1"/>
+                </a:solidFill>
+              </a:rPr>
+              <a:t>년 </a:t>
+            </a:r>
+            <a:r>
+              <a:rPr lang="en-US" altLang="ko-KR" smtClean="0">
+                <a:solidFill>
+                  <a:schemeClr val="tx1"/>
+                </a:solidFill>
+              </a:rPr>
+              <a:t>GHash.io </a:t>
+            </a:r>
+            <a:r>
+              <a:rPr lang="ko-KR" altLang="en-US" smtClean="0">
+                <a:solidFill>
+                  <a:schemeClr val="tx1"/>
+                </a:solidFill>
+              </a:rPr>
+              <a:t>마이닝풀의 일시적인 해시파워 </a:t>
+            </a:r>
+            <a:r>
+              <a:rPr lang="en-US" altLang="ko-KR" smtClean="0">
+                <a:solidFill>
+                  <a:schemeClr val="tx1"/>
+                </a:solidFill>
+              </a:rPr>
+              <a:t>51</a:t>
+            </a:r>
+            <a:r>
+              <a:rPr lang="en-US" altLang="ko-KR">
+                <a:solidFill>
+                  <a:schemeClr val="tx1"/>
+                </a:solidFill>
+              </a:rPr>
+              <a:t>%</a:t>
+            </a:r>
+            <a:r>
+              <a:rPr lang="ko-KR" altLang="en-US" smtClean="0">
+                <a:solidFill>
+                  <a:schemeClr val="tx1"/>
+                </a:solidFill>
+              </a:rPr>
+              <a:t>초과로 비트코인 </a:t>
+            </a:r>
+            <a:r>
+              <a:rPr lang="en-US" altLang="ko-KR" smtClean="0">
+                <a:solidFill>
+                  <a:schemeClr val="tx1"/>
+                </a:solidFill>
+              </a:rPr>
+              <a:t/>
+            </a:r>
+            <a:br>
+              <a:rPr lang="en-US" altLang="ko-KR" smtClean="0">
+                <a:solidFill>
+                  <a:schemeClr val="tx1"/>
+                </a:solidFill>
+              </a:rPr>
+            </a:br>
+            <a:r>
+              <a:rPr lang="ko-KR" altLang="en-US" smtClean="0">
+                <a:solidFill>
+                  <a:schemeClr val="tx1"/>
+                </a:solidFill>
+              </a:rPr>
+              <a:t>가격 폭락</a:t>
+            </a:r>
+            <a:endParaRPr lang="ko-KR" altLang="en-US">
+              <a:solidFill>
+                <a:schemeClr val="tx1"/>
+              </a:solidFill>
+            </a:endParaRPr>
+          </a:p>
+          <a:p>
+            <a:pPr lvl="2"/>
+            <a:r>
+              <a:rPr lang="ko-KR" altLang="en-US" smtClean="0">
+                <a:solidFill>
+                  <a:schemeClr val="tx1"/>
+                </a:solidFill>
+              </a:rPr>
+              <a:t>지해쉬는 의도적인 것이 아니라고 해명하였으나 </a:t>
+            </a:r>
+            <a:r>
+              <a:rPr lang="en-US" altLang="ko-KR" smtClean="0">
+                <a:solidFill>
+                  <a:schemeClr val="tx1"/>
+                </a:solidFill>
+              </a:rPr>
+              <a:t>51</a:t>
+            </a:r>
+            <a:r>
+              <a:rPr lang="en-US" altLang="ko-KR">
+                <a:solidFill>
+                  <a:schemeClr val="tx1"/>
+                </a:solidFill>
+              </a:rPr>
+              <a:t>% </a:t>
+            </a:r>
+            <a:r>
+              <a:rPr lang="ko-KR" altLang="en-US" smtClean="0">
+                <a:solidFill>
+                  <a:schemeClr val="tx1"/>
+                </a:solidFill>
+              </a:rPr>
+              <a:t>공격의 가능성을 보임</a:t>
+            </a:r>
+            <a:endParaRPr lang="en-US" altLang="ko-KR" smtClean="0">
+              <a:solidFill>
+                <a:schemeClr val="tx1"/>
+              </a:solidFill>
+            </a:endParaRPr>
+          </a:p>
+          <a:p>
+            <a:pPr lvl="2"/>
+            <a:r>
+              <a:rPr lang="ko-KR" altLang="en-US" smtClean="0">
+                <a:solidFill>
+                  <a:schemeClr val="tx1"/>
+                </a:solidFill>
+              </a:rPr>
+              <a:t>지해쉬에 참여하고 있던 개인들이 의도적으로 빠지게되어 </a:t>
+            </a:r>
+            <a:r>
+              <a:rPr lang="en-US" altLang="ko-KR" smtClean="0">
+                <a:solidFill>
+                  <a:schemeClr val="tx1"/>
+                </a:solidFill>
+              </a:rPr>
+              <a:t>51</a:t>
+            </a:r>
+            <a:r>
+              <a:rPr lang="en-US" altLang="ko-KR">
+                <a:solidFill>
+                  <a:schemeClr val="tx1"/>
+                </a:solidFill>
+              </a:rPr>
+              <a:t>% </a:t>
+            </a:r>
+            <a:r>
+              <a:rPr lang="ko-KR" altLang="en-US" smtClean="0">
+                <a:solidFill>
+                  <a:schemeClr val="tx1"/>
+                </a:solidFill>
+              </a:rPr>
+              <a:t>문제가 </a:t>
+            </a:r>
+            <a:r>
+              <a:rPr lang="en-US" altLang="ko-KR" smtClean="0">
+                <a:solidFill>
+                  <a:schemeClr val="tx1"/>
+                </a:solidFill>
+              </a:rPr>
+              <a:t/>
+            </a:r>
+            <a:br>
+              <a:rPr lang="en-US" altLang="ko-KR" smtClean="0">
+                <a:solidFill>
+                  <a:schemeClr val="tx1"/>
+                </a:solidFill>
+              </a:rPr>
+            </a:br>
+            <a:r>
+              <a:rPr lang="ko-KR" altLang="en-US" smtClean="0">
+                <a:solidFill>
+                  <a:schemeClr val="tx1"/>
+                </a:solidFill>
+              </a:rPr>
+              <a:t>해결됨</a:t>
+            </a:r>
+            <a:endParaRPr lang="ko-KR" altLang="en-US">
+              <a:solidFill>
+                <a:schemeClr val="tx1"/>
+              </a:solidFill>
+            </a:endParaRPr>
+          </a:p>
+          <a:p>
+            <a:endParaRPr lang="ko-KR" altLang="en-US">
+              <a:solidFill>
+                <a:schemeClr val="tx1"/>
+              </a:solidFill>
+            </a:endParaRPr>
+          </a:p>
+        </p:txBody>
+      </p:sp>
+    </p:spTree>
+    <p:extLst>
+      <p:ext uri="{BB962C8B-B14F-4D97-AF65-F5344CB8AC3E}">
+        <p14:creationId xmlns:p14="http://schemas.microsoft.com/office/powerpoint/2010/main" val="39047153"/>
+      </p:ext>
+    </p:extLst>
+  </p:cSld>
+  <p:clrMapOvr>
+    <a:masterClrMapping/>
+  </p:clrMapOvr>
+</p:sld>
+</file>
+
+<file path=ppt/slides/slide16.xml><?xml version="1.0" encoding="utf-8"?>
+<p:sld xmlns:a="http://schemas.openxmlformats.org/drawingml/2006/main" xmlns:r="http://schemas.openxmlformats.org/officeDocument/2006/relationships" xmlns:p="http://schemas.openxmlformats.org/presentationml/2006/main">
+  <p:cSld>
+    <p:spTree>
+      <p:nvGrpSpPr>
+        <p:cNvPr id="1" name=""/>
+        <p:cNvGrpSpPr/>
+        <p:nvPr/>
+      </p:nvGrpSpPr>
+      <p:grpSpPr>
+        <a:xfrm>
+          <a:off x="0" y="0"/>
+          <a:ext cx="0" cy="0"/>
+          <a:chOff x="0" y="0"/>
+          <a:chExt cx="0" cy="0"/>
+        </a:xfrm>
+      </p:grpSpPr>
+      <p:sp>
+        <p:nvSpPr>
+          <p:cNvPr id="2" name="제목 1"/>
+          <p:cNvSpPr>
+            <a:spLocks noGrp="1"/>
+          </p:cNvSpPr>
+          <p:nvPr>
+            <p:ph type="title"/>
+          </p:nvPr>
+        </p:nvSpPr>
+        <p:spPr/>
+        <p:txBody>
+          <a:bodyPr/>
+          <a:lstStyle/>
+          <a:p>
+            <a:r>
+              <a:rPr lang="ko-KR" altLang="en-US"/>
+              <a:t>다크 코인과 </a:t>
+            </a:r>
+            <a:r>
+              <a:rPr lang="en-US" altLang="ko-KR"/>
+              <a:t>51% </a:t>
+            </a:r>
+            <a:r>
+              <a:rPr lang="ko-KR" altLang="en-US"/>
+              <a:t>공격</a:t>
+            </a:r>
+            <a:endParaRPr lang="ko-KR" altLang="en-US" b="0">
+              <a:solidFill>
+                <a:srgbClr val="C00000"/>
+              </a:solidFill>
+            </a:endParaRPr>
+          </a:p>
+        </p:txBody>
+      </p:sp>
+      <p:sp>
+        <p:nvSpPr>
+          <p:cNvPr id="3" name="내용 개체 틀 2"/>
+          <p:cNvSpPr>
+            <a:spLocks noGrp="1"/>
+          </p:cNvSpPr>
+          <p:nvPr>
+            <p:ph idx="1"/>
+          </p:nvPr>
+        </p:nvSpPr>
+        <p:spPr/>
+        <p:txBody>
+          <a:bodyPr>
+            <a:normAutofit/>
+          </a:bodyPr>
+          <a:lstStyle/>
+          <a:p>
+            <a:r>
+              <a:rPr lang="en-US" altLang="ko-KR"/>
+              <a:t>51% </a:t>
+            </a:r>
+            <a:r>
+              <a:rPr lang="ko-KR" altLang="en-US" smtClean="0"/>
+              <a:t>공격이 불가능한 이유</a:t>
+            </a:r>
+            <a:endParaRPr lang="ko-KR" altLang="en-US"/>
+          </a:p>
+          <a:p>
+            <a:pPr lvl="1"/>
+            <a:r>
+              <a:rPr lang="ko-KR" altLang="en-US" smtClean="0">
+                <a:solidFill>
+                  <a:schemeClr val="tx1"/>
+                </a:solidFill>
+              </a:rPr>
+              <a:t>대형 채굴풀</a:t>
+            </a:r>
+            <a:r>
+              <a:rPr lang="en-US" altLang="ko-KR">
+                <a:solidFill>
+                  <a:schemeClr val="tx1"/>
+                </a:solidFill>
+              </a:rPr>
+              <a:t>(BTC.com, AntPool, </a:t>
+            </a:r>
+            <a:r>
+              <a:rPr lang="en-US" altLang="ko-KR" smtClean="0">
+                <a:solidFill>
+                  <a:schemeClr val="tx1"/>
+                </a:solidFill>
+              </a:rPr>
+              <a:t>SlushPool </a:t>
+            </a:r>
+            <a:r>
+              <a:rPr lang="ko-KR" altLang="en-US" smtClean="0">
+                <a:solidFill>
+                  <a:schemeClr val="tx1"/>
+                </a:solidFill>
+              </a:rPr>
+              <a:t>등</a:t>
+            </a:r>
+            <a:r>
+              <a:rPr lang="en-US" altLang="ko-KR" smtClean="0">
+                <a:solidFill>
+                  <a:schemeClr val="tx1"/>
+                </a:solidFill>
+              </a:rPr>
+              <a:t>) </a:t>
+            </a:r>
+            <a:r>
+              <a:rPr lang="en-US" altLang="ko-KR" baseline="30000" smtClean="0">
+                <a:solidFill>
+                  <a:schemeClr val="tx1"/>
+                </a:solidFill>
+              </a:rPr>
+              <a:t>(</a:t>
+            </a:r>
+            <a:r>
+              <a:rPr lang="ko-KR" altLang="en-US" baseline="30000"/>
+              <a:t>개별 채굴자들이 자신의 해시 파워</a:t>
+            </a:r>
+            <a:r>
+              <a:rPr lang="en-US" altLang="ko-KR" baseline="30000"/>
+              <a:t>(</a:t>
+            </a:r>
+            <a:r>
+              <a:rPr lang="ko-KR" altLang="en-US" baseline="30000"/>
+              <a:t>컴퓨팅 능력</a:t>
+            </a:r>
+            <a:r>
+              <a:rPr lang="en-US" altLang="ko-KR" baseline="30000"/>
+              <a:t>)</a:t>
+            </a:r>
+            <a:r>
+              <a:rPr lang="ko-KR" altLang="en-US" baseline="30000"/>
+              <a:t>를 모아 함께 블록을 채굴하고</a:t>
+            </a:r>
+            <a:r>
+              <a:rPr lang="en-US" altLang="ko-KR" baseline="30000"/>
+              <a:t>, </a:t>
+            </a:r>
+            <a:r>
+              <a:rPr lang="ko-KR" altLang="en-US" baseline="30000"/>
+              <a:t>성공 시 얻는 보상을 기여도에 따라 나누는 집단 </a:t>
+            </a:r>
+            <a:r>
+              <a:rPr lang="en-US" altLang="ko-KR" baseline="30000" smtClean="0"/>
+              <a:t>)</a:t>
+            </a:r>
+            <a:r>
+              <a:rPr lang="ko-KR" altLang="en-US" smtClean="0">
+                <a:solidFill>
+                  <a:schemeClr val="tx1"/>
+                </a:solidFill>
+              </a:rPr>
+              <a:t>이 </a:t>
+            </a:r>
+            <a:r>
+              <a:rPr lang="en-US" altLang="ko-KR" smtClean="0">
+                <a:solidFill>
+                  <a:schemeClr val="tx1"/>
+                </a:solidFill>
+              </a:rPr>
+              <a:t/>
+            </a:r>
+            <a:br>
+              <a:rPr lang="en-US" altLang="ko-KR" smtClean="0">
+                <a:solidFill>
+                  <a:schemeClr val="tx1"/>
+                </a:solidFill>
+              </a:rPr>
+            </a:br>
+            <a:r>
+              <a:rPr lang="ko-KR" altLang="en-US" smtClean="0"/>
+              <a:t>악의적으로 단합한다면</a:t>
+            </a:r>
+            <a:r>
+              <a:rPr lang="ko-KR" altLang="en-US" smtClean="0">
+                <a:solidFill>
+                  <a:schemeClr val="tx1"/>
+                </a:solidFill>
+              </a:rPr>
+              <a:t> </a:t>
+            </a:r>
+            <a:r>
+              <a:rPr lang="en-US" altLang="ko-KR" smtClean="0">
+                <a:solidFill>
+                  <a:schemeClr val="tx1"/>
+                </a:solidFill>
+              </a:rPr>
+              <a:t>51</a:t>
+            </a:r>
+            <a:r>
+              <a:rPr lang="en-US" altLang="ko-KR">
+                <a:solidFill>
+                  <a:schemeClr val="tx1"/>
+                </a:solidFill>
+              </a:rPr>
+              <a:t>% </a:t>
+            </a:r>
+            <a:r>
+              <a:rPr lang="ko-KR" altLang="en-US" smtClean="0">
+                <a:solidFill>
+                  <a:schemeClr val="tx1"/>
+                </a:solidFill>
+              </a:rPr>
+              <a:t>공격이 가능하지만 그럴 가능성은 </a:t>
+            </a:r>
+            <a:r>
+              <a:rPr lang="en-US" altLang="ko-KR" smtClean="0">
+                <a:solidFill>
+                  <a:schemeClr val="tx1"/>
+                </a:solidFill>
+              </a:rPr>
+              <a:t/>
+            </a:r>
+            <a:br>
+              <a:rPr lang="en-US" altLang="ko-KR" smtClean="0">
+                <a:solidFill>
+                  <a:schemeClr val="tx1"/>
+                </a:solidFill>
+              </a:rPr>
+            </a:br>
+            <a:r>
+              <a:rPr lang="ko-KR" altLang="en-US" smtClean="0">
+                <a:solidFill>
+                  <a:schemeClr val="tx1"/>
+                </a:solidFill>
+              </a:rPr>
+              <a:t>굉장히 낮음</a:t>
+            </a:r>
+            <a:endParaRPr lang="ko-KR" altLang="en-US">
+              <a:solidFill>
+                <a:schemeClr val="tx1"/>
+              </a:solidFill>
+            </a:endParaRPr>
+          </a:p>
+          <a:p>
+            <a:pPr lvl="2"/>
+            <a:r>
+              <a:rPr lang="ko-KR" altLang="en-US" smtClean="0"/>
+              <a:t>비트코인 블록체인의 거래는 투명하므로 </a:t>
+            </a:r>
+            <a:r>
+              <a:rPr lang="en-US" altLang="ko-KR" smtClean="0"/>
+              <a:t>51</a:t>
+            </a:r>
+            <a:r>
+              <a:rPr lang="en-US" altLang="ko-KR"/>
+              <a:t>% </a:t>
+            </a:r>
+            <a:r>
+              <a:rPr lang="ko-KR" altLang="en-US" smtClean="0"/>
+              <a:t>공격을 받을 경우 </a:t>
+            </a:r>
+            <a:r>
+              <a:rPr lang="en-US" altLang="ko-KR" smtClean="0"/>
+              <a:t/>
+            </a:r>
+            <a:br>
+              <a:rPr lang="en-US" altLang="ko-KR" smtClean="0"/>
+            </a:br>
+            <a:r>
+              <a:rPr lang="ko-KR" altLang="en-US" smtClean="0"/>
+              <a:t>바로 알게됨 → 채굴풀은 자신이 채굴하는 암호화폐의 가치를 떨어뜨리는 일을하지않음</a:t>
+            </a:r>
+            <a:endParaRPr lang="ko-KR" altLang="en-US"/>
+          </a:p>
+          <a:p>
+            <a:pPr lvl="1"/>
+            <a:r>
+              <a:rPr lang="en-US" altLang="ko-KR" smtClean="0">
+                <a:solidFill>
+                  <a:schemeClr val="tx1"/>
+                </a:solidFill>
+              </a:rPr>
+              <a:t>51</a:t>
+            </a:r>
+            <a:r>
+              <a:rPr lang="en-US" altLang="ko-KR">
+                <a:solidFill>
+                  <a:schemeClr val="tx1"/>
+                </a:solidFill>
+              </a:rPr>
+              <a:t>% </a:t>
+            </a:r>
+            <a:r>
+              <a:rPr lang="ko-KR" altLang="en-US" smtClean="0">
+                <a:solidFill>
+                  <a:schemeClr val="tx1"/>
+                </a:solidFill>
+              </a:rPr>
+              <a:t>공격은 앞으로 보관될 거래들의 위조</a:t>
+            </a:r>
+            <a:r>
+              <a:rPr lang="en-US" altLang="ko-KR">
+                <a:solidFill>
+                  <a:schemeClr val="tx1"/>
+                </a:solidFill>
+              </a:rPr>
+              <a:t>/</a:t>
+            </a:r>
+            <a:r>
+              <a:rPr lang="ko-KR" altLang="en-US" smtClean="0">
+                <a:solidFill>
+                  <a:schemeClr val="tx1"/>
+                </a:solidFill>
+              </a:rPr>
+              <a:t>변조 위험성을 나타내지만 </a:t>
+            </a:r>
+            <a:r>
+              <a:rPr lang="en-US" altLang="ko-KR" smtClean="0">
+                <a:solidFill>
+                  <a:schemeClr val="tx1"/>
+                </a:solidFill>
+              </a:rPr>
+              <a:t/>
+            </a:r>
+            <a:br>
+              <a:rPr lang="en-US" altLang="ko-KR" smtClean="0">
+                <a:solidFill>
+                  <a:schemeClr val="tx1"/>
+                </a:solidFill>
+              </a:rPr>
+            </a:br>
+            <a:r>
+              <a:rPr lang="ko-KR" altLang="en-US" smtClean="0"/>
+              <a:t>기존에 저장된 거래들의 위조</a:t>
+            </a:r>
+            <a:r>
+              <a:rPr lang="en-US" altLang="ko-KR"/>
+              <a:t>/</a:t>
+            </a:r>
+            <a:r>
+              <a:rPr lang="ko-KR" altLang="en-US" smtClean="0"/>
+              <a:t>변조는 거의 불가능</a:t>
+            </a:r>
+            <a:endParaRPr lang="ko-KR" altLang="en-US"/>
+          </a:p>
+          <a:p>
+            <a:pPr lvl="2"/>
+            <a:r>
+              <a:rPr lang="ko-KR" altLang="en-US" smtClean="0"/>
+              <a:t>비트코인의 블록주기인 </a:t>
+            </a:r>
+            <a:r>
+              <a:rPr lang="en-US" altLang="ko-KR" smtClean="0"/>
+              <a:t>10</a:t>
+            </a:r>
+            <a:r>
+              <a:rPr lang="ko-KR" altLang="en-US" smtClean="0"/>
+              <a:t>분 안에 과거에 생성된 블록체인보다 긴 체인을 </a:t>
+            </a:r>
+            <a:r>
+              <a:rPr lang="en-US" altLang="ko-KR" smtClean="0"/>
+              <a:t/>
+            </a:r>
+            <a:br>
+              <a:rPr lang="en-US" altLang="ko-KR" smtClean="0"/>
+            </a:br>
+            <a:r>
+              <a:rPr lang="ko-KR" altLang="en-US" smtClean="0"/>
+              <a:t>생성하는 것은 전 세계 슈퍼컴퓨터를 모두 동원하지않는 이상 불가능</a:t>
+            </a:r>
+            <a:endParaRPr lang="ko-KR" altLang="en-US"/>
+          </a:p>
+          <a:p>
+            <a:pPr lvl="2"/>
+            <a:r>
+              <a:rPr lang="ko-KR" altLang="en-US" smtClean="0"/>
+              <a:t>비트코인은 한번도 블록체인 자체가 해킹당한 적이 없음</a:t>
+            </a:r>
+            <a:endParaRPr lang="ko-KR" altLang="en-US"/>
+          </a:p>
+        </p:txBody>
+      </p:sp>
+    </p:spTree>
+    <p:extLst>
+      <p:ext uri="{BB962C8B-B14F-4D97-AF65-F5344CB8AC3E}">
+        <p14:creationId xmlns:p14="http://schemas.microsoft.com/office/powerpoint/2010/main" val="1973726231"/>
+      </p:ext>
+    </p:extLst>
+  </p:cSld>
+  <p:clrMapOvr>
+    <a:masterClrMapping/>
+  </p:clrMapOvr>
+</p:sld>
+</file>
+
+<file path=ppt/slides/slide17.xml><?xml version="1.0" encoding="utf-8"?>
+<p:sld xmlns:a="http://schemas.openxmlformats.org/drawingml/2006/main" xmlns:r="http://schemas.openxmlformats.org/officeDocument/2006/relationships" xmlns:p="http://schemas.openxmlformats.org/presentationml/2006/main">
+  <p:cSld>
+    <p:spTree>
+      <p:nvGrpSpPr>
+        <p:cNvPr id="1" name=""/>
+        <p:cNvGrpSpPr/>
+        <p:nvPr/>
+      </p:nvGrpSpPr>
+      <p:grpSpPr>
+        <a:xfrm>
+          <a:off x="0" y="0"/>
+          <a:ext cx="0" cy="0"/>
+          <a:chOff x="0" y="0"/>
+          <a:chExt cx="0" cy="0"/>
+        </a:xfrm>
+      </p:grpSpPr>
+      <p:sp>
+        <p:nvSpPr>
+          <p:cNvPr id="2" name="제목 1"/>
+          <p:cNvSpPr>
+            <a:spLocks noGrp="1"/>
+          </p:cNvSpPr>
+          <p:nvPr>
+            <p:ph type="title"/>
+          </p:nvPr>
+        </p:nvSpPr>
+        <p:spPr/>
+        <p:txBody>
+          <a:bodyPr/>
+          <a:lstStyle/>
+          <a:p>
+            <a:r>
+              <a:rPr lang="ko-KR" altLang="en-US"/>
+              <a:t>다크 코인과 </a:t>
+            </a:r>
+            <a:r>
+              <a:rPr lang="en-US" altLang="ko-KR"/>
+              <a:t>51% </a:t>
+            </a:r>
+            <a:r>
+              <a:rPr lang="ko-KR" altLang="en-US"/>
               <a:t>공격 </a:t>
             </a:r>
             <a:r>
@@ -5784,7 +7092,7 @@
 </p:sld>
 </file>
 
-<file path=ppt/slides/slide16.xml><?xml version="1.0" encoding="utf-8"?>
+<file path=ppt/slides/slide18.xml><?xml version="1.0" encoding="utf-8"?>
 <p:sld xmlns:a="http://schemas.openxmlformats.org/drawingml/2006/main" xmlns:r="http://schemas.openxmlformats.org/officeDocument/2006/relationships" xmlns:p="http://schemas.openxmlformats.org/presentationml/2006/main">
   <p:cSld>
     <p:spTree>
@@ -6533,7 +7841,11 @@
           <a:p>
             <a:pPr lvl="3"/>
             <a:r>
-              <a:rPr lang="ko-KR" altLang="en-US" u="sng" smtClean="0"/>
+              <a:rPr lang="ko-KR" altLang="en-US" u="sng" smtClean="0">
+                <a:solidFill>
+                  <a:srgbClr val="0070C0"/>
+                </a:solidFill>
+              </a:rPr>
               <a:t>자금세탁 방지를 위한 불법자금 모니터링 및 국제간협력체제지원을 </a:t>
             </a:r>
             <a:r>
@@ -7008,7 +8320,7 @@
             <a:r>
               <a:rPr lang="ko-KR" altLang="en-US">
                 <a:solidFill>
-                  <a:srgbClr val="006600"/>
+                  <a:srgbClr val="FF0000"/>
                 </a:solidFill>
               </a:rPr>
               <a:t>가장 유명하고 강력한 익명성을 자랑하는 </a:t>
@@ -7016,7 +8328,7 @@
             <a:r>
               <a:rPr lang="en-US" altLang="ko-KR" smtClean="0">
                 <a:solidFill>
-                  <a:srgbClr val="006600"/>
+                  <a:srgbClr val="FF0000"/>
                 </a:solidFill>
               </a:rPr>
               <a:t/>
@@ -7024,14 +8336,14 @@
             <a:br>
               <a:rPr lang="en-US" altLang="ko-KR" smtClean="0">
                 <a:solidFill>
-                  <a:srgbClr val="006600"/>
+                  <a:srgbClr val="FF0000"/>
                 </a:solidFill>
               </a:rPr>
             </a:br>
             <a:r>
               <a:rPr lang="ko-KR" altLang="en-US" smtClean="0">
                 <a:solidFill>
-                  <a:srgbClr val="006600"/>
+                  <a:srgbClr val="FF0000"/>
                 </a:solidFill>
               </a:rPr>
               <a:t>다크코인 </a:t>
@@ -7039,7 +8351,7 @@
             <a:r>
               <a:rPr lang="ko-KR" altLang="en-US">
                 <a:solidFill>
-                  <a:srgbClr val="006600"/>
+                  <a:srgbClr val="FF0000"/>
                 </a:solidFill>
               </a:rPr>
               <a:t>중 </a:t>
@@ -7047,14 +8359,14 @@
             <a:r>
               <a:rPr lang="ko-KR" altLang="en-US" smtClean="0">
                 <a:solidFill>
-                  <a:srgbClr val="006600"/>
+                  <a:srgbClr val="FF0000"/>
                 </a:solidFill>
               </a:rPr>
               <a:t>하나</a:t>
             </a:r>
             <a:endParaRPr lang="en-US" altLang="ko-KR">
               <a:solidFill>
-                <a:srgbClr val="006600"/>
+                <a:srgbClr val="FF0000"/>
               </a:solidFill>
             </a:endParaRPr>
           </a:p>
@@ -7338,6 +8650,37 @@
           </a:extLst>
         </p:spPr>
       </p:pic>
+      <p:sp>
+        <p:nvSpPr>
+          <p:cNvPr id="4" name="직사각형 3"/>
+          <p:cNvSpPr/>
+          <p:nvPr/>
+        </p:nvSpPr>
+        <p:spPr>
+          <a:xfrm>
+            <a:off x="5652120" y="5622424"/>
+            <a:ext cx="3153748" cy="369332"/>
+          </a:xfrm>
+          <a:prstGeom prst="rect">
+            <a:avLst/>
+          </a:prstGeom>
+        </p:spPr>
+        <p:txBody>
+          <a:bodyPr wrap="none">
+            <a:spAutoFit/>
+          </a:bodyPr>
+          <a:lstStyle/>
+          <a:p>
+            <a:r>
+              <a:rPr lang="en-US" altLang="ko-KR">
+                <a:hlinkClick r:id="rId3"/>
+              </a:rPr>
+              <a:t>https://www.getmonero.org/</a:t>
+            </a:r>
+            <a:endParaRPr lang="ko-KR" altLang="en-US"/>
+          </a:p>
+        </p:txBody>
+      </p:sp>
     </p:spTree>
     <p:extLst>
       <p:ext uri="{BB962C8B-B14F-4D97-AF65-F5344CB8AC3E}">
@@ -7400,13 +8743,16 @@
             </a:r>
             <a:r>
               <a:rPr lang="ko-KR" altLang="en-US"/>
-              <a:t>공격</a:t>
-            </a:r>
-            <a:endParaRPr lang="ko-KR" altLang="en-US" b="0">
-              <a:solidFill>
-                <a:srgbClr val="C00000"/>
-              </a:solidFill>
-            </a:endParaRPr>
+              <a:t>공격 </a:t>
+            </a:r>
+            <a:r>
+              <a:rPr lang="ko-KR" altLang="en-US" b="0">
+                <a:solidFill>
+                  <a:srgbClr val="C00000"/>
+                </a:solidFill>
+              </a:rPr>
+              <a:t>	</a:t>
+            </a:r>
           </a:p>
         </p:txBody>
       </p:sp>
@@ -7423,116 +8769,45 @@
         <p:spPr/>
         <p:txBody>
           <a:bodyPr>
-            <a:normAutofit/>
+            <a:normAutofit lnSpcReduction="10000"/>
           </a:bodyPr>
           <a:lstStyle/>
           <a:p>
             <a:r>
-              <a:rPr lang="ko-KR" altLang="en-US" smtClean="0"/>
-              <a:t>모네로 추적을 어렵게 하는 기술</a:t>
+              <a:rPr lang="en-US" altLang="ko-KR"/>
+              <a:t>Scam</a:t>
+            </a:r>
+            <a:r>
+              <a:rPr lang="ko-KR" altLang="en-US"/>
+              <a:t>이란</a:t>
+            </a:r>
+            <a:r>
+              <a:rPr lang="en-US" altLang="ko-KR"/>
+              <a:t>?</a:t>
+            </a:r>
+            <a:r>
+              <a:rPr lang="en-US" altLang="ko-KR"/>
+              <a:t> </a:t>
             </a:r>
             <a:endParaRPr lang="en-US" altLang="ko-KR" smtClean="0"/>
           </a:p>
           <a:p>
             <a:pPr lvl="1"/>
             <a:r>
-              <a:rPr lang="ko-KR" altLang="en-US" smtClean="0">
-                <a:solidFill>
-                  <a:schemeClr val="tx1"/>
-                </a:solidFill>
-              </a:rPr>
-              <a:t>링서명</a:t>
-            </a:r>
-            <a:r>
-              <a:rPr lang="en-US" altLang="ko-KR" baseline="30000" smtClean="0">
-                <a:solidFill>
-                  <a:schemeClr val="tx1"/>
-                </a:solidFill>
-              </a:rPr>
-              <a:t>(</a:t>
-            </a:r>
-            <a:r>
-              <a:rPr lang="en-US" altLang="ko-KR" baseline="30000"/>
-              <a:t>"</a:t>
-            </a:r>
-            <a:r>
-              <a:rPr lang="ko-KR" altLang="en-US" baseline="30000"/>
-              <a:t>화이트 하우스 내부 고위 관리 중 한 명이 이 문서를 승인했다</a:t>
-            </a:r>
-            <a:r>
-              <a:rPr lang="en-US" altLang="ko-KR" baseline="30000"/>
-              <a:t>"</a:t>
-            </a:r>
-            <a:r>
-              <a:rPr lang="ko-KR" altLang="en-US" baseline="30000"/>
-              <a:t>는 사실은 알 수 있지만</a:t>
-            </a:r>
-            <a:r>
-              <a:rPr lang="en-US" altLang="ko-KR" baseline="30000"/>
-              <a:t>, "</a:t>
-            </a:r>
-            <a:r>
-              <a:rPr lang="ko-KR" altLang="en-US" baseline="30000"/>
-              <a:t>정확히 </a:t>
-            </a:r>
-            <a:r>
-              <a:rPr lang="en-US" altLang="ko-KR" baseline="30000" smtClean="0"/>
-              <a:t/>
-            </a:r>
-            <a:br>
-              <a:rPr lang="en-US" altLang="ko-KR" baseline="30000" smtClean="0"/>
-            </a:br>
-            <a:r>
-              <a:rPr lang="ko-KR" altLang="en-US" baseline="30000" smtClean="0"/>
-              <a:t>어떤 </a:t>
-            </a:r>
-            <a:r>
-              <a:rPr lang="ko-KR" altLang="en-US" baseline="30000"/>
-              <a:t>고위 관리가 서명했는지</a:t>
-            </a:r>
-            <a:r>
-              <a:rPr lang="en-US" altLang="ko-KR" baseline="30000"/>
-              <a:t>"</a:t>
-            </a:r>
-            <a:r>
-              <a:rPr lang="ko-KR" altLang="en-US" baseline="30000"/>
-              <a:t>는 알 수 없는 것과 </a:t>
-            </a:r>
-            <a:r>
-              <a:rPr lang="ko-KR" altLang="en-US" baseline="30000" smtClean="0"/>
-              <a:t>같음</a:t>
-            </a:r>
-            <a:r>
-              <a:rPr lang="en-US" altLang="ko-KR" baseline="30000" smtClean="0">
-                <a:solidFill>
-                  <a:schemeClr val="tx1"/>
-                </a:solidFill>
-              </a:rPr>
-              <a:t>)</a:t>
-            </a:r>
-            <a:r>
-              <a:rPr lang="ko-KR" altLang="en-US" baseline="30000" smtClean="0">
-                <a:solidFill>
-                  <a:schemeClr val="tx1"/>
-                </a:solidFill>
-              </a:rPr>
-              <a:t> </a:t>
-            </a:r>
-            <a:r>
-              <a:rPr lang="en-US" altLang="ko-KR" smtClean="0">
-                <a:solidFill>
-                  <a:schemeClr val="tx1"/>
-                </a:solidFill>
-              </a:rPr>
-              <a:t>– </a:t>
-            </a:r>
-            <a:r>
-              <a:rPr lang="ko-KR" altLang="en-US" smtClean="0">
-                <a:solidFill>
-                  <a:schemeClr val="tx1"/>
-                </a:solidFill>
-              </a:rPr>
-              <a:t>실제 서명자가 누군지 감춤으로 송금자의 식별을 어렵게 만듦</a:t>
+              <a:rPr lang="ko-KR" altLang="en-US"/>
+              <a:t>사기로 번역될 수 </a:t>
+            </a:r>
+            <a:r>
+              <a:rPr lang="ko-KR" altLang="en-US"/>
+              <a:t>있는 </a:t>
+            </a:r>
+            <a:r>
+              <a:rPr lang="ko-KR" altLang="en-US" smtClean="0">
+                <a:solidFill>
+                  <a:schemeClr val="tx1"/>
+                </a:solidFill>
+              </a:rPr>
+              <a:t>스캠</a:t>
             </a:r>
             <a:endParaRPr lang="en-US" altLang="ko-KR" smtClean="0">
               <a:solidFill>
@@ -7541,79 +8816,207 @@
             </a:endParaRPr>
           </a:p>
           <a:p>
+            <a:pPr lvl="1"/>
+            <a:r>
+              <a:rPr lang="ko-KR" altLang="en-US" smtClean="0"/>
+              <a:t>피해자로부터 </a:t>
+            </a:r>
+            <a:r>
+              <a:rPr lang="ko-KR" altLang="en-US"/>
+              <a:t>금전</a:t>
+            </a:r>
+            <a:r>
+              <a:rPr lang="en-US" altLang="ko-KR"/>
+              <a:t>, </a:t>
+            </a:r>
+            <a:r>
+              <a:rPr lang="ko-KR" altLang="en-US"/>
+              <a:t>물품 또는 개인 정보를 탈취하기 위해 고안된 사기 행위를 </a:t>
+            </a:r>
+            <a:r>
+              <a:rPr lang="ko-KR" altLang="en-US"/>
+              <a:t>일컫는 </a:t>
+            </a:r>
+            <a:r>
+              <a:rPr lang="ko-KR" altLang="en-US" smtClean="0"/>
+              <a:t>용어</a:t>
+            </a:r>
+            <a:endParaRPr lang="en-US" altLang="ko-KR" smtClean="0"/>
+          </a:p>
+          <a:p>
             <a:pPr lvl="2"/>
             <a:r>
-              <a:rPr lang="en-US" altLang="ko-KR" smtClean="0">
-                <a:solidFill>
-                  <a:srgbClr val="FF0000"/>
-                </a:solidFill>
-              </a:rPr>
-              <a:t>RingCT(Ring </a:t>
+              <a:rPr lang="ko-KR" altLang="en-US" smtClean="0"/>
+              <a:t>사기범은 </a:t>
+            </a:r>
+            <a:r>
+              <a:rPr lang="ko-KR" altLang="en-US"/>
+              <a:t>피해자가 신뢰할 수 있는 사람인 것처럼 가장하여 의심을 </a:t>
+            </a:r>
+            <a:r>
+              <a:rPr lang="ko-KR" altLang="en-US"/>
+              <a:t>피하고 </a:t>
+            </a:r>
+            <a:r>
+              <a:rPr lang="en-US" altLang="ko-KR" smtClean="0"/>
+              <a:t/>
+            </a:r>
+            <a:br>
+              <a:rPr lang="en-US" altLang="ko-KR" smtClean="0"/>
+            </a:br>
+            <a:r>
+              <a:rPr lang="ko-KR" altLang="en-US" smtClean="0"/>
+              <a:t>원하는 </a:t>
+            </a:r>
+            <a:r>
+              <a:rPr lang="ko-KR" altLang="en-US"/>
+              <a:t>행동을 </a:t>
+            </a:r>
+            <a:r>
+              <a:rPr lang="ko-KR" altLang="en-US"/>
+              <a:t>하도록 </a:t>
+            </a:r>
+            <a:r>
+              <a:rPr lang="ko-KR" altLang="en-US" smtClean="0"/>
+              <a:t>속임</a:t>
+            </a:r>
+            <a:endParaRPr lang="en-US" altLang="ko-KR" smtClean="0"/>
+          </a:p>
+          <a:p>
+            <a:pPr lvl="2"/>
+            <a:r>
+              <a:rPr lang="ko-KR" altLang="en-US" smtClean="0"/>
+              <a:t>스캠은 </a:t>
+            </a:r>
+            <a:r>
+              <a:rPr lang="ko-KR" altLang="en-US"/>
+              <a:t>사회 공학의 한 형태이며</a:t>
+            </a:r>
+            <a:r>
+              <a:rPr lang="en-US" altLang="ko-KR"/>
+              <a:t>, </a:t>
+            </a:r>
+            <a:r>
+              <a:rPr lang="ko-KR" altLang="en-US"/>
+              <a:t>오늘날에는 주로 </a:t>
+            </a:r>
+            <a:r>
+              <a:rPr lang="ko-KR" altLang="en-US"/>
+              <a:t>온라인에서 </a:t>
+            </a:r>
+            <a:r>
+              <a:rPr lang="ko-KR" altLang="en-US" smtClean="0"/>
+              <a:t>이뤄짐</a:t>
+            </a:r>
+            <a:endParaRPr lang="en-US" altLang="ko-KR"/>
+          </a:p>
+          <a:p>
+            <a:pPr lvl="1"/>
+            <a:r>
+              <a:rPr lang="ko-KR" altLang="en-US">
+                <a:solidFill>
+                  <a:schemeClr val="tx1"/>
+                </a:solidFill>
+              </a:rPr>
+              <a:t>예를 들어</a:t>
             </a:r>
             <a:r>
               <a:rPr lang="en-US" altLang="ko-KR">
                 <a:solidFill>
-                  <a:srgbClr val="FF0000"/>
-                </a:solidFill>
-              </a:rPr>
-              <a:t>Confidential Transactions</a:t>
-            </a:r>
-            <a:r>
-              <a:rPr lang="en-US" altLang="ko-KR" smtClean="0">
-                <a:solidFill>
-                  <a:srgbClr val="FF0000"/>
-                </a:solidFill>
-              </a:rPr>
-              <a:t>) </a:t>
-            </a:r>
-            <a:r>
-              <a:rPr lang="en-US" altLang="ko-KR" smtClean="0">
-                <a:solidFill>
-                  <a:schemeClr val="tx1"/>
-                </a:solidFill>
-              </a:rPr>
-              <a:t>– </a:t>
-            </a:r>
-            <a:r>
-              <a:rPr lang="ko-KR" altLang="en-US" smtClean="0">
-                <a:solidFill>
-                  <a:schemeClr val="tx1"/>
-                </a:solidFill>
-              </a:rPr>
-              <a:t>실제 송금액이 아닌 </a:t>
-            </a:r>
-            <a:r>
-              <a:rPr lang="en-US" altLang="ko-KR" smtClean="0">
-                <a:solidFill>
-                  <a:schemeClr val="tx1"/>
-                </a:solidFill>
-              </a:rPr>
-              <a:t/>
-            </a:r>
-            <a:br>
-              <a:rPr lang="en-US" altLang="ko-KR" smtClean="0">
-                <a:solidFill>
-                  <a:schemeClr val="tx1"/>
-                </a:solidFill>
-              </a:rPr>
-            </a:br>
-            <a:r>
-              <a:rPr lang="ko-KR" altLang="en-US" smtClean="0">
-                <a:solidFill>
-                  <a:schemeClr val="tx1"/>
-                </a:solidFill>
-              </a:rPr>
-              <a:t>암호화된 금액이 블록체인 상에 기록되므로 </a:t>
-            </a:r>
-            <a:r>
-              <a:rPr lang="ko-KR" altLang="en-US" u="sng" smtClean="0">
-                <a:solidFill>
-                  <a:schemeClr val="tx1"/>
-                </a:solidFill>
-              </a:rPr>
-              <a:t>송금액수를 숨김</a:t>
-            </a:r>
-            <a:endParaRPr lang="ko-KR" altLang="en-US" b="0" u="sng">
+                  <a:schemeClr val="tx1"/>
+                </a:solidFill>
+              </a:rPr>
+              <a:t>, </a:t>
+            </a:r>
+            <a:r>
+              <a:rPr lang="en-US" altLang="ko-KR">
+                <a:solidFill>
+                  <a:srgbClr val="00B0F0"/>
+                </a:solidFill>
+              </a:rPr>
+              <a:t>2024</a:t>
+            </a:r>
+            <a:r>
+              <a:rPr lang="ko-KR" altLang="en-US">
+                <a:solidFill>
+                  <a:srgbClr val="00B0F0"/>
+                </a:solidFill>
+              </a:rPr>
+              <a:t>년 </a:t>
+            </a:r>
+            <a:r>
+              <a:rPr lang="en-US" altLang="ko-KR">
+                <a:solidFill>
+                  <a:srgbClr val="00B0F0"/>
+                </a:solidFill>
+              </a:rPr>
+              <a:t>11</a:t>
+            </a:r>
+            <a:r>
+              <a:rPr lang="ko-KR" altLang="en-US">
+                <a:solidFill>
+                  <a:srgbClr val="00B0F0"/>
+                </a:solidFill>
+              </a:rPr>
+              <a:t>월 한국에서는 경찰이 국내 최대 규모의 가상화폐 투자 사기로 </a:t>
+            </a:r>
+            <a:r>
+              <a:rPr lang="en-US" altLang="ko-KR">
+                <a:solidFill>
+                  <a:srgbClr val="00B0F0"/>
+                </a:solidFill>
+              </a:rPr>
+              <a:t>3,200</a:t>
+            </a:r>
+            <a:r>
+              <a:rPr lang="ko-KR" altLang="en-US">
+                <a:solidFill>
+                  <a:srgbClr val="00B0F0"/>
+                </a:solidFill>
+              </a:rPr>
+              <a:t>억 원을 빼돌린 혐의로 </a:t>
+            </a:r>
+            <a:r>
+              <a:rPr lang="en-US" altLang="ko-KR">
+                <a:solidFill>
+                  <a:srgbClr val="00B0F0"/>
+                </a:solidFill>
+              </a:rPr>
+              <a:t>215</a:t>
+            </a:r>
+            <a:r>
+              <a:rPr lang="ko-KR" altLang="en-US">
+                <a:solidFill>
+                  <a:srgbClr val="00B0F0"/>
+                </a:solidFill>
+              </a:rPr>
+              <a:t>명을</a:t>
+            </a:r>
+            <a:r>
+              <a:rPr lang="ko-KR" altLang="en-US">
+                <a:solidFill>
+                  <a:schemeClr val="tx1"/>
+                </a:solidFill>
+              </a:rPr>
+              <a:t> 검거한 </a:t>
+            </a:r>
+            <a:r>
+              <a:rPr lang="ko-KR" altLang="en-US">
+                <a:solidFill>
+                  <a:schemeClr val="tx1"/>
+                </a:solidFill>
+              </a:rPr>
+              <a:t>일이 </a:t>
+            </a:r>
+            <a:r>
+              <a:rPr lang="ko-KR" altLang="en-US" smtClean="0">
+                <a:solidFill>
+                  <a:schemeClr val="tx1"/>
+                </a:solidFill>
+              </a:rPr>
+              <a:t>있었음</a:t>
+            </a:r>
+            <a:endParaRPr lang="en-US" altLang="ko-KR" smtClean="0">
               <a:solidFill>
                 <a:schemeClr val="tx1"/>
               </a:solidFill>
@@ -7622,110 +9025,182 @@
           <a:p>
             <a:pPr lvl="2"/>
             <a:r>
-              <a:rPr lang="ko-KR" altLang="en-US" smtClean="0">
-                <a:solidFill>
-                  <a:srgbClr val="FF0000"/>
-                </a:solidFill>
-              </a:rPr>
-              <a:t>수신자의 전자지갑 주소를 감추는 스텔스 주소 </a:t>
+              <a:rPr lang="ko-KR" altLang="en-US" smtClean="0"/>
+              <a:t>고수익을 </a:t>
+            </a:r>
+            <a:r>
+              <a:rPr lang="ko-KR" altLang="en-US"/>
+              <a:t>약속하며 약 </a:t>
+            </a:r>
+            <a:r>
+              <a:rPr lang="en-US" altLang="ko-KR"/>
+              <a:t>15,000</a:t>
+            </a:r>
+            <a:r>
+              <a:rPr lang="ko-KR" altLang="en-US"/>
+              <a:t>명에게 </a:t>
+            </a:r>
+            <a:r>
+              <a:rPr lang="en-US" altLang="ko-KR"/>
+              <a:t>28</a:t>
+            </a:r>
+            <a:r>
+              <a:rPr lang="ko-KR" altLang="en-US"/>
+              <a:t>종의 가상 토큰을 판매한 </a:t>
+            </a:r>
+            <a:r>
+              <a:rPr lang="ko-KR" altLang="en-US"/>
+              <a:t>조직적 </a:t>
+            </a:r>
+            <a:r>
+              <a:rPr lang="en-US" altLang="ko-KR" smtClean="0"/>
+              <a:t/>
+            </a:r>
+            <a:br>
+              <a:rPr lang="en-US" altLang="ko-KR" smtClean="0"/>
+            </a:br>
+            <a:r>
+              <a:rPr lang="ko-KR" altLang="en-US" smtClean="0"/>
+              <a:t>범죄 </a:t>
+            </a:r>
+            <a:r>
+              <a:rPr lang="ko-KR" altLang="en-US"/>
+              <a:t>단체의 </a:t>
+            </a:r>
+            <a:r>
+              <a:rPr lang="ko-KR" altLang="en-US" smtClean="0"/>
+              <a:t>소행 </a:t>
             </a:r>
             <a:r>
               <a:rPr lang="en-US" altLang="ko-KR" smtClean="0">
-                <a:solidFill>
-                  <a:schemeClr val="accent6">
-                    <a:lumMod val="75000"/>
-                  </a:schemeClr>
-                </a:solidFill>
-              </a:rPr>
-              <a:t>– </a:t>
-            </a:r>
-            <a:r>
-              <a:rPr lang="ko-KR" altLang="en-US" smtClean="0">
-                <a:solidFill>
-                  <a:schemeClr val="accent6">
-                    <a:lumMod val="75000"/>
-                  </a:schemeClr>
-                </a:solidFill>
-              </a:rPr>
-              <a:t>무작위로 생성된 주소와 비밀번호로 이체하고</a:t>
+                <a:sym typeface="Wingdings" panose="05000000000000000000" pitchFamily="2" charset="2"/>
+              </a:rPr>
+              <a:t> </a:t>
+            </a:r>
+            <a:r>
+              <a:rPr lang="ko-KR" altLang="en-US" smtClean="0"/>
+              <a:t>이 </a:t>
+            </a:r>
+            <a:r>
+              <a:rPr lang="ko-KR" altLang="en-US"/>
+              <a:t>조직은 해외 암호화폐 거래소에서 </a:t>
+            </a:r>
+            <a:r>
+              <a:rPr lang="en-US" altLang="ko-KR"/>
+              <a:t>28</a:t>
+            </a:r>
+            <a:r>
+              <a:rPr lang="ko-KR" altLang="en-US"/>
+              <a:t>개 토큰 </a:t>
+            </a:r>
+            <a:r>
+              <a:rPr lang="ko-KR" altLang="en-US"/>
+              <a:t>중 </a:t>
+            </a:r>
+            <a:r>
+              <a:rPr lang="en-US" altLang="ko-KR" smtClean="0"/>
+              <a:t/>
+            </a:r>
+            <a:br>
+              <a:rPr lang="en-US" altLang="ko-KR" smtClean="0"/>
+            </a:br>
+            <a:r>
+              <a:rPr lang="en-US" altLang="ko-KR" smtClean="0"/>
+              <a:t>6</a:t>
+            </a:r>
+            <a:r>
+              <a:rPr lang="ko-KR" altLang="en-US"/>
+              <a:t>개 토큰을 발행했으며</a:t>
+            </a:r>
+            <a:r>
+              <a:rPr lang="en-US" altLang="ko-KR"/>
+              <a:t>, </a:t>
+            </a:r>
+            <a:r>
+              <a:rPr lang="ko-KR" altLang="en-US"/>
+              <a:t>마켓 메이커 팀을 운영하며 인위적으로 </a:t>
+            </a:r>
+            <a:r>
+              <a:rPr lang="ko-KR" altLang="en-US"/>
+              <a:t>가격을 </a:t>
+            </a:r>
+            <a:r>
+              <a:rPr lang="en-US" altLang="ko-KR" smtClean="0"/>
+              <a:t/>
+            </a:r>
+            <a:br>
+              <a:rPr lang="en-US" altLang="ko-KR" smtClean="0"/>
+            </a:br>
+            <a:r>
+              <a:rPr lang="ko-KR" altLang="en-US" smtClean="0"/>
+              <a:t>올려 </a:t>
+            </a:r>
+            <a:r>
+              <a:rPr lang="ko-KR" altLang="en-US"/>
+              <a:t>사람들을 </a:t>
+            </a:r>
+            <a:r>
+              <a:rPr lang="ko-KR" altLang="en-US" smtClean="0"/>
+              <a:t>유인했음</a:t>
+            </a:r>
+            <a:endParaRPr lang="en-US" altLang="ko-KR"/>
+          </a:p>
+          <a:p>
+            <a:pPr lvl="1"/>
+            <a:r>
+              <a:rPr lang="ko-KR" altLang="en-US">
+                <a:solidFill>
+                  <a:schemeClr val="tx1"/>
+                </a:solidFill>
+              </a:rPr>
+              <a:t>이렇게 신종 기술을 활용하며 점점 더 정교해 지는 스캠 사기</a:t>
             </a:r>
             <a:r>
               <a:rPr lang="en-US" altLang="ko-KR">
                 <a:solidFill>
-                  <a:schemeClr val="accent6">
-                    <a:lumMod val="75000"/>
-                  </a:schemeClr>
-                </a:solidFill>
-              </a:rPr>
-              <a:t>, </a:t>
-            </a:r>
-            <a:r>
-              <a:rPr lang="ko-KR" altLang="en-US" smtClean="0">
-                <a:solidFill>
-                  <a:schemeClr val="accent6">
-                    <a:lumMod val="75000"/>
-                  </a:schemeClr>
-                </a:solidFill>
-              </a:rPr>
-              <a:t>해당주소의 비번은 암호화해 수신자에게 전달</a:t>
-            </a:r>
-            <a:endParaRPr lang="ko-KR" altLang="en-US" b="0">
-              <a:solidFill>
-                <a:schemeClr val="accent6">
-                  <a:lumMod val="75000"/>
-                </a:schemeClr>
-              </a:solidFill>
-            </a:endParaRPr>
-          </a:p>
-          <a:p>
-            <a:pPr lvl="2"/>
+                  <a:schemeClr val="tx1"/>
+                </a:solidFill>
+              </a:rPr>
+              <a:t>. </a:t>
+            </a:r>
             <a:r>
               <a:rPr lang="en-US" altLang="ko-KR" smtClean="0">
                 <a:solidFill>
-                  <a:srgbClr val="FF0000"/>
-                </a:solidFill>
-              </a:rPr>
-              <a:t>Kovri </a:t>
-            </a:r>
-            <a:r>
+                  <a:schemeClr val="tx1"/>
+                </a:solidFill>
+              </a:rPr>
+              <a:t/>
+            </a:r>
+            <a:br>
               <a:rPr lang="en-US" altLang="ko-KR" smtClean="0">
                 <a:solidFill>
                   <a:schemeClr val="tx1"/>
                 </a:solidFill>
               </a:rPr>
-              <a:t>- </a:t>
-            </a:r>
-            <a:r>
-              <a:rPr lang="en-US" altLang="ko-KR">
-                <a:solidFill>
-                  <a:schemeClr val="tx1"/>
-                </a:solidFill>
-              </a:rPr>
-              <a:t>Garlic </a:t>
-            </a:r>
-            <a:r>
-              <a:rPr lang="ko-KR" altLang="en-US" smtClean="0">
-                <a:solidFill>
-                  <a:schemeClr val="tx1"/>
-                </a:solidFill>
-              </a:rPr>
-              <a:t>암호화 및 라우터 사용으로 인터넷 트래픽 암호화 → </a:t>
-            </a:r>
-            <a:r>
-              <a:rPr lang="en-US" altLang="ko-KR">
-                <a:solidFill>
-                  <a:schemeClr val="tx1"/>
-                </a:solidFill>
-              </a:rPr>
-              <a:t>Monero</a:t>
-            </a:r>
-            <a:r>
-              <a:rPr lang="ko-KR" altLang="en-US" smtClean="0">
-                <a:solidFill>
-                  <a:schemeClr val="tx1"/>
-                </a:solidFill>
-              </a:rPr>
-              <a:t>에서 </a:t>
+            </a:br>
+            <a:r>
+              <a:rPr lang="ko-KR" altLang="en-US" smtClean="0">
+                <a:solidFill>
+                  <a:schemeClr val="tx1"/>
+                </a:solidFill>
+              </a:rPr>
+              <a:t>어떤 </a:t>
+            </a:r>
+            <a:r>
+              <a:rPr lang="ko-KR" altLang="en-US">
+                <a:solidFill>
+                  <a:schemeClr val="tx1"/>
+                </a:solidFill>
+              </a:rPr>
+              <a:t>방식으로 이뤄지는 지 그 패턴을 알아두면 피해자가 되는 </a:t>
+            </a:r>
+            <a:r>
+              <a:rPr lang="ko-KR" altLang="en-US">
+                <a:solidFill>
+                  <a:schemeClr val="tx1"/>
+                </a:solidFill>
+              </a:rPr>
+              <a:t>일을 </a:t>
             </a:r>
             <a:r>
               <a:rPr lang="en-US" altLang="ko-KR" smtClean="0">
@@ -7733,89 +9208,54 @@
                   <a:schemeClr val="tx1"/>
                 </a:solidFill>
               </a:rPr>
-              <a:t>IP</a:t>
-            </a:r>
-            <a:r>
-              <a:rPr lang="ko-KR" altLang="en-US" smtClean="0">
-                <a:solidFill>
-                  <a:schemeClr val="tx1"/>
-                </a:solidFill>
-              </a:rPr>
-              <a:t>주소 식별 가능성 제거</a:t>
-            </a:r>
-            <a:endParaRPr lang="ko-KR" altLang="en-US" b="0">
+              <a:t/>
+            </a:r>
+            <a:br>
+              <a:rPr lang="en-US" altLang="ko-KR" smtClean="0">
+                <a:solidFill>
+                  <a:schemeClr val="tx1"/>
+                </a:solidFill>
+              </a:rPr>
+            </a:br>
+            <a:r>
+              <a:rPr lang="ko-KR" altLang="en-US" smtClean="0">
+                <a:solidFill>
+                  <a:schemeClr val="tx1"/>
+                </a:solidFill>
+              </a:rPr>
+              <a:t>방지할 </a:t>
+            </a:r>
+            <a:r>
+              <a:rPr lang="ko-KR" altLang="en-US">
+                <a:solidFill>
+                  <a:schemeClr val="tx1"/>
+                </a:solidFill>
+              </a:rPr>
+              <a:t>수 </a:t>
+            </a:r>
+            <a:r>
+              <a:rPr lang="ko-KR" altLang="en-US" smtClean="0">
+                <a:solidFill>
+                  <a:schemeClr val="tx1"/>
+                </a:solidFill>
+              </a:rPr>
+              <a:t>있음</a:t>
+            </a:r>
+            <a:endParaRPr lang="en-US" altLang="ko-KR">
               <a:solidFill>
                 <a:schemeClr val="tx1"/>
               </a:solidFill>
             </a:endParaRPr>
           </a:p>
           <a:p>
-            <a:endParaRPr lang="ko-KR" altLang="en-US" b="0">
-              <a:solidFill>
-                <a:schemeClr val="tx1"/>
-              </a:solidFill>
-            </a:endParaRPr>
+            <a:endParaRPr lang="en-US" altLang="ko-KR"/>
           </a:p>
         </p:txBody>
       </p:sp>
-      <p:pic>
-        <p:nvPicPr>
-          <p:cNvPr id="11266" name="Picture 2"/>
-          <p:cNvPicPr>
-            <a:picLocks noChangeAspect="1" noChangeArrowheads="1"/>
-          </p:cNvPicPr>
-          <p:nvPr/>
-        </p:nvPicPr>
-        <p:blipFill>
-          <a:blip r:embed="rId2">
-            <a:extLst>
-              <a:ext uri="{28A0092B-C50C-407E-A947-70E740481C1C}">
-                <a14:useLocalDpi xmlns:a14="http://schemas.microsoft.com/office/drawing/2010/main" val="0"/>
-              </a:ext>
-            </a:extLst>
-          </a:blip>
-          <a:srcRect/>
-          <a:stretch>
-            <a:fillRect/>
-          </a:stretch>
-        </p:blipFill>
-        <p:spPr bwMode="auto">
-          <a:xfrm>
-            <a:off x="539552" y="4797152"/>
-            <a:ext cx="8424937" cy="1781175"/>
-          </a:xfrm>
-          <a:prstGeom prst="rect">
-            <a:avLst/>
-          </a:prstGeom>
-          <a:noFill/>
-          <a:ln>
-            <a:noFill/>
-          </a:ln>
-          <a:extLst>
-            <a:ext uri="{909E8E84-426E-40DD-AFC4-6F175D3DCCD1}">
-              <a14:hiddenFill xmlns:a14="http://schemas.microsoft.com/office/drawing/2010/main">
-                <a:solidFill>
-                  <a:schemeClr val="accent1"/>
-                </a:solidFill>
-              </a14:hiddenFill>
-            </a:ext>
-            <a:ext uri="{91240B29-F687-4F45-9708-019B960494DF}">
-              <a14:hiddenLine xmlns:a14="http://schemas.microsoft.com/office/drawing/2010/main" w="9525">
-                <a:solidFill>
-                  <a:schemeClr val="tx1"/>
-                </a:solidFill>
-                <a:miter lim="800000"/>
-                <a:headEnd/>
-                <a:tailEnd/>
-              </a14:hiddenLine>
-            </a:ext>
-          </a:extLst>
-        </p:spPr>
-      </p:pic>
     </p:spTree>
     <p:extLst>
       <p:ext uri="{BB962C8B-B14F-4D97-AF65-F5344CB8AC3E}">
-        <p14:creationId xmlns:p14="http://schemas.microsoft.com/office/powerpoint/2010/main" val="2335268533"/>
+        <p14:creationId xmlns:p14="http://schemas.microsoft.com/office/powerpoint/2010/main" val="610484435"/>
       </p:ext>
     </p:extLst>
   </p:cSld>
@@ -7874,6 +9314,287 @@
             </a:r>
             <a:r>
               <a:rPr lang="ko-KR" altLang="en-US"/>
+              <a:t>공격 </a:t>
+            </a:r>
+            <a:r>
+              <a:rPr lang="ko-KR" altLang="en-US" b="0">
+                <a:solidFill>
+                  <a:srgbClr val="C00000"/>
+                </a:solidFill>
+              </a:rPr>
+              <a:t>	</a:t>
+            </a:r>
+          </a:p>
+        </p:txBody>
+      </p:sp>
+      <p:sp>
+        <p:nvSpPr>
+          <p:cNvPr id="3" name="내용 개체 틀 2"/>
+          <p:cNvSpPr>
+            <a:spLocks noGrp="1"/>
+          </p:cNvSpPr>
+          <p:nvPr>
+            <p:ph idx="1"/>
+          </p:nvPr>
+        </p:nvSpPr>
+        <p:spPr>
+          <a:xfrm>
+            <a:off x="457200" y="1600200"/>
+            <a:ext cx="8579296" cy="4525963"/>
+          </a:xfrm>
+        </p:spPr>
+        <p:txBody>
+          <a:bodyPr>
+            <a:normAutofit fontScale="85000" lnSpcReduction="10000"/>
+          </a:bodyPr>
+          <a:lstStyle/>
+          <a:p>
+            <a:r>
+              <a:rPr lang="en-US" altLang="ko-KR" sz="2400"/>
+              <a:t>9</a:t>
+            </a:r>
+            <a:r>
+              <a:rPr lang="ko-KR" altLang="en-US" sz="2400"/>
+              <a:t>가지 스캠 유형</a:t>
+            </a:r>
+          </a:p>
+          <a:p>
+            <a:pPr lvl="1"/>
+            <a:r>
+              <a:rPr lang="ko-KR" altLang="en-US"/>
+              <a:t>피싱 및 보이스 피싱</a:t>
+            </a:r>
+          </a:p>
+          <a:p>
+            <a:pPr lvl="1"/>
+            <a:r>
+              <a:rPr lang="ko-KR" altLang="en-US"/>
+              <a:t>연금 사기</a:t>
+            </a:r>
+          </a:p>
+          <a:p>
+            <a:pPr lvl="1"/>
+            <a:r>
+              <a:rPr lang="ko-KR" altLang="en-US"/>
+              <a:t>가짜 기술 </a:t>
+            </a:r>
+            <a:r>
+              <a:rPr lang="ko-KR" altLang="en-US"/>
+              <a:t>지원 </a:t>
+            </a:r>
+            <a:r>
+              <a:rPr lang="ko-KR" altLang="en-US" smtClean="0"/>
+              <a:t>서비스</a:t>
+            </a:r>
+            <a:endParaRPr lang="en-US" altLang="ko-KR" smtClean="0"/>
+          </a:p>
+          <a:p>
+            <a:pPr lvl="2"/>
+            <a:r>
+              <a:rPr lang="ko-KR" altLang="en-US" smtClean="0"/>
+              <a:t>사용자의 </a:t>
+            </a:r>
+            <a:r>
+              <a:rPr lang="ko-KR" altLang="en-US"/>
+              <a:t>컴퓨터가 여러 바이러스에 감염되었다며 원격 접속을 위해 비밀번호가 필요하다고 말할 </a:t>
+            </a:r>
+            <a:r>
+              <a:rPr lang="ko-KR" altLang="en-US"/>
+              <a:t>수 </a:t>
+            </a:r>
+            <a:r>
+              <a:rPr lang="ko-KR" altLang="en-US" smtClean="0"/>
+              <a:t>있음</a:t>
+            </a:r>
+            <a:endParaRPr lang="ko-KR" altLang="en-US"/>
+          </a:p>
+          <a:p>
+            <a:pPr lvl="1"/>
+            <a:r>
+              <a:rPr lang="en-US" altLang="ko-KR" smtClean="0"/>
+              <a:t>Doxxing</a:t>
+            </a:r>
+          </a:p>
+          <a:p>
+            <a:pPr lvl="2"/>
+            <a:r>
+              <a:rPr lang="ko-KR" altLang="en-US"/>
+              <a:t>컴퓨터 사기를 통해 사용자의 개인 정보를 훔쳐 온라인에 공개</a:t>
+            </a:r>
+            <a:endParaRPr lang="en-US" altLang="ko-KR"/>
+          </a:p>
+          <a:p>
+            <a:pPr lvl="1"/>
+            <a:r>
+              <a:rPr lang="ko-KR" altLang="en-US"/>
+              <a:t>스팸</a:t>
+            </a:r>
+          </a:p>
+          <a:p>
+            <a:pPr lvl="1"/>
+            <a:r>
+              <a:rPr lang="ko-KR" altLang="en-US"/>
+              <a:t>선불 </a:t>
+            </a:r>
+            <a:r>
+              <a:rPr lang="ko-KR" altLang="en-US"/>
+              <a:t>수수료 </a:t>
+            </a:r>
+            <a:r>
+              <a:rPr lang="ko-KR" altLang="en-US" smtClean="0"/>
+              <a:t>사기</a:t>
+            </a:r>
+            <a:endParaRPr lang="en-US" altLang="ko-KR" smtClean="0"/>
+          </a:p>
+          <a:p>
+            <a:pPr lvl="2"/>
+            <a:r>
+              <a:rPr lang="ko-KR" altLang="en-US"/>
+              <a:t>사기범이 피해자에게 실현되지도 않을 서비스에 대한 비용을 지불하도록 유도하는 사기</a:t>
+            </a:r>
+          </a:p>
+          <a:p>
+            <a:pPr lvl="1"/>
+            <a:r>
+              <a:rPr lang="ko-KR" altLang="en-US"/>
+              <a:t>온라인 </a:t>
+            </a:r>
+            <a:r>
+              <a:rPr lang="ko-KR" altLang="en-US"/>
+              <a:t>데이팅 </a:t>
+            </a:r>
+            <a:r>
+              <a:rPr lang="ko-KR" altLang="en-US" smtClean="0"/>
+              <a:t>사기</a:t>
+            </a:r>
+            <a:endParaRPr lang="en-US" altLang="ko-KR" smtClean="0"/>
+          </a:p>
+          <a:p>
+            <a:pPr lvl="2"/>
+            <a:r>
+              <a:rPr lang="ko-KR" altLang="en-US"/>
+              <a:t>신뢰를 얻기 위해 가능한 한 빨리 관계를 </a:t>
+            </a:r>
+            <a:r>
+              <a:rPr lang="ko-KR" altLang="en-US"/>
+              <a:t>맺으려고 </a:t>
+            </a:r>
+            <a:r>
+              <a:rPr lang="ko-KR" altLang="en-US" smtClean="0"/>
+              <a:t>함</a:t>
+            </a:r>
+            <a:endParaRPr lang="ko-KR" altLang="en-US"/>
+          </a:p>
+          <a:p>
+            <a:pPr lvl="1"/>
+            <a:r>
+              <a:rPr lang="ko-KR" altLang="en-US"/>
+              <a:t>우편 </a:t>
+            </a:r>
+            <a:r>
+              <a:rPr lang="ko-KR" altLang="en-US" smtClean="0"/>
+              <a:t>사기</a:t>
+            </a:r>
+            <a:endParaRPr lang="en-US" altLang="ko-KR" smtClean="0"/>
+          </a:p>
+          <a:p>
+            <a:pPr lvl="2"/>
+            <a:r>
+              <a:rPr lang="ko-KR" altLang="en-US"/>
+              <a:t>“택배 배송 일정을 변경해달라”는 메시지와 이메일이 흔하게 발생</a:t>
+            </a:r>
+            <a:endParaRPr lang="en-US" altLang="ko-KR"/>
+          </a:p>
+          <a:p>
+            <a:pPr lvl="1"/>
+            <a:r>
+              <a:rPr lang="ko-KR" altLang="en-US" smtClean="0"/>
+              <a:t>암호화폐 사기</a:t>
+            </a:r>
+            <a:endParaRPr lang="en-US" altLang="ko-KR" smtClean="0"/>
+          </a:p>
+          <a:p>
+            <a:pPr lvl="2"/>
+            <a:r>
+              <a:rPr lang="ko-KR" altLang="en-US"/>
+              <a:t>가짜 웹사이트와 앱</a:t>
+            </a:r>
+            <a:r>
+              <a:rPr lang="en-US" altLang="ko-KR"/>
+              <a:t>, </a:t>
+            </a:r>
+            <a:r>
+              <a:rPr lang="ko-KR" altLang="en-US"/>
+              <a:t>펌프 앤 덤프 사기는 사기꾼들이 암호화폐를 훔치는 일반적인 방법</a:t>
+            </a:r>
+          </a:p>
+          <a:p>
+            <a:endParaRPr lang="en-US" altLang="ko-KR"/>
+          </a:p>
+        </p:txBody>
+      </p:sp>
+    </p:spTree>
+    <p:extLst>
+      <p:ext uri="{BB962C8B-B14F-4D97-AF65-F5344CB8AC3E}">
+        <p14:creationId xmlns:p14="http://schemas.microsoft.com/office/powerpoint/2010/main" val="199692066"/>
+      </p:ext>
+    </p:extLst>
+  </p:cSld>
+  <p:clrMapOvr>
+    <a:masterClrMapping/>
+  </p:clrMapOvr>
+  <p:timing>
+    <p:tnLst>
+      <p:par>
+        <p:cTn id="1" dur="indefinite" restart="never" nodeType="tmRoot"/>
+      </p:par>
+    </p:tnLst>
+  </p:timing>
+</p:sld>
+</file>
+
+<file path=ppt/slides/slide8.xml><?xml version="1.0" encoding="utf-8"?>
+<p:sld xmlns:a="http://schemas.openxmlformats.org/drawingml/2006/main" xmlns:r="http://schemas.openxmlformats.org/officeDocument/2006/relationships" xmlns:p="http://schemas.openxmlformats.org/presentationml/2006/main">
+  <p:cSld>
+    <p:spTree>
+      <p:nvGrpSpPr>
+        <p:cNvPr id="1" name=""/>
+        <p:cNvGrpSpPr/>
+        <p:nvPr/>
+      </p:nvGrpSpPr>
+      <p:grpSpPr>
+        <a:xfrm>
+          <a:off x="0" y="0"/>
+          <a:ext cx="0" cy="0"/>
+          <a:chOff x="0" y="0"/>
+          <a:chExt cx="0" cy="0"/>
+        </a:xfrm>
+      </p:grpSpPr>
+      <p:sp>
+        <p:nvSpPr>
+          <p:cNvPr id="2" name="제목 1"/>
+          <p:cNvSpPr>
+            <a:spLocks noGrp="1"/>
+          </p:cNvSpPr>
+          <p:nvPr>
+            <p:ph type="title"/>
+          </p:nvPr>
+        </p:nvSpPr>
+        <p:spPr/>
+        <p:txBody>
+          <a:bodyPr/>
+          <a:lstStyle/>
+          <a:p>
+            <a:r>
+              <a:rPr lang="ko-KR" altLang="en-US"/>
+              <a:t>다크 코인과 </a:t>
+            </a:r>
+            <a:r>
+              <a:rPr lang="en-US" altLang="ko-KR"/>
+              <a:t>51% </a:t>
+            </a:r>
+            <a:r>
+              <a:rPr lang="ko-KR" altLang="en-US"/>
               <a:t>공격</a:t>
             </a:r>
             <a:endParaRPr lang="ko-KR" altLang="en-US" b="0">
@@ -7903,6 +9624,480 @@
           <a:p>
             <a:r>
               <a:rPr lang="ko-KR" altLang="en-US" smtClean="0"/>
+              <a:t>모네로 추적을 어렵게 하는 기술</a:t>
+            </a:r>
+            <a:endParaRPr lang="en-US" altLang="ko-KR" smtClean="0"/>
+          </a:p>
+          <a:p>
+            <a:pPr lvl="1"/>
+            <a:r>
+              <a:rPr lang="ko-KR" altLang="en-US" smtClean="0">
+                <a:solidFill>
+                  <a:schemeClr val="tx1"/>
+                </a:solidFill>
+              </a:rPr>
+              <a:t>링서명</a:t>
+            </a:r>
+            <a:r>
+              <a:rPr lang="en-US" altLang="ko-KR" baseline="30000" smtClean="0">
+                <a:solidFill>
+                  <a:schemeClr val="tx1"/>
+                </a:solidFill>
+              </a:rPr>
+              <a:t>(</a:t>
+            </a:r>
+            <a:r>
+              <a:rPr lang="en-US" altLang="ko-KR" baseline="30000"/>
+              <a:t>"</a:t>
+            </a:r>
+            <a:r>
+              <a:rPr lang="ko-KR" altLang="en-US" baseline="30000"/>
+              <a:t>화이트 하우스 내부 고위 관리 중 한 명이 이 문서를 승인했다</a:t>
+            </a:r>
+            <a:r>
+              <a:rPr lang="en-US" altLang="ko-KR" baseline="30000"/>
+              <a:t>"</a:t>
+            </a:r>
+            <a:r>
+              <a:rPr lang="ko-KR" altLang="en-US" baseline="30000"/>
+              <a:t>는 사실은 알 수 있지만</a:t>
+            </a:r>
+            <a:r>
+              <a:rPr lang="en-US" altLang="ko-KR" baseline="30000"/>
+              <a:t>, "</a:t>
+            </a:r>
+            <a:r>
+              <a:rPr lang="ko-KR" altLang="en-US" baseline="30000"/>
+              <a:t>정확히 </a:t>
+            </a:r>
+            <a:r>
+              <a:rPr lang="en-US" altLang="ko-KR" baseline="30000" smtClean="0"/>
+              <a:t/>
+            </a:r>
+            <a:br>
+              <a:rPr lang="en-US" altLang="ko-KR" baseline="30000" smtClean="0"/>
+            </a:br>
+            <a:r>
+              <a:rPr lang="ko-KR" altLang="en-US" baseline="30000" smtClean="0"/>
+              <a:t>어떤 </a:t>
+            </a:r>
+            <a:r>
+              <a:rPr lang="ko-KR" altLang="en-US" baseline="30000"/>
+              <a:t>고위 관리가 서명했는지</a:t>
+            </a:r>
+            <a:r>
+              <a:rPr lang="en-US" altLang="ko-KR" baseline="30000"/>
+              <a:t>"</a:t>
+            </a:r>
+            <a:r>
+              <a:rPr lang="ko-KR" altLang="en-US" baseline="30000"/>
+              <a:t>는 알 수 없는 것과 </a:t>
+            </a:r>
+            <a:r>
+              <a:rPr lang="ko-KR" altLang="en-US" baseline="30000" smtClean="0"/>
+              <a:t>같음</a:t>
+            </a:r>
+            <a:r>
+              <a:rPr lang="en-US" altLang="ko-KR" baseline="30000" smtClean="0">
+                <a:solidFill>
+                  <a:schemeClr val="tx1"/>
+                </a:solidFill>
+              </a:rPr>
+              <a:t>)</a:t>
+            </a:r>
+            <a:r>
+              <a:rPr lang="ko-KR" altLang="en-US" baseline="30000" smtClean="0">
+                <a:solidFill>
+                  <a:schemeClr val="tx1"/>
+                </a:solidFill>
+              </a:rPr>
+              <a:t> </a:t>
+            </a:r>
+            <a:r>
+              <a:rPr lang="en-US" altLang="ko-KR" smtClean="0">
+                <a:solidFill>
+                  <a:schemeClr val="tx1"/>
+                </a:solidFill>
+              </a:rPr>
+              <a:t>– </a:t>
+            </a:r>
+            <a:r>
+              <a:rPr lang="ko-KR" altLang="en-US" smtClean="0">
+                <a:solidFill>
+                  <a:schemeClr val="tx1"/>
+                </a:solidFill>
+              </a:rPr>
+              <a:t>실제 서명자가 누군지 감춤으로 송금자의 식별을 어렵게 만듦</a:t>
+            </a:r>
+            <a:endParaRPr lang="en-US" altLang="ko-KR" smtClean="0">
+              <a:solidFill>
+                <a:schemeClr val="tx1"/>
+              </a:solidFill>
+            </a:endParaRPr>
+          </a:p>
+          <a:p>
+            <a:pPr lvl="2"/>
+            <a:r>
+              <a:rPr lang="en-US" altLang="ko-KR" smtClean="0">
+                <a:solidFill>
+                  <a:srgbClr val="FF0000"/>
+                </a:solidFill>
+              </a:rPr>
+              <a:t>RingCT(Ring </a:t>
+            </a:r>
+            <a:r>
+              <a:rPr lang="en-US" altLang="ko-KR">
+                <a:solidFill>
+                  <a:srgbClr val="FF0000"/>
+                </a:solidFill>
+              </a:rPr>
+              <a:t>Confidential Transactions</a:t>
+            </a:r>
+            <a:r>
+              <a:rPr lang="en-US" altLang="ko-KR" smtClean="0">
+                <a:solidFill>
+                  <a:srgbClr val="FF0000"/>
+                </a:solidFill>
+              </a:rPr>
+              <a:t>) </a:t>
+            </a:r>
+            <a:r>
+              <a:rPr lang="en-US" altLang="ko-KR" smtClean="0">
+                <a:solidFill>
+                  <a:schemeClr val="tx1"/>
+                </a:solidFill>
+              </a:rPr>
+              <a:t>– </a:t>
+            </a:r>
+            <a:r>
+              <a:rPr lang="ko-KR" altLang="en-US" smtClean="0">
+                <a:solidFill>
+                  <a:schemeClr val="tx1"/>
+                </a:solidFill>
+              </a:rPr>
+              <a:t>실제 송금액이 아닌 </a:t>
+            </a:r>
+            <a:r>
+              <a:rPr lang="en-US" altLang="ko-KR" smtClean="0">
+                <a:solidFill>
+                  <a:schemeClr val="tx1"/>
+                </a:solidFill>
+              </a:rPr>
+              <a:t/>
+            </a:r>
+            <a:br>
+              <a:rPr lang="en-US" altLang="ko-KR" smtClean="0">
+                <a:solidFill>
+                  <a:schemeClr val="tx1"/>
+                </a:solidFill>
+              </a:rPr>
+            </a:br>
+            <a:r>
+              <a:rPr lang="ko-KR" altLang="en-US" smtClean="0">
+                <a:solidFill>
+                  <a:schemeClr val="tx1"/>
+                </a:solidFill>
+              </a:rPr>
+              <a:t>암호화된 금액이 블록체인 상에 기록되므로 </a:t>
+            </a:r>
+            <a:r>
+              <a:rPr lang="ko-KR" altLang="en-US" u="sng" smtClean="0">
+                <a:solidFill>
+                  <a:schemeClr val="tx1"/>
+                </a:solidFill>
+              </a:rPr>
+              <a:t>송금액수를 숨김</a:t>
+            </a:r>
+            <a:endParaRPr lang="ko-KR" altLang="en-US" b="0" u="sng">
+              <a:solidFill>
+                <a:schemeClr val="tx1"/>
+              </a:solidFill>
+            </a:endParaRPr>
+          </a:p>
+          <a:p>
+            <a:pPr lvl="2"/>
+            <a:r>
+              <a:rPr lang="ko-KR" altLang="en-US" smtClean="0">
+                <a:solidFill>
+                  <a:srgbClr val="FF0000"/>
+                </a:solidFill>
+              </a:rPr>
+              <a:t>수신자의 전자지갑 주소를 감추는 스텔스 주소 </a:t>
+            </a:r>
+            <a:r>
+              <a:rPr lang="en-US" altLang="ko-KR" smtClean="0">
+                <a:solidFill>
+                  <a:schemeClr val="accent6">
+                    <a:lumMod val="75000"/>
+                  </a:schemeClr>
+                </a:solidFill>
+              </a:rPr>
+              <a:t>– </a:t>
+            </a:r>
+            <a:r>
+              <a:rPr lang="ko-KR" altLang="en-US" smtClean="0">
+                <a:solidFill>
+                  <a:schemeClr val="accent6">
+                    <a:lumMod val="75000"/>
+                  </a:schemeClr>
+                </a:solidFill>
+              </a:rPr>
+              <a:t>무작위로 생성된 주소와 비밀번호로 이체하고</a:t>
+            </a:r>
+            <a:r>
+              <a:rPr lang="en-US" altLang="ko-KR">
+                <a:solidFill>
+                  <a:schemeClr val="accent6">
+                    <a:lumMod val="75000"/>
+                  </a:schemeClr>
+                </a:solidFill>
+              </a:rPr>
+              <a:t>, </a:t>
+            </a:r>
+            <a:r>
+              <a:rPr lang="ko-KR" altLang="en-US" smtClean="0">
+                <a:solidFill>
+                  <a:schemeClr val="accent6">
+                    <a:lumMod val="75000"/>
+                  </a:schemeClr>
+                </a:solidFill>
+              </a:rPr>
+              <a:t>해당주소의 비번은 암호화해 수신자에게 전달</a:t>
+            </a:r>
+            <a:endParaRPr lang="ko-KR" altLang="en-US" b="0">
+              <a:solidFill>
+                <a:schemeClr val="accent6">
+                  <a:lumMod val="75000"/>
+                </a:schemeClr>
+              </a:solidFill>
+            </a:endParaRPr>
+          </a:p>
+          <a:p>
+            <a:pPr lvl="2"/>
+            <a:r>
+              <a:rPr lang="en-US" altLang="ko-KR" smtClean="0">
+                <a:solidFill>
+                  <a:srgbClr val="FF0000"/>
+                </a:solidFill>
+              </a:rPr>
+              <a:t>Kovri </a:t>
+            </a:r>
+            <a:r>
+              <a:rPr lang="en-US" altLang="ko-KR" smtClean="0">
+                <a:solidFill>
+                  <a:schemeClr val="tx1"/>
+                </a:solidFill>
+              </a:rPr>
+              <a:t>- </a:t>
+            </a:r>
+            <a:r>
+              <a:rPr lang="en-US" altLang="ko-KR">
+                <a:solidFill>
+                  <a:schemeClr val="tx1"/>
+                </a:solidFill>
+              </a:rPr>
+              <a:t>Garlic </a:t>
+            </a:r>
+            <a:r>
+              <a:rPr lang="ko-KR" altLang="en-US" smtClean="0">
+                <a:solidFill>
+                  <a:schemeClr val="tx1"/>
+                </a:solidFill>
+              </a:rPr>
+              <a:t>암호화 및 라우터 사용으로 인터넷 트래픽 암호화 → </a:t>
+            </a:r>
+            <a:r>
+              <a:rPr lang="en-US" altLang="ko-KR">
+                <a:solidFill>
+                  <a:schemeClr val="tx1"/>
+                </a:solidFill>
+              </a:rPr>
+              <a:t>Monero</a:t>
+            </a:r>
+            <a:r>
+              <a:rPr lang="ko-KR" altLang="en-US" smtClean="0">
+                <a:solidFill>
+                  <a:schemeClr val="tx1"/>
+                </a:solidFill>
+              </a:rPr>
+              <a:t>에서 </a:t>
+            </a:r>
+            <a:r>
+              <a:rPr lang="en-US" altLang="ko-KR" smtClean="0">
+                <a:solidFill>
+                  <a:schemeClr val="tx1"/>
+                </a:solidFill>
+              </a:rPr>
+              <a:t>IP</a:t>
+            </a:r>
+            <a:r>
+              <a:rPr lang="ko-KR" altLang="en-US" smtClean="0">
+                <a:solidFill>
+                  <a:schemeClr val="tx1"/>
+                </a:solidFill>
+              </a:rPr>
+              <a:t>주소 식별 가능성 제거</a:t>
+            </a:r>
+            <a:endParaRPr lang="ko-KR" altLang="en-US" b="0">
+              <a:solidFill>
+                <a:schemeClr val="tx1"/>
+              </a:solidFill>
+            </a:endParaRPr>
+          </a:p>
+          <a:p>
+            <a:endParaRPr lang="ko-KR" altLang="en-US" b="0">
+              <a:solidFill>
+                <a:schemeClr val="tx1"/>
+              </a:solidFill>
+            </a:endParaRPr>
+          </a:p>
+        </p:txBody>
+      </p:sp>
+      <p:pic>
+        <p:nvPicPr>
+          <p:cNvPr id="11266" name="Picture 2"/>
+          <p:cNvPicPr>
+            <a:picLocks noChangeAspect="1" noChangeArrowheads="1"/>
+          </p:cNvPicPr>
+          <p:nvPr/>
+        </p:nvPicPr>
+        <p:blipFill>
+          <a:blip r:embed="rId2">
+            <a:extLst>
+              <a:ext uri="{28A0092B-C50C-407E-A947-70E740481C1C}">
+                <a14:useLocalDpi xmlns:a14="http://schemas.microsoft.com/office/drawing/2010/main" val="0"/>
+              </a:ext>
+            </a:extLst>
+          </a:blip>
+          <a:srcRect/>
+          <a:stretch>
+            <a:fillRect/>
+          </a:stretch>
+        </p:blipFill>
+        <p:spPr bwMode="auto">
+          <a:xfrm>
+            <a:off x="539552" y="4797152"/>
+            <a:ext cx="8424937" cy="1781175"/>
+          </a:xfrm>
+          <a:prstGeom prst="rect">
+            <a:avLst/>
+          </a:prstGeom>
+          <a:noFill/>
+          <a:ln>
+            <a:noFill/>
+          </a:ln>
+          <a:extLst>
+            <a:ext uri="{909E8E84-426E-40DD-AFC4-6F175D3DCCD1}">
+              <a14:hiddenFill xmlns:a14="http://schemas.microsoft.com/office/drawing/2010/main">
+                <a:solidFill>
+                  <a:schemeClr val="accent1"/>
+                </a:solidFill>
+              </a14:hiddenFill>
+            </a:ext>
+            <a:ext uri="{91240B29-F687-4F45-9708-019B960494DF}">
+              <a14:hiddenLine xmlns:a14="http://schemas.microsoft.com/office/drawing/2010/main" w="9525">
+                <a:solidFill>
+                  <a:schemeClr val="tx1"/>
+                </a:solidFill>
+                <a:miter lim="800000"/>
+                <a:headEnd/>
+                <a:tailEnd/>
+              </a14:hiddenLine>
+            </a:ext>
+          </a:extLst>
+        </p:spPr>
+      </p:pic>
+    </p:spTree>
+    <p:extLst>
+      <p:ext uri="{BB962C8B-B14F-4D97-AF65-F5344CB8AC3E}">
+        <p14:creationId xmlns:p14="http://schemas.microsoft.com/office/powerpoint/2010/main" val="2335268533"/>
+      </p:ext>
+    </p:extLst>
+  </p:cSld>
+  <p:clrMapOvr>
+    <a:masterClrMapping/>
+  </p:clrMapOvr>
+  <p:timing>
+    <p:tnLst>
+      <p:par>
+        <p:cTn id="1" dur="indefinite" restart="never" nodeType="tmRoot"/>
+      </p:par>
+    </p:tnLst>
+  </p:timing>
+</p:sld>
+</file>
+
+<file path=ppt/slides/slide9.xml><?xml version="1.0" encoding="utf-8"?>
+<p:sld xmlns:a="http://schemas.openxmlformats.org/drawingml/2006/main" xmlns:r="http://schemas.openxmlformats.org/officeDocument/2006/relationships" xmlns:p="http://schemas.openxmlformats.org/presentationml/2006/main">
+  <p:cSld>
+    <p:spTree>
+      <p:nvGrpSpPr>
+        <p:cNvPr id="1" name=""/>
+        <p:cNvGrpSpPr/>
+        <p:nvPr/>
+      </p:nvGrpSpPr>
+      <p:grpSpPr>
+        <a:xfrm>
+          <a:off x="0" y="0"/>
+          <a:ext cx="0" cy="0"/>
+          <a:chOff x="0" y="0"/>
+          <a:chExt cx="0" cy="0"/>
+        </a:xfrm>
+      </p:grpSpPr>
+      <p:sp>
+        <p:nvSpPr>
+          <p:cNvPr id="2" name="제목 1"/>
+          <p:cNvSpPr>
+            <a:spLocks noGrp="1"/>
+          </p:cNvSpPr>
+          <p:nvPr>
+            <p:ph type="title"/>
+          </p:nvPr>
+        </p:nvSpPr>
+        <p:spPr/>
+        <p:txBody>
+          <a:bodyPr/>
+          <a:lstStyle/>
+          <a:p>
+            <a:r>
+              <a:rPr lang="ko-KR" altLang="en-US"/>
+              <a:t>다크 코인과 </a:t>
+            </a:r>
+            <a:r>
+              <a:rPr lang="en-US" altLang="ko-KR"/>
+              <a:t>51% </a:t>
+            </a:r>
+            <a:r>
+              <a:rPr lang="ko-KR" altLang="en-US"/>
+              <a:t>공격</a:t>
+            </a:r>
+            <a:endParaRPr lang="ko-KR" altLang="en-US" b="0">
+              <a:solidFill>
+                <a:srgbClr val="C00000"/>
+              </a:solidFill>
+            </a:endParaRPr>
+          </a:p>
+        </p:txBody>
+      </p:sp>
+      <p:sp>
+        <p:nvSpPr>
+          <p:cNvPr id="3" name="내용 개체 틀 2"/>
+          <p:cNvSpPr>
+            <a:spLocks noGrp="1"/>
+          </p:cNvSpPr>
+          <p:nvPr>
+            <p:ph idx="1"/>
+          </p:nvPr>
+        </p:nvSpPr>
+        <p:spPr/>
+        <p:txBody>
+          <a:bodyPr>
+            <a:normAutofit/>
+          </a:bodyPr>
+          <a:lstStyle/>
+          <a:p>
+            <a:r>
+              <a:rPr lang="ko-KR" altLang="en-US" smtClean="0"/>
               <a:t>어둠속으로 사라지는 다크코인</a:t>
             </a:r>
             <a:endParaRPr lang="ko-KR" altLang="en-US"/>
@@ -8050,9 +10245,21 @@
             </a:r>
             <a:r>
               <a:rPr lang="ko-KR" altLang="en-US" smtClean="0"/>
-              <a:t>일 거래지원 종료</a:t>
-            </a:r>
-            <a:endParaRPr lang="en-US" altLang="ko-KR" smtClean="0"/>
+              <a:t>일 </a:t>
+            </a:r>
+            <a:r>
+              <a:rPr lang="ko-KR" altLang="en-US" smtClean="0">
+                <a:solidFill>
+                  <a:srgbClr val="00B0F0"/>
+                </a:solidFill>
+              </a:rPr>
+              <a:t>거래지원 종료</a:t>
+            </a:r>
+            <a:endParaRPr lang="en-US" altLang="ko-KR" smtClean="0">
+              <a:solidFill>
+                <a:srgbClr val="00B0F0"/>
+              </a:solidFill>
+            </a:endParaRPr>
           </a:p>
           <a:p>
             <a:pPr lvl="2"/>
@@ -8235,47 +10442,31 @@
                   <a:srgbClr val="FF0000"/>
                 </a:solidFill>
               </a:rPr>
-              <a:t>(Dark </a:t>
-            </a:r>
-            <a:r>
-              <a:rPr lang="en-US" altLang="ko-KR" sz="1200" b="1">
+              <a:t>(Dark Site</a:t>
+            </a:r>
+            <a:r>
+              <a:rPr lang="en-US" altLang="ko-KR" sz="1200" b="1" smtClean="0">
                 <a:solidFill>
                   <a:srgbClr val="FF0000"/>
                 </a:solidFill>
               </a:rPr>
-              <a:t>Site</a:t>
-            </a:r>
-            <a:r>
-              <a:rPr lang="en-US" altLang="ko-KR" sz="1200" b="1" smtClean="0">
+              <a:t>) -</a:t>
+            </a:r>
+            <a:r>
+              <a:rPr lang="ko-KR" altLang="en-US" sz="1200" b="1" smtClean="0">
                 <a:solidFill>
                   <a:srgbClr val="FF0000"/>
                 </a:solidFill>
               </a:rPr>
-              <a:t>) -</a:t>
-            </a:r>
-            <a:r>
-              <a:rPr lang="ko-KR" altLang="en-US" sz="1200" b="1" smtClean="0">
+              <a:t> </a:t>
+            </a:r>
+            <a:r>
+              <a:rPr lang="ko-KR" altLang="en-US" sz="1200" b="1">
                 <a:solidFill>
                   <a:srgbClr val="FF0000"/>
                 </a:solidFill>
               </a:rPr>
-              <a:t> </a:t>
-            </a:r>
-            <a:r>
-              <a:rPr lang="ko-KR" altLang="en-US" sz="1200" b="1">
-                <a:solidFill>
-                  <a:srgbClr val="FF0000"/>
-                </a:solidFill>
-              </a:rPr>
-              <a:t>일반적인 인터넷 검색 </a:t>
-            </a:r>
-            <a:r>
-              <a:rPr lang="ko-KR" altLang="en-US" sz="1200" b="1">
-                <a:solidFill>
-                  <a:srgbClr val="FF0000"/>
-                </a:solidFill>
-              </a:rPr>
-              <a:t>엔진에 </a:t>
+              <a:t>일반적인 인터넷 검색 엔진에 </a:t>
             </a:r>
             <a:r>
               <a:rPr lang="en-US" altLang="ko-KR" sz="1200" b="1" smtClean="0">
@@ -8338,15 +10529,7 @@
                   <a:srgbClr val="FF0000"/>
                 </a:solidFill>
               </a:rPr>
-              <a:t>가장 </a:t>
-            </a:r>
-            <a:r>
-              <a:rPr lang="ko-KR" altLang="en-US" sz="1200" b="1" u="sng">
-                <a:solidFill>
-                  <a:srgbClr val="FF0000"/>
-                </a:solidFill>
-              </a:rPr>
-              <a:t>대표적으로 </a:t>
+              <a:t>가장 대표적으로 </a:t>
             </a:r>
             <a:r>
               <a:rPr lang="en-US" altLang="ko-KR" sz="1200" b="1" u="sng" smtClean="0">
@@ -8426,1312 +10609,6 @@
     <p:extLst>
       <p:ext uri="{BB962C8B-B14F-4D97-AF65-F5344CB8AC3E}">
         <p14:creationId xmlns:p14="http://schemas.microsoft.com/office/powerpoint/2010/main" val="539054485"/>
-      </p:ext>
-    </p:extLst>
-  </p:cSld>
-  <p:clrMapOvr>
-    <a:masterClrMapping/>
-  </p:clrMapOvr>
-</p:sld>
-</file>
-
-<file path=ppt/slides/slide8.xml><?xml version="1.0" encoding="utf-8"?>
-<p:sld xmlns:a="http://schemas.openxmlformats.org/drawingml/2006/main" xmlns:r="http://schemas.openxmlformats.org/officeDocument/2006/relationships" xmlns:p="http://schemas.openxmlformats.org/presentationml/2006/main">
-  <p:cSld>
-    <p:spTree>
-      <p:nvGrpSpPr>
-        <p:cNvPr id="1" name=""/>
-        <p:cNvGrpSpPr/>
-        <p:nvPr/>
-      </p:nvGrpSpPr>
-      <p:grpSpPr>
-        <a:xfrm>
-          <a:off x="0" y="0"/>
-          <a:ext cx="0" cy="0"/>
-          <a:chOff x="0" y="0"/>
-          <a:chExt cx="0" cy="0"/>
-        </a:xfrm>
-      </p:grpSpPr>
-      <p:sp>
-        <p:nvSpPr>
-          <p:cNvPr id="2" name="제목 1"/>
-          <p:cNvSpPr>
-            <a:spLocks noGrp="1"/>
-          </p:cNvSpPr>
-          <p:nvPr>
-            <p:ph type="title"/>
-          </p:nvPr>
-        </p:nvSpPr>
-        <p:spPr/>
-        <p:txBody>
-          <a:bodyPr/>
-          <a:lstStyle/>
-          <a:p>
-            <a:r>
-              <a:rPr lang="ko-KR" altLang="en-US"/>
-              <a:t>다크 코인과 </a:t>
-            </a:r>
-            <a:r>
-              <a:rPr lang="en-US" altLang="ko-KR"/>
-              <a:t>51% </a:t>
-            </a:r>
-            <a:r>
-              <a:rPr lang="ko-KR" altLang="en-US"/>
-              <a:t>공격</a:t>
-            </a:r>
-            <a:endParaRPr lang="ko-KR" altLang="en-US" b="0">
-              <a:solidFill>
-                <a:srgbClr val="C00000"/>
-              </a:solidFill>
-            </a:endParaRPr>
-          </a:p>
-        </p:txBody>
-      </p:sp>
-      <p:sp>
-        <p:nvSpPr>
-          <p:cNvPr id="3" name="내용 개체 틀 2"/>
-          <p:cNvSpPr>
-            <a:spLocks noGrp="1"/>
-          </p:cNvSpPr>
-          <p:nvPr>
-            <p:ph idx="1"/>
-          </p:nvPr>
-        </p:nvSpPr>
-        <p:spPr/>
-        <p:txBody>
-          <a:bodyPr>
-            <a:normAutofit lnSpcReduction="10000"/>
-          </a:bodyPr>
-          <a:lstStyle/>
-          <a:p>
-            <a:r>
-              <a:rPr lang="en-US" altLang="ko-KR"/>
-              <a:t>FBI</a:t>
-            </a:r>
-            <a:r>
-              <a:rPr lang="ko-KR" altLang="en-US" smtClean="0"/>
-              <a:t>의 </a:t>
-            </a:r>
-            <a:r>
-              <a:rPr lang="en-US" altLang="ko-KR" smtClean="0"/>
-              <a:t>BTC </a:t>
-            </a:r>
-            <a:r>
-              <a:rPr lang="ko-KR" altLang="en-US"/>
-              <a:t>추적사례</a:t>
-            </a:r>
-          </a:p>
-          <a:p>
-            <a:pPr lvl="1"/>
-            <a:r>
-              <a:rPr lang="en-US" altLang="ko-KR" smtClean="0">
-                <a:solidFill>
-                  <a:schemeClr val="tx1"/>
-                </a:solidFill>
-              </a:rPr>
-              <a:t>21</a:t>
-            </a:r>
-            <a:r>
-              <a:rPr lang="ko-KR" altLang="en-US" smtClean="0">
-                <a:solidFill>
-                  <a:schemeClr val="tx1"/>
-                </a:solidFill>
-              </a:rPr>
-              <a:t>년 </a:t>
-            </a:r>
-            <a:r>
-              <a:rPr lang="en-US" altLang="ko-KR" smtClean="0">
-                <a:solidFill>
-                  <a:schemeClr val="tx1"/>
-                </a:solidFill>
-              </a:rPr>
-              <a:t>5</a:t>
-            </a:r>
-            <a:r>
-              <a:rPr lang="ko-KR" altLang="en-US" smtClean="0">
-                <a:solidFill>
-                  <a:schemeClr val="tx1"/>
-                </a:solidFill>
-              </a:rPr>
-              <a:t>월 </a:t>
-            </a:r>
-            <a:r>
-              <a:rPr lang="en-US" altLang="ko-KR" smtClean="0">
-                <a:solidFill>
-                  <a:schemeClr val="tx1"/>
-                </a:solidFill>
-              </a:rPr>
-              <a:t>7</a:t>
-            </a:r>
-            <a:r>
-              <a:rPr lang="ko-KR" altLang="en-US" smtClean="0">
-                <a:solidFill>
-                  <a:schemeClr val="tx1"/>
-                </a:solidFill>
-              </a:rPr>
-              <a:t>일 </a:t>
-            </a:r>
-            <a:r>
-              <a:rPr lang="ko-KR" altLang="en-US" u="sng" smtClean="0">
-                <a:solidFill>
-                  <a:schemeClr val="tx1"/>
-                </a:solidFill>
-              </a:rPr>
-              <a:t>랜섬웨어 공격으로 </a:t>
-            </a:r>
-            <a:r>
-              <a:rPr lang="ko-KR" altLang="en-US" smtClean="0"/>
-              <a:t>콜로니얼 파이프라인의 가동 중단</a:t>
-            </a:r>
-            <a:endParaRPr lang="en-US" altLang="ko-KR" smtClean="0"/>
-          </a:p>
-          <a:p>
-            <a:pPr lvl="2"/>
-            <a:r>
-              <a:rPr lang="ko-KR" altLang="en-US" smtClean="0"/>
-              <a:t>미법무부는 </a:t>
-            </a:r>
-            <a:r>
-              <a:rPr lang="en-US" altLang="ko-KR" smtClean="0"/>
-              <a:t>21</a:t>
-            </a:r>
-            <a:r>
-              <a:rPr lang="ko-KR" altLang="en-US" smtClean="0"/>
-              <a:t>년 </a:t>
-            </a:r>
-            <a:r>
-              <a:rPr lang="en-US" altLang="ko-KR" smtClean="0"/>
-              <a:t>6</a:t>
-            </a:r>
-            <a:r>
-              <a:rPr lang="ko-KR" altLang="en-US" smtClean="0"/>
-              <a:t>월 콜로니얼 파이프라인이 해커집단 다크사이드</a:t>
-            </a:r>
-            <a:r>
-              <a:rPr lang="en-US" altLang="ko-KR"/>
-              <a:t>(DarkSide</a:t>
-            </a:r>
-            <a:r>
-              <a:rPr lang="en-US" altLang="ko-KR" smtClean="0"/>
-              <a:t>) </a:t>
-            </a:r>
-            <a:r>
-              <a:rPr lang="en-US" altLang="ko-KR" baseline="30000" smtClean="0">
-                <a:solidFill>
-                  <a:srgbClr val="C00000"/>
-                </a:solidFill>
-              </a:rPr>
-              <a:t>(2020</a:t>
-            </a:r>
-            <a:r>
-              <a:rPr lang="ko-KR" altLang="en-US" baseline="30000">
-                <a:solidFill>
-                  <a:srgbClr val="C00000"/>
-                </a:solidFill>
-              </a:rPr>
-              <a:t>년 </a:t>
-            </a:r>
-            <a:r>
-              <a:rPr lang="en-US" altLang="ko-KR" baseline="30000">
-                <a:solidFill>
-                  <a:srgbClr val="C00000"/>
-                </a:solidFill>
-              </a:rPr>
-              <a:t>8</a:t>
-            </a:r>
-            <a:r>
-              <a:rPr lang="ko-KR" altLang="en-US" baseline="30000">
-                <a:solidFill>
-                  <a:srgbClr val="C00000"/>
-                </a:solidFill>
-              </a:rPr>
-              <a:t>월경에 등장한 악명 높은 사이버 범죄 조직이자 그들이 사용하는 랜섬웨어의 </a:t>
-            </a:r>
-            <a:r>
-              <a:rPr lang="ko-KR" altLang="en-US" baseline="30000" smtClean="0">
-                <a:solidFill>
-                  <a:srgbClr val="C00000"/>
-                </a:solidFill>
-              </a:rPr>
-              <a:t>이름</a:t>
-            </a:r>
-            <a:r>
-              <a:rPr lang="en-US" altLang="ko-KR" baseline="30000" smtClean="0">
-                <a:solidFill>
-                  <a:srgbClr val="C00000"/>
-                </a:solidFill>
-              </a:rPr>
-              <a:t>)</a:t>
-            </a:r>
-            <a:r>
-              <a:rPr lang="ko-KR" altLang="en-US" smtClean="0"/>
-              <a:t>에 지급된 </a:t>
-            </a:r>
-            <a:r>
-              <a:rPr lang="en-US" altLang="ko-KR" smtClean="0"/>
-              <a:t>75BTC(500</a:t>
-            </a:r>
-            <a:r>
-              <a:rPr lang="ko-KR" altLang="en-US"/>
-              <a:t>만달러</a:t>
-            </a:r>
-            <a:r>
-              <a:rPr lang="en-US" altLang="ko-KR"/>
-              <a:t>) </a:t>
-            </a:r>
-            <a:r>
-              <a:rPr lang="ko-KR" altLang="en-US" smtClean="0"/>
-              <a:t>중 </a:t>
-            </a:r>
-            <a:r>
-              <a:rPr lang="en-US" altLang="ko-KR" smtClean="0"/>
-              <a:t>63.7BTC </a:t>
-            </a:r>
-            <a:r>
-              <a:rPr lang="ko-KR" altLang="en-US"/>
-              <a:t>회수</a:t>
-            </a:r>
-          </a:p>
-          <a:p>
-            <a:pPr lvl="1"/>
-            <a:r>
-              <a:rPr lang="en-US" altLang="ko-KR" smtClean="0">
-                <a:solidFill>
-                  <a:schemeClr val="tx1"/>
-                </a:solidFill>
-              </a:rPr>
-              <a:t>Overflow </a:t>
-            </a:r>
-            <a:r>
-              <a:rPr lang="en-US" altLang="ko-KR">
-                <a:solidFill>
-                  <a:schemeClr val="tx1"/>
-                </a:solidFill>
-              </a:rPr>
-              <a:t>Labs</a:t>
-            </a:r>
-            <a:r>
-              <a:rPr lang="ko-KR" altLang="en-US" smtClean="0">
-                <a:solidFill>
-                  <a:schemeClr val="tx1"/>
-                </a:solidFill>
-              </a:rPr>
-              <a:t>의 정보보호 책임자 베드나렉은 </a:t>
-            </a:r>
-            <a:r>
-              <a:rPr lang="en-US" altLang="ko-KR" smtClean="0">
-                <a:solidFill>
-                  <a:schemeClr val="tx1"/>
-                </a:solidFill>
-              </a:rPr>
-              <a:t/>
-            </a:r>
-            <a:br>
-              <a:rPr lang="en-US" altLang="ko-KR" smtClean="0">
-                <a:solidFill>
-                  <a:schemeClr val="tx1"/>
-                </a:solidFill>
-              </a:rPr>
-            </a:br>
-            <a:r>
-              <a:rPr lang="ko-KR" altLang="en-US" smtClean="0">
-                <a:solidFill>
-                  <a:schemeClr val="tx1"/>
-                </a:solidFill>
-              </a:rPr>
-              <a:t>다음 중 하나를 </a:t>
-            </a:r>
-            <a:r>
-              <a:rPr lang="en-US" altLang="ko-KR" smtClean="0">
-                <a:solidFill>
-                  <a:schemeClr val="tx1"/>
-                </a:solidFill>
-              </a:rPr>
-              <a:t>FBI</a:t>
-            </a:r>
-            <a:r>
-              <a:rPr lang="ko-KR" altLang="en-US" smtClean="0">
-                <a:solidFill>
-                  <a:schemeClr val="tx1"/>
-                </a:solidFill>
-              </a:rPr>
-              <a:t>가 해커의 개인키 획득 </a:t>
-            </a:r>
-            <a:r>
-              <a:rPr lang="en-US" altLang="ko-KR" smtClean="0">
-                <a:solidFill>
-                  <a:schemeClr val="tx1"/>
-                </a:solidFill>
-              </a:rPr>
-              <a:t/>
-            </a:r>
-            <a:br>
-              <a:rPr lang="en-US" altLang="ko-KR" smtClean="0">
-                <a:solidFill>
-                  <a:schemeClr val="tx1"/>
-                </a:solidFill>
-              </a:rPr>
-            </a:br>
-            <a:r>
-              <a:rPr lang="ko-KR" altLang="en-US" smtClean="0">
-                <a:solidFill>
-                  <a:schemeClr val="tx1"/>
-                </a:solidFill>
-              </a:rPr>
-              <a:t>시나리오로 추측</a:t>
-            </a:r>
-            <a:endParaRPr lang="en-US" altLang="ko-KR" smtClean="0">
-              <a:solidFill>
-                <a:schemeClr val="tx1"/>
-              </a:solidFill>
-            </a:endParaRPr>
-          </a:p>
-          <a:p>
-            <a:pPr lvl="2"/>
-            <a:r>
-              <a:rPr lang="ko-KR" altLang="en-US" smtClean="0"/>
-              <a:t>다크사이드의 미숙한 운영으로 </a:t>
-            </a:r>
-            <a:r>
-              <a:rPr lang="en-US" altLang="ko-KR" smtClean="0"/>
-              <a:t>FBI</a:t>
-            </a:r>
-            <a:r>
-              <a:rPr lang="ko-KR" altLang="en-US" smtClean="0"/>
-              <a:t>가 랜섬웨어 </a:t>
-            </a:r>
-            <a:r>
-              <a:rPr lang="en-US" altLang="ko-KR" smtClean="0"/>
-              <a:t/>
-            </a:r>
-            <a:br>
-              <a:rPr lang="en-US" altLang="ko-KR" smtClean="0"/>
-            </a:br>
-            <a:r>
-              <a:rPr lang="ko-KR" altLang="en-US" smtClean="0">
-                <a:solidFill>
-                  <a:srgbClr val="006600"/>
-                </a:solidFill>
-              </a:rPr>
-              <a:t>지불에 사용된 컴퓨팅 장치의 위치 발견 후 </a:t>
-            </a:r>
-            <a:r>
-              <a:rPr lang="en-US" altLang="ko-KR" smtClean="0">
-                <a:solidFill>
-                  <a:srgbClr val="006600"/>
-                </a:solidFill>
-              </a:rPr>
-              <a:t/>
-            </a:r>
-            <a:br>
-              <a:rPr lang="en-US" altLang="ko-KR" smtClean="0">
-                <a:solidFill>
-                  <a:srgbClr val="006600"/>
-                </a:solidFill>
-              </a:rPr>
-            </a:br>
-            <a:r>
-              <a:rPr lang="ko-KR" altLang="en-US" smtClean="0">
-                <a:solidFill>
-                  <a:srgbClr val="006600"/>
-                </a:solidFill>
-              </a:rPr>
-              <a:t>압수해 해커의 개인키를 포렌식으로 찾음</a:t>
-            </a:r>
-            <a:endParaRPr lang="en-US" altLang="ko-KR" smtClean="0">
-              <a:solidFill>
-                <a:srgbClr val="006600"/>
-              </a:solidFill>
-            </a:endParaRPr>
-          </a:p>
-          <a:p>
-            <a:pPr lvl="2"/>
-            <a:r>
-              <a:rPr lang="en-US" altLang="ko-KR" smtClean="0"/>
-              <a:t>FBI</a:t>
-            </a:r>
-            <a:r>
-              <a:rPr lang="ko-KR" altLang="en-US" smtClean="0"/>
-              <a:t>가 다크사이드 내부에 정보원을 심어 개인키를 </a:t>
-            </a:r>
-            <a:r>
-              <a:rPr lang="en-US" altLang="ko-KR" smtClean="0"/>
-              <a:t/>
-            </a:r>
-            <a:br>
-              <a:rPr lang="en-US" altLang="ko-KR" smtClean="0"/>
-            </a:br>
-            <a:r>
-              <a:rPr lang="ko-KR" altLang="en-US" smtClean="0"/>
-              <a:t>보관하는 컴퓨터 해킹</a:t>
-            </a:r>
-            <a:endParaRPr lang="en-US" altLang="ko-KR" smtClean="0"/>
-          </a:p>
-          <a:p>
-            <a:pPr lvl="1"/>
-            <a:r>
-              <a:rPr lang="en-US" altLang="ko-KR" smtClean="0">
-                <a:solidFill>
-                  <a:schemeClr val="tx1"/>
-                </a:solidFill>
-              </a:rPr>
-              <a:t>FBI</a:t>
-            </a:r>
-            <a:r>
-              <a:rPr lang="ko-KR" altLang="en-US" smtClean="0">
-                <a:solidFill>
-                  <a:schemeClr val="tx1"/>
-                </a:solidFill>
-              </a:rPr>
-              <a:t>가 다크사이드의 </a:t>
-            </a:r>
-            <a:r>
-              <a:rPr lang="en-US" altLang="ko-KR" smtClean="0">
-                <a:solidFill>
-                  <a:schemeClr val="tx1"/>
-                </a:solidFill>
-              </a:rPr>
-              <a:t>23</a:t>
-            </a:r>
-            <a:r>
-              <a:rPr lang="ko-KR" altLang="en-US" smtClean="0">
-                <a:solidFill>
-                  <a:schemeClr val="tx1"/>
-                </a:solidFill>
-              </a:rPr>
-              <a:t>개 지갑으로 이동한 </a:t>
-            </a:r>
-            <a:r>
-              <a:rPr lang="en-US" altLang="ko-KR" smtClean="0">
-                <a:solidFill>
-                  <a:schemeClr val="tx1"/>
-                </a:solidFill>
-              </a:rPr>
-              <a:t/>
-            </a:r>
-            <a:br>
-              <a:rPr lang="en-US" altLang="ko-KR" smtClean="0">
-                <a:solidFill>
-                  <a:schemeClr val="tx1"/>
-                </a:solidFill>
-              </a:rPr>
-            </a:br>
-            <a:r>
-              <a:rPr lang="ko-KR" altLang="en-US" smtClean="0">
-                <a:solidFill>
-                  <a:schemeClr val="tx1"/>
-                </a:solidFill>
-              </a:rPr>
-              <a:t>비트코인 추적 → 법집행기관</a:t>
-            </a:r>
-            <a:r>
-              <a:rPr lang="en-US" altLang="ko-KR" smtClean="0">
-                <a:solidFill>
-                  <a:schemeClr val="tx1"/>
-                </a:solidFill>
-              </a:rPr>
-              <a:t/>
-            </a:r>
-            <a:br>
-              <a:rPr lang="en-US" altLang="ko-KR" smtClean="0">
-                <a:solidFill>
-                  <a:schemeClr val="tx1"/>
-                </a:solidFill>
-              </a:rPr>
-            </a:br>
-            <a:r>
-              <a:rPr lang="ko-KR" altLang="en-US" smtClean="0">
-                <a:solidFill>
-                  <a:schemeClr val="tx1"/>
-                </a:solidFill>
-              </a:rPr>
-              <a:t>역시 암호화폐 산업과 함께 성장</a:t>
-            </a:r>
-            <a:endParaRPr lang="ko-KR" altLang="en-US">
-              <a:solidFill>
-                <a:schemeClr val="tx1"/>
-              </a:solidFill>
-            </a:endParaRPr>
-          </a:p>
-          <a:p>
-            <a:pPr lvl="1"/>
-            <a:endParaRPr lang="ko-KR" altLang="en-US"/>
-          </a:p>
-          <a:p>
-            <a:endParaRPr lang="ko-KR" altLang="en-US">
-              <a:solidFill>
-                <a:schemeClr val="tx1"/>
-              </a:solidFill>
-            </a:endParaRPr>
-          </a:p>
-        </p:txBody>
-      </p:sp>
-      <p:pic>
-        <p:nvPicPr>
-          <p:cNvPr id="13314" name="Picture 2"/>
-          <p:cNvPicPr>
-            <a:picLocks noChangeAspect="1" noChangeArrowheads="1"/>
-          </p:cNvPicPr>
-          <p:nvPr/>
-        </p:nvPicPr>
-        <p:blipFill>
-          <a:blip r:embed="rId2">
-            <a:extLst>
-              <a:ext uri="{28A0092B-C50C-407E-A947-70E740481C1C}">
-                <a14:useLocalDpi xmlns:a14="http://schemas.microsoft.com/office/drawing/2010/main" val="0"/>
-              </a:ext>
-            </a:extLst>
-          </a:blip>
-          <a:srcRect/>
-          <a:stretch>
-            <a:fillRect/>
-          </a:stretch>
-        </p:blipFill>
-        <p:spPr bwMode="auto">
-          <a:xfrm>
-            <a:off x="6372200" y="2852936"/>
-            <a:ext cx="2592289" cy="3168352"/>
-          </a:xfrm>
-          <a:prstGeom prst="rect">
-            <a:avLst/>
-          </a:prstGeom>
-          <a:noFill/>
-          <a:ln>
-            <a:noFill/>
-          </a:ln>
-          <a:extLst>
-            <a:ext uri="{909E8E84-426E-40DD-AFC4-6F175D3DCCD1}">
-              <a14:hiddenFill xmlns:a14="http://schemas.microsoft.com/office/drawing/2010/main">
-                <a:solidFill>
-                  <a:schemeClr val="accent1"/>
-                </a:solidFill>
-              </a14:hiddenFill>
-            </a:ext>
-            <a:ext uri="{91240B29-F687-4F45-9708-019B960494DF}">
-              <a14:hiddenLine xmlns:a14="http://schemas.microsoft.com/office/drawing/2010/main" w="9525">
-                <a:solidFill>
-                  <a:schemeClr val="tx1"/>
-                </a:solidFill>
-                <a:miter lim="800000"/>
-                <a:headEnd/>
-                <a:tailEnd/>
-              </a14:hiddenLine>
-            </a:ext>
-          </a:extLst>
-        </p:spPr>
-      </p:pic>
-    </p:spTree>
-    <p:extLst>
-      <p:ext uri="{BB962C8B-B14F-4D97-AF65-F5344CB8AC3E}">
-        <p14:creationId xmlns:p14="http://schemas.microsoft.com/office/powerpoint/2010/main" val="833370561"/>
-      </p:ext>
-    </p:extLst>
-  </p:cSld>
-  <p:clrMapOvr>
-    <a:masterClrMapping/>
-  </p:clrMapOvr>
-</p:sld>
-</file>
-
-<file path=ppt/slides/slide9.xml><?xml version="1.0" encoding="utf-8"?>
-<p:sld xmlns:a="http://schemas.openxmlformats.org/drawingml/2006/main" xmlns:r="http://schemas.openxmlformats.org/officeDocument/2006/relationships" xmlns:p="http://schemas.openxmlformats.org/presentationml/2006/main">
-  <p:cSld>
-    <p:spTree>
-      <p:nvGrpSpPr>
-        <p:cNvPr id="1" name=""/>
-        <p:cNvGrpSpPr/>
-        <p:nvPr/>
-      </p:nvGrpSpPr>
-      <p:grpSpPr>
-        <a:xfrm>
-          <a:off x="0" y="0"/>
-          <a:ext cx="0" cy="0"/>
-          <a:chOff x="0" y="0"/>
-          <a:chExt cx="0" cy="0"/>
-        </a:xfrm>
-      </p:grpSpPr>
-      <p:sp>
-        <p:nvSpPr>
-          <p:cNvPr id="2" name="제목 1"/>
-          <p:cNvSpPr>
-            <a:spLocks noGrp="1"/>
-          </p:cNvSpPr>
-          <p:nvPr>
-            <p:ph type="title"/>
-          </p:nvPr>
-        </p:nvSpPr>
-        <p:spPr/>
-        <p:txBody>
-          <a:bodyPr/>
-          <a:lstStyle/>
-          <a:p>
-            <a:r>
-              <a:rPr lang="ko-KR" altLang="en-US"/>
-              <a:t>다크 코인과 </a:t>
-            </a:r>
-            <a:r>
-              <a:rPr lang="en-US" altLang="ko-KR"/>
-              <a:t>51% </a:t>
-            </a:r>
-            <a:r>
-              <a:rPr lang="ko-KR" altLang="en-US"/>
-              <a:t>공격</a:t>
-            </a:r>
-            <a:endParaRPr lang="ko-KR" altLang="en-US" b="0">
-              <a:solidFill>
-                <a:srgbClr val="C00000"/>
-              </a:solidFill>
-            </a:endParaRPr>
-          </a:p>
-        </p:txBody>
-      </p:sp>
-      <p:sp>
-        <p:nvSpPr>
-          <p:cNvPr id="3" name="내용 개체 틀 2"/>
-          <p:cNvSpPr>
-            <a:spLocks noGrp="1"/>
-          </p:cNvSpPr>
-          <p:nvPr>
-            <p:ph idx="1"/>
-          </p:nvPr>
-        </p:nvSpPr>
-        <p:spPr/>
-        <p:txBody>
-          <a:bodyPr>
-            <a:normAutofit fontScale="92500" lnSpcReduction="10000"/>
-          </a:bodyPr>
-          <a:lstStyle/>
-          <a:p>
-            <a:r>
-              <a:rPr lang="ko-KR" altLang="en-US"/>
-              <a:t>해시 파워</a:t>
-            </a:r>
-            <a:r>
-              <a:rPr lang="en-US" altLang="ko-KR"/>
-              <a:t>(Hash Power</a:t>
-            </a:r>
-            <a:r>
-              <a:rPr lang="en-US" altLang="ko-KR" smtClean="0"/>
-              <a:t>)</a:t>
-            </a:r>
-          </a:p>
-          <a:p>
-            <a:pPr lvl="1"/>
-            <a:r>
-              <a:rPr lang="ko-KR" altLang="en-US" smtClean="0">
-                <a:solidFill>
-                  <a:schemeClr val="tx1"/>
-                </a:solidFill>
-              </a:rPr>
-              <a:t>암호화폐 </a:t>
-            </a:r>
-            <a:r>
-              <a:rPr lang="ko-KR" altLang="en-US">
-                <a:solidFill>
-                  <a:schemeClr val="tx1"/>
-                </a:solidFill>
-              </a:rPr>
-              <a:t>채굴에서 사용되는 핵심 개념으로</a:t>
-            </a:r>
-            <a:r>
-              <a:rPr lang="en-US" altLang="ko-KR">
-                <a:solidFill>
-                  <a:schemeClr val="tx1"/>
-                </a:solidFill>
-              </a:rPr>
-              <a:t>, </a:t>
-            </a:r>
-            <a:r>
-              <a:rPr lang="ko-KR" altLang="en-US">
-                <a:solidFill>
-                  <a:schemeClr val="tx1"/>
-                </a:solidFill>
-              </a:rPr>
-              <a:t>특정 블록체인 네트워크가 </a:t>
-            </a:r>
-            <a:r>
-              <a:rPr lang="en-US" altLang="ko-KR" smtClean="0">
-                <a:solidFill>
-                  <a:schemeClr val="tx1"/>
-                </a:solidFill>
-              </a:rPr>
-              <a:t/>
-            </a:r>
-            <a:br>
-              <a:rPr lang="en-US" altLang="ko-KR" smtClean="0">
-                <a:solidFill>
-                  <a:schemeClr val="tx1"/>
-                </a:solidFill>
-              </a:rPr>
-            </a:br>
-            <a:r>
-              <a:rPr lang="ko-KR" altLang="en-US" smtClean="0"/>
-              <a:t>초당 </a:t>
-            </a:r>
-            <a:r>
-              <a:rPr lang="ko-KR" altLang="en-US"/>
-              <a:t>수행할 수 있는 해시 연산의 총량을 </a:t>
-            </a:r>
-            <a:r>
-              <a:rPr lang="ko-KR" altLang="en-US" smtClean="0"/>
-              <a:t>나타냄</a:t>
-            </a:r>
-            <a:endParaRPr lang="en-US" altLang="ko-KR" smtClean="0"/>
-          </a:p>
-          <a:p>
-            <a:pPr lvl="2"/>
-            <a:r>
-              <a:rPr lang="ko-KR" altLang="en-US" smtClean="0">
-                <a:solidFill>
-                  <a:schemeClr val="tx1"/>
-                </a:solidFill>
-              </a:rPr>
-              <a:t>해시 </a:t>
-            </a:r>
-            <a:r>
-              <a:rPr lang="ko-KR" altLang="en-US">
-                <a:solidFill>
-                  <a:schemeClr val="tx1"/>
-                </a:solidFill>
-              </a:rPr>
-              <a:t>파워의 단위는 주로 </a:t>
-            </a:r>
-            <a:r>
-              <a:rPr lang="en-US" altLang="ko-KR">
-                <a:solidFill>
-                  <a:schemeClr val="tx1"/>
-                </a:solidFill>
-              </a:rPr>
-              <a:t>H/s (</a:t>
-            </a:r>
-            <a:r>
-              <a:rPr lang="ko-KR" altLang="en-US">
-                <a:solidFill>
-                  <a:schemeClr val="tx1"/>
-                </a:solidFill>
-              </a:rPr>
-              <a:t>초당 해시</a:t>
-            </a:r>
-            <a:r>
-              <a:rPr lang="en-US" altLang="ko-KR">
-                <a:solidFill>
-                  <a:schemeClr val="tx1"/>
-                </a:solidFill>
-              </a:rPr>
-              <a:t>), KH/s, MH/s, GH/s, TH/s, PH/s, EH/s</a:t>
-            </a:r>
-            <a:r>
-              <a:rPr lang="ko-KR" altLang="en-US">
-                <a:solidFill>
-                  <a:schemeClr val="tx1"/>
-                </a:solidFill>
-              </a:rPr>
-              <a:t> 등으로 </a:t>
-            </a:r>
-            <a:r>
-              <a:rPr lang="ko-KR" altLang="en-US" smtClean="0">
-                <a:solidFill>
-                  <a:schemeClr val="tx1"/>
-                </a:solidFill>
-              </a:rPr>
-              <a:t>표기</a:t>
-            </a:r>
-            <a:endParaRPr lang="en-US" altLang="ko-KR" smtClean="0">
-              <a:solidFill>
-                <a:schemeClr val="tx1"/>
-              </a:solidFill>
-            </a:endParaRPr>
-          </a:p>
-          <a:p>
-            <a:pPr lvl="1"/>
-            <a:r>
-              <a:rPr lang="ko-KR" altLang="en-US" smtClean="0">
-                <a:solidFill>
-                  <a:schemeClr val="tx1"/>
-                </a:solidFill>
-              </a:rPr>
-              <a:t>주로 </a:t>
-            </a:r>
-            <a:r>
-              <a:rPr lang="ko-KR" altLang="en-US"/>
-              <a:t>작업 증명</a:t>
-            </a:r>
-            <a:r>
-              <a:rPr lang="en-US" altLang="ko-KR"/>
-              <a:t>(Proof of Work, PoW)</a:t>
-            </a:r>
-            <a:r>
-              <a:rPr lang="ko-KR" altLang="en-US"/>
-              <a:t> 방식의 암호화폐</a:t>
-            </a:r>
-            <a:r>
-              <a:rPr lang="en-US" altLang="ko-KR"/>
-              <a:t>(</a:t>
-            </a:r>
-            <a:r>
-              <a:rPr lang="ko-KR" altLang="en-US"/>
-              <a:t>예</a:t>
-            </a:r>
-            <a:r>
-              <a:rPr lang="en-US" altLang="ko-KR"/>
-              <a:t>: </a:t>
-            </a:r>
-            <a:r>
-              <a:rPr lang="ko-KR" altLang="en-US"/>
-              <a:t>비트코인</a:t>
-            </a:r>
-            <a:r>
-              <a:rPr lang="en-US" altLang="ko-KR"/>
-              <a:t>) </a:t>
-            </a:r>
-            <a:r>
-              <a:rPr lang="en-US" altLang="ko-KR" smtClean="0"/>
-              <a:t/>
-            </a:r>
-            <a:br>
-              <a:rPr lang="en-US" altLang="ko-KR" smtClean="0"/>
-            </a:br>
-            <a:r>
-              <a:rPr lang="ko-KR" altLang="en-US" smtClean="0"/>
-              <a:t>채굴에서 </a:t>
-            </a:r>
-            <a:r>
-              <a:rPr lang="ko-KR" altLang="en-US">
-                <a:solidFill>
-                  <a:schemeClr val="tx1"/>
-                </a:solidFill>
-              </a:rPr>
-              <a:t>중요한 역할을 </a:t>
-            </a:r>
-            <a:r>
-              <a:rPr lang="ko-KR" altLang="en-US" smtClean="0">
-                <a:solidFill>
-                  <a:schemeClr val="tx1"/>
-                </a:solidFill>
-              </a:rPr>
-              <a:t>함</a:t>
-            </a:r>
-            <a:endParaRPr lang="en-US" altLang="ko-KR" smtClean="0">
-              <a:solidFill>
-                <a:schemeClr val="tx1"/>
-              </a:solidFill>
-            </a:endParaRPr>
-          </a:p>
-          <a:p>
-            <a:pPr lvl="2"/>
-            <a:r>
-              <a:rPr lang="en-US" altLang="ko-KR" smtClean="0"/>
-              <a:t>PoW </a:t>
-            </a:r>
-            <a:r>
-              <a:rPr lang="ko-KR" altLang="en-US"/>
-              <a:t>방식에서 채굴자들은 복잡한 수학적 문제를 풀어 새로운 블록을 찾고 </a:t>
-            </a:r>
-            <a:r>
-              <a:rPr lang="en-US" altLang="ko-KR" smtClean="0"/>
-              <a:t/>
-            </a:r>
-            <a:br>
-              <a:rPr lang="en-US" altLang="ko-KR" smtClean="0"/>
-            </a:br>
-            <a:r>
-              <a:rPr lang="ko-KR" altLang="en-US" smtClean="0"/>
-              <a:t>블록체인에 추가</a:t>
-            </a:r>
-            <a:endParaRPr lang="en-US" altLang="ko-KR" smtClean="0"/>
-          </a:p>
-          <a:p>
-            <a:pPr lvl="2"/>
-            <a:r>
-              <a:rPr lang="ko-KR" altLang="en-US" smtClean="0"/>
-              <a:t>이 </a:t>
-            </a:r>
-            <a:r>
-              <a:rPr lang="ko-KR" altLang="en-US">
-                <a:solidFill>
-                  <a:srgbClr val="006600"/>
-                </a:solidFill>
-              </a:rPr>
-              <a:t>문제를 푸는 과정이 바로 </a:t>
-            </a:r>
-            <a:r>
-              <a:rPr lang="en-US" altLang="ko-KR">
-                <a:solidFill>
-                  <a:srgbClr val="006600"/>
-                </a:solidFill>
-              </a:rPr>
-              <a:t>'</a:t>
-            </a:r>
-            <a:r>
-              <a:rPr lang="ko-KR" altLang="en-US">
-                <a:solidFill>
-                  <a:srgbClr val="006600"/>
-                </a:solidFill>
-              </a:rPr>
-              <a:t>해시 연산</a:t>
-            </a:r>
-            <a:r>
-              <a:rPr lang="en-US" altLang="ko-KR">
-                <a:solidFill>
-                  <a:srgbClr val="006600"/>
-                </a:solidFill>
-              </a:rPr>
-              <a:t>'</a:t>
-            </a:r>
-            <a:r>
-              <a:rPr lang="ko-KR" altLang="en-US">
-                <a:solidFill>
-                  <a:srgbClr val="006600"/>
-                </a:solidFill>
-              </a:rPr>
-              <a:t>이며</a:t>
-            </a:r>
-            <a:r>
-              <a:rPr lang="en-US" altLang="ko-KR">
-                <a:solidFill>
-                  <a:srgbClr val="006600"/>
-                </a:solidFill>
-              </a:rPr>
-              <a:t>, </a:t>
-            </a:r>
-            <a:r>
-              <a:rPr lang="ko-KR" altLang="en-US">
-                <a:solidFill>
-                  <a:srgbClr val="006600"/>
-                </a:solidFill>
-              </a:rPr>
-              <a:t>특정 조건을 만족하는 해시 값을 </a:t>
-            </a:r>
-            <a:r>
-              <a:rPr lang="en-US" altLang="ko-KR" smtClean="0">
-                <a:solidFill>
-                  <a:srgbClr val="006600"/>
-                </a:solidFill>
-              </a:rPr>
-              <a:t/>
-            </a:r>
-            <a:br>
-              <a:rPr lang="en-US" altLang="ko-KR" smtClean="0">
-                <a:solidFill>
-                  <a:srgbClr val="006600"/>
-                </a:solidFill>
-              </a:rPr>
-            </a:br>
-            <a:r>
-              <a:rPr lang="ko-KR" altLang="en-US" smtClean="0">
-                <a:solidFill>
-                  <a:srgbClr val="006600"/>
-                </a:solidFill>
-              </a:rPr>
-              <a:t>찾는 것임</a:t>
-            </a:r>
-            <a:endParaRPr lang="en-US" altLang="ko-KR" smtClean="0">
-              <a:solidFill>
-                <a:srgbClr val="006600"/>
-              </a:solidFill>
-            </a:endParaRPr>
-          </a:p>
-          <a:p>
-            <a:pPr lvl="2"/>
-            <a:r>
-              <a:rPr lang="ko-KR" altLang="en-US" smtClean="0">
-                <a:solidFill>
-                  <a:srgbClr val="006600"/>
-                </a:solidFill>
-              </a:rPr>
-              <a:t>높은 </a:t>
-            </a:r>
-            <a:r>
-              <a:rPr lang="ko-KR" altLang="en-US">
-                <a:solidFill>
-                  <a:srgbClr val="006600"/>
-                </a:solidFill>
-              </a:rPr>
-              <a:t>해시 파워 </a:t>
-            </a:r>
-            <a:r>
-              <a:rPr lang="en-US" altLang="ko-KR">
-                <a:solidFill>
-                  <a:srgbClr val="006600"/>
-                </a:solidFill>
-              </a:rPr>
-              <a:t>= </a:t>
-            </a:r>
-            <a:r>
-              <a:rPr lang="ko-KR" altLang="en-US">
-                <a:solidFill>
-                  <a:srgbClr val="006600"/>
-                </a:solidFill>
-              </a:rPr>
-              <a:t>높은 채굴 </a:t>
-            </a:r>
-            <a:r>
-              <a:rPr lang="ko-KR" altLang="en-US" smtClean="0">
-                <a:solidFill>
-                  <a:srgbClr val="006600"/>
-                </a:solidFill>
-              </a:rPr>
-              <a:t>성공률 </a:t>
-            </a:r>
-            <a:r>
-              <a:rPr lang="en-US" altLang="ko-KR" smtClean="0"/>
-              <a:t>-</a:t>
-            </a:r>
-            <a:r>
-              <a:rPr lang="ko-KR" altLang="en-US" smtClean="0"/>
-              <a:t> </a:t>
-            </a:r>
-            <a:r>
-              <a:rPr lang="ko-KR" altLang="en-US"/>
-              <a:t>해시 파워가 높을수록 초당 더 많은 </a:t>
-            </a:r>
-            <a:r>
-              <a:rPr lang="en-US" altLang="ko-KR" smtClean="0"/>
-              <a:t/>
-            </a:r>
-            <a:br>
-              <a:rPr lang="en-US" altLang="ko-KR" smtClean="0"/>
-            </a:br>
-            <a:r>
-              <a:rPr lang="ko-KR" altLang="en-US" smtClean="0"/>
-              <a:t>해시 </a:t>
-            </a:r>
-            <a:r>
-              <a:rPr lang="ko-KR" altLang="en-US"/>
-              <a:t>연산을 수행할 수 있다는 의미이며</a:t>
-            </a:r>
-            <a:r>
-              <a:rPr lang="en-US" altLang="ko-KR"/>
-              <a:t>, </a:t>
-            </a:r>
-            <a:r>
-              <a:rPr lang="ko-KR" altLang="en-US"/>
-              <a:t>이는 블록을 발견할 확률이 높아져 </a:t>
-            </a:r>
-            <a:r>
-              <a:rPr lang="en-US" altLang="ko-KR" smtClean="0"/>
-              <a:t/>
-            </a:r>
-            <a:br>
-              <a:rPr lang="en-US" altLang="ko-KR" smtClean="0"/>
-            </a:br>
-            <a:r>
-              <a:rPr lang="ko-KR" altLang="en-US" smtClean="0">
-                <a:solidFill>
-                  <a:srgbClr val="006600"/>
-                </a:solidFill>
-              </a:rPr>
-              <a:t>채굴에 </a:t>
-            </a:r>
-            <a:r>
-              <a:rPr lang="ko-KR" altLang="en-US">
-                <a:solidFill>
-                  <a:srgbClr val="006600"/>
-                </a:solidFill>
-              </a:rPr>
-              <a:t>성공할 가능성이 커진다는 것을 </a:t>
-            </a:r>
-            <a:r>
-              <a:rPr lang="ko-KR" altLang="en-US" smtClean="0">
-                <a:solidFill>
-                  <a:srgbClr val="006600"/>
-                </a:solidFill>
-              </a:rPr>
-              <a:t>뜻함</a:t>
-            </a:r>
-            <a:endParaRPr lang="en-US" altLang="ko-KR" smtClean="0">
-              <a:solidFill>
-                <a:srgbClr val="006600"/>
-              </a:solidFill>
-            </a:endParaRPr>
-          </a:p>
-          <a:p>
-            <a:pPr lvl="2"/>
-            <a:r>
-              <a:rPr lang="ko-KR" altLang="en-US" smtClean="0"/>
-              <a:t>네트워크 보안 </a:t>
-            </a:r>
-            <a:r>
-              <a:rPr lang="en-US" altLang="ko-KR" smtClean="0"/>
-              <a:t>-</a:t>
-            </a:r>
-            <a:r>
-              <a:rPr lang="ko-KR" altLang="en-US" smtClean="0"/>
-              <a:t> </a:t>
-            </a:r>
-            <a:r>
-              <a:rPr lang="ko-KR" altLang="en-US"/>
-              <a:t>네트워크 전체의 해시 파워가 높을수록 블록체인 네트워크의 </a:t>
-            </a:r>
-            <a:r>
-              <a:rPr lang="en-US" altLang="ko-KR" smtClean="0"/>
-              <a:t/>
-            </a:r>
-            <a:br>
-              <a:rPr lang="en-US" altLang="ko-KR" smtClean="0"/>
-            </a:br>
-            <a:r>
-              <a:rPr lang="ko-KR" altLang="en-US" smtClean="0"/>
-              <a:t>보안성이 강화됨</a:t>
-            </a:r>
-            <a:endParaRPr lang="en-US" altLang="ko-KR" smtClean="0"/>
-          </a:p>
-          <a:p>
-            <a:pPr lvl="3"/>
-            <a:r>
-              <a:rPr lang="ko-KR" altLang="en-US" smtClean="0"/>
-              <a:t>왜냐하면 </a:t>
-            </a:r>
-            <a:r>
-              <a:rPr lang="en-US" altLang="ko-KR"/>
-              <a:t>51% </a:t>
-            </a:r>
-            <a:r>
-              <a:rPr lang="ko-KR" altLang="en-US"/>
-              <a:t>공격과 같은 해킹 시도를 위해서는 </a:t>
-            </a:r>
-            <a:r>
-              <a:rPr lang="ko-KR" altLang="en-US">
-                <a:solidFill>
-                  <a:schemeClr val="accent6">
-                    <a:lumMod val="75000"/>
-                  </a:schemeClr>
-                </a:solidFill>
-              </a:rPr>
-              <a:t>네트워크 전체 해시 파워의 </a:t>
-            </a:r>
-            <a:r>
-              <a:rPr lang="en-US" altLang="ko-KR">
-                <a:solidFill>
-                  <a:schemeClr val="accent6">
-                    <a:lumMod val="75000"/>
-                  </a:schemeClr>
-                </a:solidFill>
-              </a:rPr>
-              <a:t>51% </a:t>
-            </a:r>
-            <a:r>
-              <a:rPr lang="en-US" altLang="ko-KR" smtClean="0">
-                <a:solidFill>
-                  <a:schemeClr val="accent6">
-                    <a:lumMod val="75000"/>
-                  </a:schemeClr>
-                </a:solidFill>
-              </a:rPr>
-              <a:t/>
-            </a:r>
-            <a:br>
-              <a:rPr lang="en-US" altLang="ko-KR" smtClean="0">
-                <a:solidFill>
-                  <a:schemeClr val="accent6">
-                    <a:lumMod val="75000"/>
-                  </a:schemeClr>
-                </a:solidFill>
-              </a:rPr>
-            </a:br>
-            <a:r>
-              <a:rPr lang="ko-KR" altLang="en-US" smtClean="0">
-                <a:solidFill>
-                  <a:schemeClr val="accent6">
-                    <a:lumMod val="75000"/>
-                  </a:schemeClr>
-                </a:solidFill>
-              </a:rPr>
-              <a:t>이상을 </a:t>
-            </a:r>
-            <a:r>
-              <a:rPr lang="ko-KR" altLang="en-US">
-                <a:solidFill>
-                  <a:schemeClr val="accent6">
-                    <a:lumMod val="75000"/>
-                  </a:schemeClr>
-                </a:solidFill>
-              </a:rPr>
-              <a:t>장악해야</a:t>
-            </a:r>
-            <a:r>
-              <a:rPr lang="ko-KR" altLang="en-US"/>
-              <a:t> 하는데</a:t>
-            </a:r>
-            <a:r>
-              <a:rPr lang="en-US" altLang="ko-KR"/>
-              <a:t>, </a:t>
-            </a:r>
-            <a:r>
-              <a:rPr lang="ko-KR" altLang="en-US"/>
-              <a:t>전체 해시 파워가 높을수록 이를 장악하기 위한 </a:t>
-            </a:r>
-            <a:r>
-              <a:rPr lang="en-US" altLang="ko-KR" smtClean="0"/>
-              <a:t/>
-            </a:r>
-            <a:br>
-              <a:rPr lang="en-US" altLang="ko-KR" smtClean="0"/>
-            </a:br>
-            <a:r>
-              <a:rPr lang="ko-KR" altLang="en-US" smtClean="0">
-                <a:solidFill>
-                  <a:schemeClr val="accent6">
-                    <a:lumMod val="75000"/>
-                  </a:schemeClr>
-                </a:solidFill>
-              </a:rPr>
-              <a:t>비용과 </a:t>
-            </a:r>
-            <a:r>
-              <a:rPr lang="ko-KR" altLang="en-US">
-                <a:solidFill>
-                  <a:schemeClr val="accent6">
-                    <a:lumMod val="75000"/>
-                  </a:schemeClr>
-                </a:solidFill>
-              </a:rPr>
-              <a:t>자원이 </a:t>
-            </a:r>
-            <a:r>
-              <a:rPr lang="ko-KR" altLang="en-US" smtClean="0">
-                <a:solidFill>
-                  <a:schemeClr val="accent6">
-                    <a:lumMod val="75000"/>
-                  </a:schemeClr>
-                </a:solidFill>
-              </a:rPr>
-              <a:t>천문학적으로 </a:t>
-            </a:r>
-            <a:r>
-              <a:rPr lang="ko-KR" altLang="en-US">
-                <a:solidFill>
-                  <a:schemeClr val="accent6">
-                    <a:lumMod val="75000"/>
-                  </a:schemeClr>
-                </a:solidFill>
-              </a:rPr>
-              <a:t>증가하기 </a:t>
-            </a:r>
-            <a:r>
-              <a:rPr lang="ko-KR" altLang="en-US" smtClean="0">
-                <a:solidFill>
-                  <a:schemeClr val="accent6">
-                    <a:lumMod val="75000"/>
-                  </a:schemeClr>
-                </a:solidFill>
-              </a:rPr>
-              <a:t>때문임</a:t>
-            </a:r>
-            <a:endParaRPr lang="ko-KR" altLang="en-US">
-              <a:solidFill>
-                <a:schemeClr val="accent6">
-                  <a:lumMod val="75000"/>
-                </a:schemeClr>
-              </a:solidFill>
-            </a:endParaRPr>
-          </a:p>
-        </p:txBody>
-      </p:sp>
-    </p:spTree>
-    <p:extLst>
-      <p:ext uri="{BB962C8B-B14F-4D97-AF65-F5344CB8AC3E}">
-        <p14:creationId xmlns:p14="http://schemas.microsoft.com/office/powerpoint/2010/main" val="3804580"/>
       </p:ext>
     </p:extLst>
   </p:cSld>
